--- a/02 Specialization and Trade.pptx
+++ b/02 Specialization and Trade.pptx
@@ -5,7 +5,7 @@
     <p:sldMasterId id="2147483648" r:id="rId1"/>
   </p:sldMasterIdLst>
   <p:notesMasterIdLst>
-    <p:notesMasterId r:id="rId20"/>
+    <p:notesMasterId r:id="rId22"/>
   </p:notesMasterIdLst>
   <p:sldIdLst>
     <p:sldId id="348" r:id="rId2"/>
@@ -23,9 +23,11 @@
     <p:sldId id="332" r:id="rId14"/>
     <p:sldId id="333" r:id="rId15"/>
     <p:sldId id="334" r:id="rId16"/>
-    <p:sldId id="335" r:id="rId17"/>
-    <p:sldId id="336" r:id="rId18"/>
-    <p:sldId id="350" r:id="rId19"/>
+    <p:sldId id="354" r:id="rId17"/>
+    <p:sldId id="353" r:id="rId18"/>
+    <p:sldId id="355" r:id="rId19"/>
+    <p:sldId id="336" r:id="rId20"/>
+    <p:sldId id="350" r:id="rId21"/>
   </p:sldIdLst>
   <p:sldSz cx="12192000" cy="6858000"/>
   <p:notesSz cx="6858000" cy="9144000"/>
@@ -214,7 +216,7 @@
           <a:p>
             <a:fld id="{F1698658-9C43-6442-897A-DECE6CC3733D}" type="datetimeFigureOut">
               <a:rPr lang="en-US" smtClean="0"/>
-              <a:t>9/14/21</a:t>
+              <a:t>9/20/21</a:t>
             </a:fld>
             <a:endParaRPr lang="en-US"/>
           </a:p>
@@ -3590,7 +3592,7 @@
             <a:fld id="{CCBEB372-AF32-C642-9DDD-239D8704FBC0}" type="datetimeFigureOut">
               <a:rPr lang="en-US" smtClean="0"/>
               <a:pPr/>
-              <a:t>9/14/21</a:t>
+              <a:t>9/20/21</a:t>
             </a:fld>
             <a:endParaRPr lang="en-US" dirty="0"/>
           </a:p>
@@ -4496,7 +4498,7 @@
             <a:r>
               <a:rPr lang="en-US" sz="2400" dirty="0">
                 <a:solidFill>
-                  <a:srgbClr val="FF0000"/>
+                  <a:srgbClr val="F6726E"/>
                 </a:solidFill>
               </a:rPr>
               <a:t>components</a:t>
@@ -4529,7 +4531,7 @@
             <a:r>
               <a:rPr lang="en-US" sz="2400" dirty="0">
                 <a:solidFill>
-                  <a:srgbClr val="FF0000"/>
+                  <a:srgbClr val="F6726E"/>
                 </a:solidFill>
               </a:rPr>
               <a:t>global supply chains</a:t>
@@ -4716,7 +4718,7 @@
             <a:r>
               <a:rPr lang="en-US" sz="2400" dirty="0">
                 <a:solidFill>
-                  <a:srgbClr val="FF0000"/>
+                  <a:srgbClr val="F6726E"/>
                 </a:solidFill>
               </a:rPr>
               <a:t>absolute advantage </a:t>
@@ -4735,7 +4737,7 @@
             <a:r>
               <a:rPr lang="en-US" sz="2400" dirty="0">
                 <a:solidFill>
-                  <a:srgbClr val="FF0000"/>
+                  <a:srgbClr val="F6726E"/>
                 </a:solidFill>
               </a:rPr>
               <a:t>comparative advantage </a:t>
@@ -4761,7 +4763,7 @@
             <a:r>
               <a:rPr lang="en-US" sz="2400" dirty="0">
                 <a:solidFill>
-                  <a:srgbClr val="FF0000"/>
+                  <a:srgbClr val="F6726E"/>
                 </a:solidFill>
               </a:rPr>
               <a:t>comparative advantage </a:t>
@@ -5078,7 +5080,7 @@
           <a:p>
             <a:r>
               <a:rPr lang="en-US" dirty="0"/>
-              <a:t>Gains from Specialization</a:t>
+              <a:t>Self-Sufficiency</a:t>
             </a:r>
           </a:p>
         </p:txBody>
@@ -5113,7 +5115,7 @@
             <a:r>
               <a:rPr lang="en-US" sz="2400" dirty="0">
                 <a:solidFill>
-                  <a:srgbClr val="FF0000"/>
+                  <a:srgbClr val="F6726E"/>
                 </a:solidFill>
               </a:rPr>
               <a:t>self-sufficient</a:t>
@@ -5146,38 +5148,6 @@
               <a:rPr lang="en-US" sz="2400" dirty="0"/>
               <a:t>How much of each good is produced in the economy? </a:t>
             </a:r>
-          </a:p>
-          <a:p>
-            <a:pPr marL="457200" indent="-457200"/>
-            <a:r>
-              <a:rPr lang="en-US" sz="2400" dirty="0"/>
-              <a:t>Suppose each produces according to </a:t>
-            </a:r>
-            <a:r>
-              <a:rPr lang="en-US" sz="2400" dirty="0">
-                <a:solidFill>
-                  <a:srgbClr val="FF0000"/>
-                </a:solidFill>
-              </a:rPr>
-              <a:t>comparative advantage</a:t>
-            </a:r>
-          </a:p>
-          <a:p>
-            <a:pPr marL="457200" indent="-457200"/>
-            <a:r>
-              <a:rPr lang="en-US" sz="2400" dirty="0"/>
-              <a:t>How much of each good is produced in the economy? </a:t>
-            </a:r>
-          </a:p>
-          <a:p>
-            <a:pPr marL="457200" indent="-457200"/>
-            <a:r>
-              <a:rPr lang="en-US" sz="2400" dirty="0"/>
-              <a:t>Can they trade in a way that leaves them both better off? </a:t>
-            </a:r>
-          </a:p>
-          <a:p>
-            <a:pPr marL="457200" indent="-457200"/>
             <a:endParaRPr lang="en-US" dirty="0"/>
           </a:p>
           <a:p>
@@ -5399,20 +5369,2056 @@
                       </p:childTnLst>
                     </p:cTn>
                   </p:par>
+                </p:childTnLst>
+              </p:cTn>
+              <p:prevCondLst>
+                <p:cond evt="onPrev" delay="0">
+                  <p:tgtEl>
+                    <p:sldTgt/>
+                  </p:tgtEl>
+                </p:cond>
+              </p:prevCondLst>
+              <p:nextCondLst>
+                <p:cond evt="onNext" delay="0">
+                  <p:tgtEl>
+                    <p:sldTgt/>
+                  </p:tgtEl>
+                </p:cond>
+              </p:nextCondLst>
+            </p:seq>
+          </p:childTnLst>
+        </p:cTn>
+      </p:par>
+    </p:tnLst>
+  </p:timing>
+</p:sld>
+</file>
+
+<file path=ppt/slides/slide16.xml><?xml version="1.0" encoding="utf-8"?>
+<p:sld xmlns:a="http://schemas.openxmlformats.org/drawingml/2006/main" xmlns:r="http://schemas.openxmlformats.org/officeDocument/2006/relationships" xmlns:p="http://schemas.openxmlformats.org/presentationml/2006/main" showMasterSp="0">
+  <p:cSld>
+    <p:spTree>
+      <p:nvGrpSpPr>
+        <p:cNvPr id="1" name=""/>
+        <p:cNvGrpSpPr/>
+        <p:nvPr/>
+      </p:nvGrpSpPr>
+      <p:grpSpPr>
+        <a:xfrm>
+          <a:off x="0" y="0"/>
+          <a:ext cx="0" cy="0"/>
+          <a:chOff x="0" y="0"/>
+          <a:chExt cx="0" cy="0"/>
+        </a:xfrm>
+      </p:grpSpPr>
+      <p:graphicFrame>
+        <p:nvGraphicFramePr>
+          <p:cNvPr id="7" name="Table 6">
+            <a:extLst>
+              <a:ext uri="{FF2B5EF4-FFF2-40B4-BE49-F238E27FC236}">
+                <a16:creationId xmlns:a16="http://schemas.microsoft.com/office/drawing/2014/main" id="{AEF02824-1E4D-DC43-9CE8-1DF7AF2EFAEC}"/>
+              </a:ext>
+            </a:extLst>
+          </p:cNvPr>
+          <p:cNvGraphicFramePr>
+            <a:graphicFrameLocks noGrp="1"/>
+          </p:cNvGraphicFramePr>
+          <p:nvPr>
+            <p:extLst>
+              <p:ext uri="{D42A27DB-BD31-4B8C-83A1-F6EECF244321}">
+                <p14:modId xmlns:p14="http://schemas.microsoft.com/office/powerpoint/2010/main" val="482331770"/>
+              </p:ext>
+            </p:extLst>
+          </p:nvPr>
+        </p:nvGraphicFramePr>
+        <p:xfrm>
+          <a:off x="1200150" y="2438400"/>
+          <a:ext cx="9791703" cy="1981200"/>
+        </p:xfrm>
+        <a:graphic>
+          <a:graphicData uri="http://schemas.openxmlformats.org/drawingml/2006/table">
+            <a:tbl>
+              <a:tblPr>
+                <a:tableStyleId>{5C22544A-7EE6-4342-B048-85BDC9FD1C3A}</a:tableStyleId>
+              </a:tblPr>
+              <a:tblGrid>
+                <a:gridCol w="1531733">
+                  <a:extLst>
+                    <a:ext uri="{9D8B030D-6E8A-4147-A177-3AD203B41FA5}">
+                      <a16:colId xmlns:a16="http://schemas.microsoft.com/office/drawing/2014/main" val="1971712577"/>
+                    </a:ext>
+                  </a:extLst>
+                </a:gridCol>
+                <a:gridCol w="825997">
+                  <a:extLst>
+                    <a:ext uri="{9D8B030D-6E8A-4147-A177-3AD203B41FA5}">
+                      <a16:colId xmlns:a16="http://schemas.microsoft.com/office/drawing/2014/main" val="1189104007"/>
+                    </a:ext>
+                  </a:extLst>
+                </a:gridCol>
+                <a:gridCol w="825997">
+                  <a:extLst>
+                    <a:ext uri="{9D8B030D-6E8A-4147-A177-3AD203B41FA5}">
+                      <a16:colId xmlns:a16="http://schemas.microsoft.com/office/drawing/2014/main" val="3510389429"/>
+                    </a:ext>
+                  </a:extLst>
+                </a:gridCol>
+                <a:gridCol w="825997">
+                  <a:extLst>
+                    <a:ext uri="{9D8B030D-6E8A-4147-A177-3AD203B41FA5}">
+                      <a16:colId xmlns:a16="http://schemas.microsoft.com/office/drawing/2014/main" val="3713188773"/>
+                    </a:ext>
+                  </a:extLst>
+                </a:gridCol>
+                <a:gridCol w="825997">
+                  <a:extLst>
+                    <a:ext uri="{9D8B030D-6E8A-4147-A177-3AD203B41FA5}">
+                      <a16:colId xmlns:a16="http://schemas.microsoft.com/office/drawing/2014/main" val="3818513210"/>
+                    </a:ext>
+                  </a:extLst>
+                </a:gridCol>
+                <a:gridCol w="825997">
+                  <a:extLst>
+                    <a:ext uri="{9D8B030D-6E8A-4147-A177-3AD203B41FA5}">
+                      <a16:colId xmlns:a16="http://schemas.microsoft.com/office/drawing/2014/main" val="3871681812"/>
+                    </a:ext>
+                  </a:extLst>
+                </a:gridCol>
+                <a:gridCol w="825997">
+                  <a:extLst>
+                    <a:ext uri="{9D8B030D-6E8A-4147-A177-3AD203B41FA5}">
+                      <a16:colId xmlns:a16="http://schemas.microsoft.com/office/drawing/2014/main" val="2308173739"/>
+                    </a:ext>
+                  </a:extLst>
+                </a:gridCol>
+                <a:gridCol w="825997">
+                  <a:extLst>
+                    <a:ext uri="{9D8B030D-6E8A-4147-A177-3AD203B41FA5}">
+                      <a16:colId xmlns:a16="http://schemas.microsoft.com/office/drawing/2014/main" val="1496083225"/>
+                    </a:ext>
+                  </a:extLst>
+                </a:gridCol>
+                <a:gridCol w="825997">
+                  <a:extLst>
+                    <a:ext uri="{9D8B030D-6E8A-4147-A177-3AD203B41FA5}">
+                      <a16:colId xmlns:a16="http://schemas.microsoft.com/office/drawing/2014/main" val="3895385154"/>
+                    </a:ext>
+                  </a:extLst>
+                </a:gridCol>
+                <a:gridCol w="825997">
+                  <a:extLst>
+                    <a:ext uri="{9D8B030D-6E8A-4147-A177-3AD203B41FA5}">
+                      <a16:colId xmlns:a16="http://schemas.microsoft.com/office/drawing/2014/main" val="1058136477"/>
+                    </a:ext>
+                  </a:extLst>
+                </a:gridCol>
+                <a:gridCol w="825997">
+                  <a:extLst>
+                    <a:ext uri="{9D8B030D-6E8A-4147-A177-3AD203B41FA5}">
+                      <a16:colId xmlns:a16="http://schemas.microsoft.com/office/drawing/2014/main" val="392678972"/>
+                    </a:ext>
+                  </a:extLst>
+                </a:gridCol>
+              </a:tblGrid>
+              <a:tr h="330200">
+                <a:tc rowSpan="3">
+                  <a:txBody>
+                    <a:bodyPr/>
+                    <a:lstStyle/>
+                    <a:p>
+                      <a:pPr algn="l" fontAlgn="b"/>
+                      <a:r>
+                        <a:rPr lang="en-US" sz="1800" u="none" strike="noStrike">
+                          <a:effectLst/>
+                          <a:latin typeface="Palatino Linotype" panose="02040502050505030304" pitchFamily="18" charset="0"/>
+                        </a:rPr>
+                        <a:t> </a:t>
+                      </a:r>
+                      <a:endParaRPr lang="en-US" sz="1800" b="0" i="0" u="none" strike="noStrike">
+                        <a:solidFill>
+                          <a:srgbClr val="000000"/>
+                        </a:solidFill>
+                        <a:effectLst/>
+                        <a:latin typeface="Palatino Linotype" panose="02040502050505030304" pitchFamily="18" charset="0"/>
+                      </a:endParaRPr>
+                    </a:p>
+                  </a:txBody>
+                  <a:tcPr marL="9525" marR="9525" marT="9525" marB="0" anchor="b"/>
+                </a:tc>
+                <a:tc gridSpan="4">
+                  <a:txBody>
+                    <a:bodyPr/>
+                    <a:lstStyle/>
+                    <a:p>
+                      <a:pPr algn="ctr" fontAlgn="ctr"/>
+                      <a:r>
+                        <a:rPr lang="en-US" sz="1800" u="none" strike="noStrike">
+                          <a:effectLst/>
+                          <a:latin typeface="Palatino Linotype" panose="02040502050505030304" pitchFamily="18" charset="0"/>
+                        </a:rPr>
+                        <a:t>Greta</a:t>
+                      </a:r>
+                      <a:endParaRPr lang="en-US" sz="1800" b="1" i="0" u="none" strike="noStrike">
+                        <a:solidFill>
+                          <a:srgbClr val="000000"/>
+                        </a:solidFill>
+                        <a:effectLst/>
+                        <a:latin typeface="Palatino Linotype" panose="02040502050505030304" pitchFamily="18" charset="0"/>
+                      </a:endParaRPr>
+                    </a:p>
+                  </a:txBody>
+                  <a:tcPr marL="9525" marR="9525" marT="9525" marB="0" anchor="ctr"/>
+                </a:tc>
+                <a:tc hMerge="1">
+                  <a:txBody>
+                    <a:bodyPr/>
+                    <a:lstStyle/>
+                    <a:p>
+                      <a:endParaRPr lang="en-US"/>
+                    </a:p>
+                  </a:txBody>
+                  <a:tcPr/>
+                </a:tc>
+                <a:tc hMerge="1">
+                  <a:txBody>
+                    <a:bodyPr/>
+                    <a:lstStyle/>
+                    <a:p>
+                      <a:endParaRPr lang="en-US"/>
+                    </a:p>
+                  </a:txBody>
+                  <a:tcPr/>
+                </a:tc>
+                <a:tc hMerge="1">
+                  <a:txBody>
+                    <a:bodyPr/>
+                    <a:lstStyle/>
+                    <a:p>
+                      <a:endParaRPr lang="en-US"/>
+                    </a:p>
+                  </a:txBody>
+                  <a:tcPr/>
+                </a:tc>
+                <a:tc gridSpan="4">
+                  <a:txBody>
+                    <a:bodyPr/>
+                    <a:lstStyle/>
+                    <a:p>
+                      <a:pPr algn="ctr" fontAlgn="ctr"/>
+                      <a:r>
+                        <a:rPr lang="en-US" sz="1800" u="none" strike="noStrike">
+                          <a:effectLst/>
+                          <a:latin typeface="Palatino Linotype" panose="02040502050505030304" pitchFamily="18" charset="0"/>
+                        </a:rPr>
+                        <a:t>Carlos</a:t>
+                      </a:r>
+                      <a:endParaRPr lang="en-US" sz="1800" b="1" i="0" u="none" strike="noStrike">
+                        <a:solidFill>
+                          <a:srgbClr val="000000"/>
+                        </a:solidFill>
+                        <a:effectLst/>
+                        <a:latin typeface="Palatino Linotype" panose="02040502050505030304" pitchFamily="18" charset="0"/>
+                      </a:endParaRPr>
+                    </a:p>
+                  </a:txBody>
+                  <a:tcPr marL="9525" marR="9525" marT="9525" marB="0" anchor="ctr"/>
+                </a:tc>
+                <a:tc hMerge="1">
+                  <a:txBody>
+                    <a:bodyPr/>
+                    <a:lstStyle/>
+                    <a:p>
+                      <a:endParaRPr lang="en-US"/>
+                    </a:p>
+                  </a:txBody>
+                  <a:tcPr/>
+                </a:tc>
+                <a:tc hMerge="1">
+                  <a:txBody>
+                    <a:bodyPr/>
+                    <a:lstStyle/>
+                    <a:p>
+                      <a:endParaRPr lang="en-US"/>
+                    </a:p>
+                  </a:txBody>
+                  <a:tcPr/>
+                </a:tc>
+                <a:tc hMerge="1">
+                  <a:txBody>
+                    <a:bodyPr/>
+                    <a:lstStyle/>
+                    <a:p>
+                      <a:endParaRPr lang="en-US"/>
+                    </a:p>
+                  </a:txBody>
+                  <a:tcPr/>
+                </a:tc>
+                <a:tc gridSpan="2">
+                  <a:txBody>
+                    <a:bodyPr/>
+                    <a:lstStyle/>
+                    <a:p>
+                      <a:pPr algn="ctr" fontAlgn="ctr"/>
+                      <a:r>
+                        <a:rPr lang="en-US" sz="1800" u="none" strike="noStrike">
+                          <a:effectLst/>
+                          <a:latin typeface="Palatino Linotype" panose="02040502050505030304" pitchFamily="18" charset="0"/>
+                        </a:rPr>
+                        <a:t>Total</a:t>
+                      </a:r>
+                      <a:endParaRPr lang="en-US" sz="1800" b="1" i="0" u="none" strike="noStrike">
+                        <a:solidFill>
+                          <a:srgbClr val="000000"/>
+                        </a:solidFill>
+                        <a:effectLst/>
+                        <a:latin typeface="Palatino Linotype" panose="02040502050505030304" pitchFamily="18" charset="0"/>
+                      </a:endParaRPr>
+                    </a:p>
+                  </a:txBody>
+                  <a:tcPr marL="9525" marR="9525" marT="9525" marB="0" anchor="ctr"/>
+                </a:tc>
+                <a:tc hMerge="1">
+                  <a:txBody>
+                    <a:bodyPr/>
+                    <a:lstStyle/>
+                    <a:p>
+                      <a:endParaRPr lang="en-US"/>
+                    </a:p>
+                  </a:txBody>
+                  <a:tcPr/>
+                </a:tc>
+                <a:extLst>
+                  <a:ext uri="{0D108BD9-81ED-4DB2-BD59-A6C34878D82A}">
+                    <a16:rowId xmlns:a16="http://schemas.microsoft.com/office/drawing/2014/main" val="4286841898"/>
+                  </a:ext>
+                </a:extLst>
+              </a:tr>
+              <a:tr h="330200">
+                <a:tc vMerge="1">
+                  <a:txBody>
+                    <a:bodyPr/>
+                    <a:lstStyle/>
+                    <a:p>
+                      <a:endParaRPr lang="en-US"/>
+                    </a:p>
+                  </a:txBody>
+                  <a:tcPr/>
+                </a:tc>
+                <a:tc gridSpan="2">
+                  <a:txBody>
+                    <a:bodyPr/>
+                    <a:lstStyle/>
+                    <a:p>
+                      <a:pPr algn="ctr" fontAlgn="ctr"/>
+                      <a:r>
+                        <a:rPr lang="en-US" sz="1800" u="none" strike="noStrike">
+                          <a:effectLst/>
+                          <a:latin typeface="Palatino Linotype" panose="02040502050505030304" pitchFamily="18" charset="0"/>
+                        </a:rPr>
+                        <a:t>Apples</a:t>
+                      </a:r>
+                      <a:endParaRPr lang="en-US" sz="1800" b="1" i="0" u="none" strike="noStrike">
+                        <a:solidFill>
+                          <a:srgbClr val="000000"/>
+                        </a:solidFill>
+                        <a:effectLst/>
+                        <a:latin typeface="Palatino Linotype" panose="02040502050505030304" pitchFamily="18" charset="0"/>
+                      </a:endParaRPr>
+                    </a:p>
+                  </a:txBody>
+                  <a:tcPr marL="9525" marR="9525" marT="9525" marB="0" anchor="ctr"/>
+                </a:tc>
+                <a:tc hMerge="1">
+                  <a:txBody>
+                    <a:bodyPr/>
+                    <a:lstStyle/>
+                    <a:p>
+                      <a:endParaRPr lang="en-US"/>
+                    </a:p>
+                  </a:txBody>
+                  <a:tcPr/>
+                </a:tc>
+                <a:tc gridSpan="2">
+                  <a:txBody>
+                    <a:bodyPr/>
+                    <a:lstStyle/>
+                    <a:p>
+                      <a:pPr algn="ctr" fontAlgn="ctr"/>
+                      <a:r>
+                        <a:rPr lang="en-US" sz="1800" u="none" strike="noStrike">
+                          <a:effectLst/>
+                          <a:latin typeface="Palatino Linotype" panose="02040502050505030304" pitchFamily="18" charset="0"/>
+                        </a:rPr>
+                        <a:t>Wheat</a:t>
+                      </a:r>
+                      <a:endParaRPr lang="en-US" sz="1800" b="1" i="0" u="none" strike="noStrike">
+                        <a:solidFill>
+                          <a:srgbClr val="000000"/>
+                        </a:solidFill>
+                        <a:effectLst/>
+                        <a:latin typeface="Palatino Linotype" panose="02040502050505030304" pitchFamily="18" charset="0"/>
+                      </a:endParaRPr>
+                    </a:p>
+                  </a:txBody>
+                  <a:tcPr marL="9525" marR="9525" marT="9525" marB="0" anchor="ctr"/>
+                </a:tc>
+                <a:tc hMerge="1">
+                  <a:txBody>
+                    <a:bodyPr/>
+                    <a:lstStyle/>
+                    <a:p>
+                      <a:endParaRPr lang="en-US"/>
+                    </a:p>
+                  </a:txBody>
+                  <a:tcPr/>
+                </a:tc>
+                <a:tc gridSpan="2">
+                  <a:txBody>
+                    <a:bodyPr/>
+                    <a:lstStyle/>
+                    <a:p>
+                      <a:pPr algn="ctr" fontAlgn="ctr"/>
+                      <a:r>
+                        <a:rPr lang="en-US" sz="1800" u="none" strike="noStrike">
+                          <a:effectLst/>
+                          <a:latin typeface="Palatino Linotype" panose="02040502050505030304" pitchFamily="18" charset="0"/>
+                        </a:rPr>
+                        <a:t>Apples</a:t>
+                      </a:r>
+                      <a:endParaRPr lang="en-US" sz="1800" b="1" i="0" u="none" strike="noStrike">
+                        <a:solidFill>
+                          <a:srgbClr val="000000"/>
+                        </a:solidFill>
+                        <a:effectLst/>
+                        <a:latin typeface="Palatino Linotype" panose="02040502050505030304" pitchFamily="18" charset="0"/>
+                      </a:endParaRPr>
+                    </a:p>
+                  </a:txBody>
+                  <a:tcPr marL="9525" marR="9525" marT="9525" marB="0" anchor="ctr"/>
+                </a:tc>
+                <a:tc hMerge="1">
+                  <a:txBody>
+                    <a:bodyPr/>
+                    <a:lstStyle/>
+                    <a:p>
+                      <a:endParaRPr lang="en-US"/>
+                    </a:p>
+                  </a:txBody>
+                  <a:tcPr/>
+                </a:tc>
+                <a:tc gridSpan="2">
+                  <a:txBody>
+                    <a:bodyPr/>
+                    <a:lstStyle/>
+                    <a:p>
+                      <a:pPr algn="ctr" fontAlgn="ctr"/>
+                      <a:r>
+                        <a:rPr lang="en-US" sz="1800" u="none" strike="noStrike">
+                          <a:effectLst/>
+                          <a:latin typeface="Palatino Linotype" panose="02040502050505030304" pitchFamily="18" charset="0"/>
+                        </a:rPr>
+                        <a:t>Wheat</a:t>
+                      </a:r>
+                      <a:endParaRPr lang="en-US" sz="1800" b="1" i="0" u="none" strike="noStrike">
+                        <a:solidFill>
+                          <a:srgbClr val="000000"/>
+                        </a:solidFill>
+                        <a:effectLst/>
+                        <a:latin typeface="Palatino Linotype" panose="02040502050505030304" pitchFamily="18" charset="0"/>
+                      </a:endParaRPr>
+                    </a:p>
+                  </a:txBody>
+                  <a:tcPr marL="9525" marR="9525" marT="9525" marB="0" anchor="ctr"/>
+                </a:tc>
+                <a:tc hMerge="1">
+                  <a:txBody>
+                    <a:bodyPr/>
+                    <a:lstStyle/>
+                    <a:p>
+                      <a:endParaRPr lang="en-US"/>
+                    </a:p>
+                  </a:txBody>
+                  <a:tcPr/>
+                </a:tc>
+                <a:tc>
+                  <a:txBody>
+                    <a:bodyPr/>
+                    <a:lstStyle/>
+                    <a:p>
+                      <a:pPr algn="ctr" fontAlgn="ctr"/>
+                      <a:r>
+                        <a:rPr lang="en-US" sz="1800" u="none" strike="noStrike">
+                          <a:effectLst/>
+                          <a:latin typeface="Palatino Linotype" panose="02040502050505030304" pitchFamily="18" charset="0"/>
+                        </a:rPr>
+                        <a:t>Apples</a:t>
+                      </a:r>
+                      <a:endParaRPr lang="en-US" sz="1800" b="1" i="0" u="none" strike="noStrike">
+                        <a:solidFill>
+                          <a:srgbClr val="000000"/>
+                        </a:solidFill>
+                        <a:effectLst/>
+                        <a:latin typeface="Palatino Linotype" panose="02040502050505030304" pitchFamily="18" charset="0"/>
+                      </a:endParaRPr>
+                    </a:p>
+                  </a:txBody>
+                  <a:tcPr marL="9525" marR="9525" marT="9525" marB="0" anchor="ctr"/>
+                </a:tc>
+                <a:tc>
+                  <a:txBody>
+                    <a:bodyPr/>
+                    <a:lstStyle/>
+                    <a:p>
+                      <a:pPr algn="ctr" fontAlgn="ctr"/>
+                      <a:r>
+                        <a:rPr lang="en-US" sz="1800" u="none" strike="noStrike">
+                          <a:effectLst/>
+                          <a:latin typeface="Palatino Linotype" panose="02040502050505030304" pitchFamily="18" charset="0"/>
+                        </a:rPr>
+                        <a:t>Wheat</a:t>
+                      </a:r>
+                      <a:endParaRPr lang="en-US" sz="1800" b="1" i="0" u="none" strike="noStrike">
+                        <a:solidFill>
+                          <a:srgbClr val="000000"/>
+                        </a:solidFill>
+                        <a:effectLst/>
+                        <a:latin typeface="Palatino Linotype" panose="02040502050505030304" pitchFamily="18" charset="0"/>
+                      </a:endParaRPr>
+                    </a:p>
+                  </a:txBody>
+                  <a:tcPr marL="9525" marR="9525" marT="9525" marB="0" anchor="ctr"/>
+                </a:tc>
+                <a:extLst>
+                  <a:ext uri="{0D108BD9-81ED-4DB2-BD59-A6C34878D82A}">
+                    <a16:rowId xmlns:a16="http://schemas.microsoft.com/office/drawing/2014/main" val="1497653472"/>
+                  </a:ext>
+                </a:extLst>
+              </a:tr>
+              <a:tr h="330200">
+                <a:tc vMerge="1">
+                  <a:txBody>
+                    <a:bodyPr/>
+                    <a:lstStyle/>
+                    <a:p>
+                      <a:endParaRPr lang="en-US"/>
+                    </a:p>
+                  </a:txBody>
+                  <a:tcPr/>
+                </a:tc>
+                <a:tc>
+                  <a:txBody>
+                    <a:bodyPr/>
+                    <a:lstStyle/>
+                    <a:p>
+                      <a:pPr algn="ctr" fontAlgn="ctr"/>
+                      <a:r>
+                        <a:rPr lang="en-US" sz="1800" u="none" strike="noStrike">
+                          <a:effectLst/>
+                          <a:latin typeface="Palatino Linotype" panose="02040502050505030304" pitchFamily="18" charset="0"/>
+                        </a:rPr>
+                        <a:t>Share</a:t>
+                      </a:r>
+                      <a:endParaRPr lang="en-US" sz="1800" b="1" i="0" u="none" strike="noStrike">
+                        <a:solidFill>
+                          <a:srgbClr val="000000"/>
+                        </a:solidFill>
+                        <a:effectLst/>
+                        <a:latin typeface="Palatino Linotype" panose="02040502050505030304" pitchFamily="18" charset="0"/>
+                      </a:endParaRPr>
+                    </a:p>
+                  </a:txBody>
+                  <a:tcPr marL="9525" marR="9525" marT="9525" marB="0" anchor="ctr"/>
+                </a:tc>
+                <a:tc>
+                  <a:txBody>
+                    <a:bodyPr/>
+                    <a:lstStyle/>
+                    <a:p>
+                      <a:pPr algn="ctr" fontAlgn="ctr"/>
+                      <a:r>
+                        <a:rPr lang="en-US" sz="1800" u="none" strike="noStrike">
+                          <a:effectLst/>
+                          <a:latin typeface="Palatino Linotype" panose="02040502050505030304" pitchFamily="18" charset="0"/>
+                        </a:rPr>
+                        <a:t>Output</a:t>
+                      </a:r>
+                      <a:endParaRPr lang="en-US" sz="1800" b="1" i="0" u="none" strike="noStrike">
+                        <a:solidFill>
+                          <a:srgbClr val="000000"/>
+                        </a:solidFill>
+                        <a:effectLst/>
+                        <a:latin typeface="Palatino Linotype" panose="02040502050505030304" pitchFamily="18" charset="0"/>
+                      </a:endParaRPr>
+                    </a:p>
+                  </a:txBody>
+                  <a:tcPr marL="9525" marR="9525" marT="9525" marB="0" anchor="ctr"/>
+                </a:tc>
+                <a:tc>
+                  <a:txBody>
+                    <a:bodyPr/>
+                    <a:lstStyle/>
+                    <a:p>
+                      <a:pPr algn="ctr" fontAlgn="ctr"/>
+                      <a:r>
+                        <a:rPr lang="en-US" sz="1800" u="none" strike="noStrike">
+                          <a:effectLst/>
+                          <a:latin typeface="Palatino Linotype" panose="02040502050505030304" pitchFamily="18" charset="0"/>
+                        </a:rPr>
+                        <a:t>Share</a:t>
+                      </a:r>
+                      <a:endParaRPr lang="en-US" sz="1800" b="1" i="0" u="none" strike="noStrike">
+                        <a:solidFill>
+                          <a:srgbClr val="000000"/>
+                        </a:solidFill>
+                        <a:effectLst/>
+                        <a:latin typeface="Palatino Linotype" panose="02040502050505030304" pitchFamily="18" charset="0"/>
+                      </a:endParaRPr>
+                    </a:p>
+                  </a:txBody>
+                  <a:tcPr marL="9525" marR="9525" marT="9525" marB="0" anchor="ctr"/>
+                </a:tc>
+                <a:tc>
+                  <a:txBody>
+                    <a:bodyPr/>
+                    <a:lstStyle/>
+                    <a:p>
+                      <a:pPr algn="ctr" fontAlgn="ctr"/>
+                      <a:r>
+                        <a:rPr lang="en-US" sz="1800" u="none" strike="noStrike">
+                          <a:effectLst/>
+                          <a:latin typeface="Palatino Linotype" panose="02040502050505030304" pitchFamily="18" charset="0"/>
+                        </a:rPr>
+                        <a:t>Output</a:t>
+                      </a:r>
+                      <a:endParaRPr lang="en-US" sz="1800" b="1" i="0" u="none" strike="noStrike">
+                        <a:solidFill>
+                          <a:srgbClr val="000000"/>
+                        </a:solidFill>
+                        <a:effectLst/>
+                        <a:latin typeface="Palatino Linotype" panose="02040502050505030304" pitchFamily="18" charset="0"/>
+                      </a:endParaRPr>
+                    </a:p>
+                  </a:txBody>
+                  <a:tcPr marL="9525" marR="9525" marT="9525" marB="0" anchor="ctr"/>
+                </a:tc>
+                <a:tc>
+                  <a:txBody>
+                    <a:bodyPr/>
+                    <a:lstStyle/>
+                    <a:p>
+                      <a:pPr algn="ctr" fontAlgn="ctr"/>
+                      <a:r>
+                        <a:rPr lang="en-US" sz="1800" u="none" strike="noStrike">
+                          <a:effectLst/>
+                          <a:latin typeface="Palatino Linotype" panose="02040502050505030304" pitchFamily="18" charset="0"/>
+                        </a:rPr>
+                        <a:t>Share</a:t>
+                      </a:r>
+                      <a:endParaRPr lang="en-US" sz="1800" b="1" i="0" u="none" strike="noStrike">
+                        <a:solidFill>
+                          <a:srgbClr val="000000"/>
+                        </a:solidFill>
+                        <a:effectLst/>
+                        <a:latin typeface="Palatino Linotype" panose="02040502050505030304" pitchFamily="18" charset="0"/>
+                      </a:endParaRPr>
+                    </a:p>
+                  </a:txBody>
+                  <a:tcPr marL="9525" marR="9525" marT="9525" marB="0" anchor="ctr"/>
+                </a:tc>
+                <a:tc>
+                  <a:txBody>
+                    <a:bodyPr/>
+                    <a:lstStyle/>
+                    <a:p>
+                      <a:pPr algn="ctr" fontAlgn="ctr"/>
+                      <a:r>
+                        <a:rPr lang="en-US" sz="1800" u="none" strike="noStrike">
+                          <a:effectLst/>
+                          <a:latin typeface="Palatino Linotype" panose="02040502050505030304" pitchFamily="18" charset="0"/>
+                        </a:rPr>
+                        <a:t>Output</a:t>
+                      </a:r>
+                      <a:endParaRPr lang="en-US" sz="1800" b="1" i="0" u="none" strike="noStrike">
+                        <a:solidFill>
+                          <a:srgbClr val="000000"/>
+                        </a:solidFill>
+                        <a:effectLst/>
+                        <a:latin typeface="Palatino Linotype" panose="02040502050505030304" pitchFamily="18" charset="0"/>
+                      </a:endParaRPr>
+                    </a:p>
+                  </a:txBody>
+                  <a:tcPr marL="9525" marR="9525" marT="9525" marB="0" anchor="ctr"/>
+                </a:tc>
+                <a:tc>
+                  <a:txBody>
+                    <a:bodyPr/>
+                    <a:lstStyle/>
+                    <a:p>
+                      <a:pPr algn="ctr" fontAlgn="ctr"/>
+                      <a:r>
+                        <a:rPr lang="en-US" sz="1800" u="none" strike="noStrike">
+                          <a:effectLst/>
+                          <a:latin typeface="Palatino Linotype" panose="02040502050505030304" pitchFamily="18" charset="0"/>
+                        </a:rPr>
+                        <a:t>Share</a:t>
+                      </a:r>
+                      <a:endParaRPr lang="en-US" sz="1800" b="1" i="0" u="none" strike="noStrike">
+                        <a:solidFill>
+                          <a:srgbClr val="000000"/>
+                        </a:solidFill>
+                        <a:effectLst/>
+                        <a:latin typeface="Palatino Linotype" panose="02040502050505030304" pitchFamily="18" charset="0"/>
+                      </a:endParaRPr>
+                    </a:p>
+                  </a:txBody>
+                  <a:tcPr marL="9525" marR="9525" marT="9525" marB="0" anchor="ctr"/>
+                </a:tc>
+                <a:tc>
+                  <a:txBody>
+                    <a:bodyPr/>
+                    <a:lstStyle/>
+                    <a:p>
+                      <a:pPr algn="ctr" fontAlgn="ctr"/>
+                      <a:r>
+                        <a:rPr lang="en-US" sz="1800" u="none" strike="noStrike">
+                          <a:effectLst/>
+                          <a:latin typeface="Palatino Linotype" panose="02040502050505030304" pitchFamily="18" charset="0"/>
+                        </a:rPr>
+                        <a:t>Output</a:t>
+                      </a:r>
+                      <a:endParaRPr lang="en-US" sz="1800" b="1" i="0" u="none" strike="noStrike">
+                        <a:solidFill>
+                          <a:srgbClr val="000000"/>
+                        </a:solidFill>
+                        <a:effectLst/>
+                        <a:latin typeface="Palatino Linotype" panose="02040502050505030304" pitchFamily="18" charset="0"/>
+                      </a:endParaRPr>
+                    </a:p>
+                  </a:txBody>
+                  <a:tcPr marL="9525" marR="9525" marT="9525" marB="0" anchor="ctr"/>
+                </a:tc>
+                <a:tc>
+                  <a:txBody>
+                    <a:bodyPr/>
+                    <a:lstStyle/>
+                    <a:p>
+                      <a:pPr algn="ctr" fontAlgn="ctr"/>
+                      <a:r>
+                        <a:rPr lang="en-US" sz="1800" u="none" strike="noStrike">
+                          <a:effectLst/>
+                          <a:latin typeface="Palatino Linotype" panose="02040502050505030304" pitchFamily="18" charset="0"/>
+                        </a:rPr>
+                        <a:t>Output</a:t>
+                      </a:r>
+                      <a:endParaRPr lang="en-US" sz="1800" b="1" i="0" u="none" strike="noStrike">
+                        <a:solidFill>
+                          <a:srgbClr val="000000"/>
+                        </a:solidFill>
+                        <a:effectLst/>
+                        <a:latin typeface="Palatino Linotype" panose="02040502050505030304" pitchFamily="18" charset="0"/>
+                      </a:endParaRPr>
+                    </a:p>
+                  </a:txBody>
+                  <a:tcPr marL="9525" marR="9525" marT="9525" marB="0" anchor="ctr"/>
+                </a:tc>
+                <a:tc>
+                  <a:txBody>
+                    <a:bodyPr/>
+                    <a:lstStyle/>
+                    <a:p>
+                      <a:pPr algn="ctr" fontAlgn="ctr"/>
+                      <a:r>
+                        <a:rPr lang="en-US" sz="1800" u="none" strike="noStrike">
+                          <a:effectLst/>
+                          <a:latin typeface="Palatino Linotype" panose="02040502050505030304" pitchFamily="18" charset="0"/>
+                        </a:rPr>
+                        <a:t>Output</a:t>
+                      </a:r>
+                      <a:endParaRPr lang="en-US" sz="1800" b="1" i="0" u="none" strike="noStrike">
+                        <a:solidFill>
+                          <a:srgbClr val="000000"/>
+                        </a:solidFill>
+                        <a:effectLst/>
+                        <a:latin typeface="Palatino Linotype" panose="02040502050505030304" pitchFamily="18" charset="0"/>
+                      </a:endParaRPr>
+                    </a:p>
+                  </a:txBody>
+                  <a:tcPr marL="9525" marR="9525" marT="9525" marB="0" anchor="ctr"/>
+                </a:tc>
+                <a:extLst>
+                  <a:ext uri="{0D108BD9-81ED-4DB2-BD59-A6C34878D82A}">
+                    <a16:rowId xmlns:a16="http://schemas.microsoft.com/office/drawing/2014/main" val="2062802357"/>
+                  </a:ext>
+                </a:extLst>
+              </a:tr>
+              <a:tr h="330200">
+                <a:tc>
+                  <a:txBody>
+                    <a:bodyPr/>
+                    <a:lstStyle/>
+                    <a:p>
+                      <a:pPr algn="l" fontAlgn="b"/>
+                      <a:r>
+                        <a:rPr lang="en-US" sz="1800" u="none" strike="noStrike">
+                          <a:effectLst/>
+                          <a:latin typeface="Palatino Linotype" panose="02040502050505030304" pitchFamily="18" charset="0"/>
+                        </a:rPr>
+                        <a:t>Only Apples</a:t>
+                      </a:r>
+                      <a:endParaRPr lang="en-US" sz="1800" b="0" i="0" u="none" strike="noStrike">
+                        <a:solidFill>
+                          <a:srgbClr val="000000"/>
+                        </a:solidFill>
+                        <a:effectLst/>
+                        <a:latin typeface="Palatino Linotype" panose="02040502050505030304" pitchFamily="18" charset="0"/>
+                      </a:endParaRPr>
+                    </a:p>
+                  </a:txBody>
+                  <a:tcPr marL="9525" marR="9525" marT="9525" marB="0" anchor="b"/>
+                </a:tc>
+                <a:tc>
+                  <a:txBody>
+                    <a:bodyPr/>
+                    <a:lstStyle/>
+                    <a:p>
+                      <a:pPr algn="ctr" fontAlgn="ctr"/>
+                      <a:r>
+                        <a:rPr lang="en-US" sz="1800" u="none" strike="noStrike">
+                          <a:effectLst/>
+                          <a:latin typeface="Palatino Linotype" panose="02040502050505030304" pitchFamily="18" charset="0"/>
+                        </a:rPr>
+                        <a:t>100%</a:t>
+                      </a:r>
+                      <a:endParaRPr lang="en-US" sz="1800" b="0" i="0" u="none" strike="noStrike">
+                        <a:solidFill>
+                          <a:srgbClr val="000000"/>
+                        </a:solidFill>
+                        <a:effectLst/>
+                        <a:latin typeface="Palatino Linotype" panose="02040502050505030304" pitchFamily="18" charset="0"/>
+                      </a:endParaRPr>
+                    </a:p>
+                  </a:txBody>
+                  <a:tcPr marL="9525" marR="9525" marT="9525" marB="0" anchor="ctr"/>
+                </a:tc>
+                <a:tc>
+                  <a:txBody>
+                    <a:bodyPr/>
+                    <a:lstStyle/>
+                    <a:p>
+                      <a:pPr algn="ctr" fontAlgn="ctr"/>
+                      <a:r>
+                        <a:rPr lang="en-US" sz="1800" u="none" strike="noStrike">
+                          <a:effectLst/>
+                          <a:latin typeface="Palatino Linotype" panose="02040502050505030304" pitchFamily="18" charset="0"/>
+                        </a:rPr>
+                        <a:t>1,250</a:t>
+                      </a:r>
+                      <a:endParaRPr lang="en-US" sz="1800" b="0" i="0" u="none" strike="noStrike">
+                        <a:solidFill>
+                          <a:srgbClr val="000000"/>
+                        </a:solidFill>
+                        <a:effectLst/>
+                        <a:latin typeface="Palatino Linotype" panose="02040502050505030304" pitchFamily="18" charset="0"/>
+                      </a:endParaRPr>
+                    </a:p>
+                  </a:txBody>
+                  <a:tcPr marL="9525" marR="9525" marT="9525" marB="0" anchor="ctr"/>
+                </a:tc>
+                <a:tc>
+                  <a:txBody>
+                    <a:bodyPr/>
+                    <a:lstStyle/>
+                    <a:p>
+                      <a:pPr algn="ctr" fontAlgn="ctr"/>
+                      <a:r>
+                        <a:rPr lang="en-US" sz="1800" u="none" strike="noStrike">
+                          <a:effectLst/>
+                          <a:latin typeface="Palatino Linotype" panose="02040502050505030304" pitchFamily="18" charset="0"/>
+                        </a:rPr>
+                        <a:t>0%</a:t>
+                      </a:r>
+                      <a:endParaRPr lang="en-US" sz="1800" b="0" i="0" u="none" strike="noStrike">
+                        <a:solidFill>
+                          <a:srgbClr val="000000"/>
+                        </a:solidFill>
+                        <a:effectLst/>
+                        <a:latin typeface="Palatino Linotype" panose="02040502050505030304" pitchFamily="18" charset="0"/>
+                      </a:endParaRPr>
+                    </a:p>
+                  </a:txBody>
+                  <a:tcPr marL="9525" marR="9525" marT="9525" marB="0" anchor="ctr"/>
+                </a:tc>
+                <a:tc>
+                  <a:txBody>
+                    <a:bodyPr/>
+                    <a:lstStyle/>
+                    <a:p>
+                      <a:pPr algn="ctr" fontAlgn="b"/>
+                      <a:r>
+                        <a:rPr lang="en-US" sz="1800" u="none" strike="noStrike">
+                          <a:effectLst/>
+                          <a:latin typeface="Palatino Linotype" panose="02040502050505030304" pitchFamily="18" charset="0"/>
+                        </a:rPr>
+                        <a:t>0</a:t>
+                      </a:r>
+                      <a:endParaRPr lang="en-US" sz="1800" b="0" i="0" u="none" strike="noStrike">
+                        <a:solidFill>
+                          <a:srgbClr val="000000"/>
+                        </a:solidFill>
+                        <a:effectLst/>
+                        <a:latin typeface="Palatino Linotype" panose="02040502050505030304" pitchFamily="18" charset="0"/>
+                      </a:endParaRPr>
+                    </a:p>
+                  </a:txBody>
+                  <a:tcPr marL="9525" marR="9525" marT="9525" marB="0" anchor="b"/>
+                </a:tc>
+                <a:tc>
+                  <a:txBody>
+                    <a:bodyPr/>
+                    <a:lstStyle/>
+                    <a:p>
+                      <a:pPr algn="ctr" fontAlgn="ctr"/>
+                      <a:r>
+                        <a:rPr lang="en-US" sz="1800" u="none" strike="noStrike">
+                          <a:effectLst/>
+                          <a:latin typeface="Palatino Linotype" panose="02040502050505030304" pitchFamily="18" charset="0"/>
+                        </a:rPr>
+                        <a:t>100%</a:t>
+                      </a:r>
+                      <a:endParaRPr lang="en-US" sz="1800" b="0" i="0" u="none" strike="noStrike">
+                        <a:solidFill>
+                          <a:srgbClr val="000000"/>
+                        </a:solidFill>
+                        <a:effectLst/>
+                        <a:latin typeface="Palatino Linotype" panose="02040502050505030304" pitchFamily="18" charset="0"/>
+                      </a:endParaRPr>
+                    </a:p>
+                  </a:txBody>
+                  <a:tcPr marL="9525" marR="9525" marT="9525" marB="0" anchor="ctr"/>
+                </a:tc>
+                <a:tc>
+                  <a:txBody>
+                    <a:bodyPr/>
+                    <a:lstStyle/>
+                    <a:p>
+                      <a:pPr algn="ctr" fontAlgn="ctr"/>
+                      <a:r>
+                        <a:rPr lang="en-US" sz="1800" u="none" strike="noStrike">
+                          <a:effectLst/>
+                          <a:latin typeface="Palatino Linotype" panose="02040502050505030304" pitchFamily="18" charset="0"/>
+                        </a:rPr>
+                        <a:t>1,000</a:t>
+                      </a:r>
+                      <a:endParaRPr lang="en-US" sz="1800" b="0" i="0" u="none" strike="noStrike">
+                        <a:solidFill>
+                          <a:srgbClr val="000000"/>
+                        </a:solidFill>
+                        <a:effectLst/>
+                        <a:latin typeface="Palatino Linotype" panose="02040502050505030304" pitchFamily="18" charset="0"/>
+                      </a:endParaRPr>
+                    </a:p>
+                  </a:txBody>
+                  <a:tcPr marL="9525" marR="9525" marT="9525" marB="0" anchor="ctr"/>
+                </a:tc>
+                <a:tc>
+                  <a:txBody>
+                    <a:bodyPr/>
+                    <a:lstStyle/>
+                    <a:p>
+                      <a:pPr algn="ctr" fontAlgn="ctr"/>
+                      <a:r>
+                        <a:rPr lang="en-US" sz="1800" u="none" strike="noStrike">
+                          <a:effectLst/>
+                          <a:latin typeface="Palatino Linotype" panose="02040502050505030304" pitchFamily="18" charset="0"/>
+                        </a:rPr>
+                        <a:t>0%</a:t>
+                      </a:r>
+                      <a:endParaRPr lang="en-US" sz="1800" b="0" i="0" u="none" strike="noStrike">
+                        <a:solidFill>
+                          <a:srgbClr val="000000"/>
+                        </a:solidFill>
+                        <a:effectLst/>
+                        <a:latin typeface="Palatino Linotype" panose="02040502050505030304" pitchFamily="18" charset="0"/>
+                      </a:endParaRPr>
+                    </a:p>
+                  </a:txBody>
+                  <a:tcPr marL="9525" marR="9525" marT="9525" marB="0" anchor="ctr"/>
+                </a:tc>
+                <a:tc>
+                  <a:txBody>
+                    <a:bodyPr/>
+                    <a:lstStyle/>
+                    <a:p>
+                      <a:pPr algn="ctr" fontAlgn="b"/>
+                      <a:r>
+                        <a:rPr lang="en-US" sz="1800" u="none" strike="noStrike">
+                          <a:effectLst/>
+                          <a:latin typeface="Palatino Linotype" panose="02040502050505030304" pitchFamily="18" charset="0"/>
+                        </a:rPr>
+                        <a:t>0</a:t>
+                      </a:r>
+                      <a:endParaRPr lang="en-US" sz="1800" b="0" i="0" u="none" strike="noStrike">
+                        <a:solidFill>
+                          <a:srgbClr val="000000"/>
+                        </a:solidFill>
+                        <a:effectLst/>
+                        <a:latin typeface="Palatino Linotype" panose="02040502050505030304" pitchFamily="18" charset="0"/>
+                      </a:endParaRPr>
+                    </a:p>
+                  </a:txBody>
+                  <a:tcPr marL="9525" marR="9525" marT="9525" marB="0" anchor="b"/>
+                </a:tc>
+                <a:tc>
+                  <a:txBody>
+                    <a:bodyPr/>
+                    <a:lstStyle/>
+                    <a:p>
+                      <a:pPr algn="ctr" fontAlgn="ctr"/>
+                      <a:r>
+                        <a:rPr lang="en-US" sz="1800" u="none" strike="noStrike">
+                          <a:effectLst/>
+                          <a:latin typeface="Palatino Linotype" panose="02040502050505030304" pitchFamily="18" charset="0"/>
+                        </a:rPr>
+                        <a:t>2,250</a:t>
+                      </a:r>
+                      <a:endParaRPr lang="en-US" sz="1800" b="0" i="0" u="none" strike="noStrike">
+                        <a:solidFill>
+                          <a:srgbClr val="000000"/>
+                        </a:solidFill>
+                        <a:effectLst/>
+                        <a:latin typeface="Palatino Linotype" panose="02040502050505030304" pitchFamily="18" charset="0"/>
+                      </a:endParaRPr>
+                    </a:p>
+                  </a:txBody>
+                  <a:tcPr marL="9525" marR="9525" marT="9525" marB="0" anchor="ctr"/>
+                </a:tc>
+                <a:tc>
+                  <a:txBody>
+                    <a:bodyPr/>
+                    <a:lstStyle/>
+                    <a:p>
+                      <a:pPr algn="ctr" fontAlgn="b"/>
+                      <a:r>
+                        <a:rPr lang="en-US" sz="1800" u="none" strike="noStrike">
+                          <a:effectLst/>
+                          <a:latin typeface="Palatino Linotype" panose="02040502050505030304" pitchFamily="18" charset="0"/>
+                        </a:rPr>
+                        <a:t>0</a:t>
+                      </a:r>
+                      <a:endParaRPr lang="en-US" sz="1800" b="0" i="0" u="none" strike="noStrike">
+                        <a:solidFill>
+                          <a:srgbClr val="000000"/>
+                        </a:solidFill>
+                        <a:effectLst/>
+                        <a:latin typeface="Palatino Linotype" panose="02040502050505030304" pitchFamily="18" charset="0"/>
+                      </a:endParaRPr>
+                    </a:p>
+                  </a:txBody>
+                  <a:tcPr marL="9525" marR="9525" marT="9525" marB="0" anchor="b"/>
+                </a:tc>
+                <a:extLst>
+                  <a:ext uri="{0D108BD9-81ED-4DB2-BD59-A6C34878D82A}">
+                    <a16:rowId xmlns:a16="http://schemas.microsoft.com/office/drawing/2014/main" val="1934038090"/>
+                  </a:ext>
+                </a:extLst>
+              </a:tr>
+              <a:tr h="330200">
+                <a:tc>
+                  <a:txBody>
+                    <a:bodyPr/>
+                    <a:lstStyle/>
+                    <a:p>
+                      <a:pPr algn="l" fontAlgn="b"/>
+                      <a:r>
+                        <a:rPr lang="en-US" sz="1800" u="none" strike="noStrike">
+                          <a:effectLst/>
+                          <a:latin typeface="Palatino Linotype" panose="02040502050505030304" pitchFamily="18" charset="0"/>
+                        </a:rPr>
+                        <a:t>Only Wheat</a:t>
+                      </a:r>
+                      <a:endParaRPr lang="en-US" sz="1800" b="0" i="0" u="none" strike="noStrike">
+                        <a:solidFill>
+                          <a:srgbClr val="000000"/>
+                        </a:solidFill>
+                        <a:effectLst/>
+                        <a:latin typeface="Palatino Linotype" panose="02040502050505030304" pitchFamily="18" charset="0"/>
+                      </a:endParaRPr>
+                    </a:p>
+                  </a:txBody>
+                  <a:tcPr marL="9525" marR="9525" marT="9525" marB="0" anchor="b"/>
+                </a:tc>
+                <a:tc>
+                  <a:txBody>
+                    <a:bodyPr/>
+                    <a:lstStyle/>
+                    <a:p>
+                      <a:pPr algn="ctr" fontAlgn="ctr"/>
+                      <a:r>
+                        <a:rPr lang="en-US" sz="1800" u="none" strike="noStrike">
+                          <a:effectLst/>
+                          <a:latin typeface="Palatino Linotype" panose="02040502050505030304" pitchFamily="18" charset="0"/>
+                        </a:rPr>
+                        <a:t>0%</a:t>
+                      </a:r>
+                      <a:endParaRPr lang="en-US" sz="1800" b="0" i="0" u="none" strike="noStrike">
+                        <a:solidFill>
+                          <a:srgbClr val="000000"/>
+                        </a:solidFill>
+                        <a:effectLst/>
+                        <a:latin typeface="Palatino Linotype" panose="02040502050505030304" pitchFamily="18" charset="0"/>
+                      </a:endParaRPr>
+                    </a:p>
+                  </a:txBody>
+                  <a:tcPr marL="9525" marR="9525" marT="9525" marB="0" anchor="ctr"/>
+                </a:tc>
+                <a:tc>
+                  <a:txBody>
+                    <a:bodyPr/>
+                    <a:lstStyle/>
+                    <a:p>
+                      <a:pPr algn="ctr" fontAlgn="ctr"/>
+                      <a:r>
+                        <a:rPr lang="en-US" sz="1800" u="none" strike="noStrike">
+                          <a:effectLst/>
+                          <a:latin typeface="Palatino Linotype" panose="02040502050505030304" pitchFamily="18" charset="0"/>
+                        </a:rPr>
+                        <a:t>0</a:t>
+                      </a:r>
+                      <a:endParaRPr lang="en-US" sz="1800" b="0" i="0" u="none" strike="noStrike">
+                        <a:solidFill>
+                          <a:srgbClr val="000000"/>
+                        </a:solidFill>
+                        <a:effectLst/>
+                        <a:latin typeface="Palatino Linotype" panose="02040502050505030304" pitchFamily="18" charset="0"/>
+                      </a:endParaRPr>
+                    </a:p>
+                  </a:txBody>
+                  <a:tcPr marL="9525" marR="9525" marT="9525" marB="0" anchor="ctr"/>
+                </a:tc>
+                <a:tc>
+                  <a:txBody>
+                    <a:bodyPr/>
+                    <a:lstStyle/>
+                    <a:p>
+                      <a:pPr algn="ctr" fontAlgn="ctr"/>
+                      <a:r>
+                        <a:rPr lang="en-US" sz="1800" u="none" strike="noStrike">
+                          <a:effectLst/>
+                          <a:latin typeface="Palatino Linotype" panose="02040502050505030304" pitchFamily="18" charset="0"/>
+                        </a:rPr>
+                        <a:t>100%</a:t>
+                      </a:r>
+                      <a:endParaRPr lang="en-US" sz="1800" b="0" i="0" u="none" strike="noStrike">
+                        <a:solidFill>
+                          <a:srgbClr val="000000"/>
+                        </a:solidFill>
+                        <a:effectLst/>
+                        <a:latin typeface="Palatino Linotype" panose="02040502050505030304" pitchFamily="18" charset="0"/>
+                      </a:endParaRPr>
+                    </a:p>
+                  </a:txBody>
+                  <a:tcPr marL="9525" marR="9525" marT="9525" marB="0" anchor="ctr"/>
+                </a:tc>
+                <a:tc>
+                  <a:txBody>
+                    <a:bodyPr/>
+                    <a:lstStyle/>
+                    <a:p>
+                      <a:pPr algn="ctr" fontAlgn="b"/>
+                      <a:r>
+                        <a:rPr lang="en-US" sz="1800" u="none" strike="noStrike">
+                          <a:effectLst/>
+                          <a:latin typeface="Palatino Linotype" panose="02040502050505030304" pitchFamily="18" charset="0"/>
+                        </a:rPr>
+                        <a:t>50</a:t>
+                      </a:r>
+                      <a:endParaRPr lang="en-US" sz="1800" b="0" i="0" u="none" strike="noStrike">
+                        <a:solidFill>
+                          <a:srgbClr val="000000"/>
+                        </a:solidFill>
+                        <a:effectLst/>
+                        <a:latin typeface="Palatino Linotype" panose="02040502050505030304" pitchFamily="18" charset="0"/>
+                      </a:endParaRPr>
+                    </a:p>
+                  </a:txBody>
+                  <a:tcPr marL="9525" marR="9525" marT="9525" marB="0" anchor="b"/>
+                </a:tc>
+                <a:tc>
+                  <a:txBody>
+                    <a:bodyPr/>
+                    <a:lstStyle/>
+                    <a:p>
+                      <a:pPr algn="ctr" fontAlgn="ctr"/>
+                      <a:r>
+                        <a:rPr lang="en-US" sz="1800" u="none" strike="noStrike">
+                          <a:effectLst/>
+                          <a:latin typeface="Palatino Linotype" panose="02040502050505030304" pitchFamily="18" charset="0"/>
+                        </a:rPr>
+                        <a:t>0%</a:t>
+                      </a:r>
+                      <a:endParaRPr lang="en-US" sz="1800" b="0" i="0" u="none" strike="noStrike">
+                        <a:solidFill>
+                          <a:srgbClr val="000000"/>
+                        </a:solidFill>
+                        <a:effectLst/>
+                        <a:latin typeface="Palatino Linotype" panose="02040502050505030304" pitchFamily="18" charset="0"/>
+                      </a:endParaRPr>
+                    </a:p>
+                  </a:txBody>
+                  <a:tcPr marL="9525" marR="9525" marT="9525" marB="0" anchor="ctr"/>
+                </a:tc>
+                <a:tc>
+                  <a:txBody>
+                    <a:bodyPr/>
+                    <a:lstStyle/>
+                    <a:p>
+                      <a:pPr algn="ctr" fontAlgn="ctr"/>
+                      <a:r>
+                        <a:rPr lang="en-US" sz="1800" u="none" strike="noStrike">
+                          <a:effectLst/>
+                          <a:latin typeface="Palatino Linotype" panose="02040502050505030304" pitchFamily="18" charset="0"/>
+                        </a:rPr>
+                        <a:t>0</a:t>
+                      </a:r>
+                      <a:endParaRPr lang="en-US" sz="1800" b="0" i="0" u="none" strike="noStrike">
+                        <a:solidFill>
+                          <a:srgbClr val="000000"/>
+                        </a:solidFill>
+                        <a:effectLst/>
+                        <a:latin typeface="Palatino Linotype" panose="02040502050505030304" pitchFamily="18" charset="0"/>
+                      </a:endParaRPr>
+                    </a:p>
+                  </a:txBody>
+                  <a:tcPr marL="9525" marR="9525" marT="9525" marB="0" anchor="ctr"/>
+                </a:tc>
+                <a:tc>
+                  <a:txBody>
+                    <a:bodyPr/>
+                    <a:lstStyle/>
+                    <a:p>
+                      <a:pPr algn="ctr" fontAlgn="b"/>
+                      <a:r>
+                        <a:rPr lang="en-US" sz="1800" u="none" strike="noStrike">
+                          <a:effectLst/>
+                          <a:latin typeface="Palatino Linotype" panose="02040502050505030304" pitchFamily="18" charset="0"/>
+                        </a:rPr>
+                        <a:t>100%</a:t>
+                      </a:r>
+                      <a:endParaRPr lang="en-US" sz="1800" b="0" i="0" u="none" strike="noStrike">
+                        <a:solidFill>
+                          <a:srgbClr val="000000"/>
+                        </a:solidFill>
+                        <a:effectLst/>
+                        <a:latin typeface="Palatino Linotype" panose="02040502050505030304" pitchFamily="18" charset="0"/>
+                      </a:endParaRPr>
+                    </a:p>
+                  </a:txBody>
+                  <a:tcPr marL="9525" marR="9525" marT="9525" marB="0" anchor="b"/>
+                </a:tc>
+                <a:tc>
+                  <a:txBody>
+                    <a:bodyPr/>
+                    <a:lstStyle/>
+                    <a:p>
+                      <a:pPr algn="ctr" fontAlgn="b"/>
+                      <a:r>
+                        <a:rPr lang="en-US" sz="1800" u="none" strike="noStrike">
+                          <a:effectLst/>
+                          <a:latin typeface="Palatino Linotype" panose="02040502050505030304" pitchFamily="18" charset="0"/>
+                        </a:rPr>
+                        <a:t>20</a:t>
+                      </a:r>
+                      <a:endParaRPr lang="en-US" sz="1800" b="0" i="0" u="none" strike="noStrike">
+                        <a:solidFill>
+                          <a:srgbClr val="000000"/>
+                        </a:solidFill>
+                        <a:effectLst/>
+                        <a:latin typeface="Palatino Linotype" panose="02040502050505030304" pitchFamily="18" charset="0"/>
+                      </a:endParaRPr>
+                    </a:p>
+                  </a:txBody>
+                  <a:tcPr marL="9525" marR="9525" marT="9525" marB="0" anchor="b"/>
+                </a:tc>
+                <a:tc>
+                  <a:txBody>
+                    <a:bodyPr/>
+                    <a:lstStyle/>
+                    <a:p>
+                      <a:pPr algn="ctr" fontAlgn="ctr"/>
+                      <a:r>
+                        <a:rPr lang="en-US" sz="1800" u="none" strike="noStrike">
+                          <a:effectLst/>
+                          <a:latin typeface="Palatino Linotype" panose="02040502050505030304" pitchFamily="18" charset="0"/>
+                        </a:rPr>
+                        <a:t>0</a:t>
+                      </a:r>
+                      <a:endParaRPr lang="en-US" sz="1800" b="0" i="0" u="none" strike="noStrike">
+                        <a:solidFill>
+                          <a:srgbClr val="000000"/>
+                        </a:solidFill>
+                        <a:effectLst/>
+                        <a:latin typeface="Palatino Linotype" panose="02040502050505030304" pitchFamily="18" charset="0"/>
+                      </a:endParaRPr>
+                    </a:p>
+                  </a:txBody>
+                  <a:tcPr marL="9525" marR="9525" marT="9525" marB="0" anchor="ctr"/>
+                </a:tc>
+                <a:tc>
+                  <a:txBody>
+                    <a:bodyPr/>
+                    <a:lstStyle/>
+                    <a:p>
+                      <a:pPr algn="ctr" fontAlgn="b"/>
+                      <a:r>
+                        <a:rPr lang="en-US" sz="1800" u="none" strike="noStrike">
+                          <a:effectLst/>
+                          <a:latin typeface="Palatino Linotype" panose="02040502050505030304" pitchFamily="18" charset="0"/>
+                        </a:rPr>
+                        <a:t>70</a:t>
+                      </a:r>
+                      <a:endParaRPr lang="en-US" sz="1800" b="0" i="0" u="none" strike="noStrike">
+                        <a:solidFill>
+                          <a:srgbClr val="000000"/>
+                        </a:solidFill>
+                        <a:effectLst/>
+                        <a:latin typeface="Palatino Linotype" panose="02040502050505030304" pitchFamily="18" charset="0"/>
+                      </a:endParaRPr>
+                    </a:p>
+                  </a:txBody>
+                  <a:tcPr marL="9525" marR="9525" marT="9525" marB="0" anchor="b"/>
+                </a:tc>
+                <a:extLst>
+                  <a:ext uri="{0D108BD9-81ED-4DB2-BD59-A6C34878D82A}">
+                    <a16:rowId xmlns:a16="http://schemas.microsoft.com/office/drawing/2014/main" val="1621330623"/>
+                  </a:ext>
+                </a:extLst>
+              </a:tr>
+              <a:tr h="330200">
+                <a:tc>
+                  <a:txBody>
+                    <a:bodyPr/>
+                    <a:lstStyle/>
+                    <a:p>
+                      <a:pPr algn="l" fontAlgn="b"/>
+                      <a:r>
+                        <a:rPr lang="en-US" sz="1800" u="none" strike="noStrike">
+                          <a:effectLst/>
+                          <a:latin typeface="Palatino Linotype" panose="02040502050505030304" pitchFamily="18" charset="0"/>
+                        </a:rPr>
+                        <a:t>Mixture</a:t>
+                      </a:r>
+                      <a:endParaRPr lang="en-US" sz="1800" b="0" i="0" u="none" strike="noStrike">
+                        <a:solidFill>
+                          <a:srgbClr val="000000"/>
+                        </a:solidFill>
+                        <a:effectLst/>
+                        <a:latin typeface="Palatino Linotype" panose="02040502050505030304" pitchFamily="18" charset="0"/>
+                      </a:endParaRPr>
+                    </a:p>
+                  </a:txBody>
+                  <a:tcPr marL="9525" marR="9525" marT="9525" marB="0" anchor="b"/>
+                </a:tc>
+                <a:tc>
+                  <a:txBody>
+                    <a:bodyPr/>
+                    <a:lstStyle/>
+                    <a:p>
+                      <a:pPr algn="ctr" fontAlgn="ctr"/>
+                      <a:r>
+                        <a:rPr lang="en-US" sz="1800" u="none" strike="noStrike">
+                          <a:effectLst/>
+                          <a:latin typeface="Palatino Linotype" panose="02040502050505030304" pitchFamily="18" charset="0"/>
+                        </a:rPr>
+                        <a:t>40%</a:t>
+                      </a:r>
+                      <a:endParaRPr lang="en-US" sz="1800" b="0" i="0" u="none" strike="noStrike">
+                        <a:solidFill>
+                          <a:srgbClr val="000000"/>
+                        </a:solidFill>
+                        <a:effectLst/>
+                        <a:latin typeface="Palatino Linotype" panose="02040502050505030304" pitchFamily="18" charset="0"/>
+                      </a:endParaRPr>
+                    </a:p>
+                  </a:txBody>
+                  <a:tcPr marL="9525" marR="9525" marT="9525" marB="0" anchor="ctr"/>
+                </a:tc>
+                <a:tc>
+                  <a:txBody>
+                    <a:bodyPr/>
+                    <a:lstStyle/>
+                    <a:p>
+                      <a:pPr algn="ctr" fontAlgn="ctr"/>
+                      <a:r>
+                        <a:rPr lang="en-US" sz="1800" u="none" strike="noStrike">
+                          <a:effectLst/>
+                          <a:latin typeface="Palatino Linotype" panose="02040502050505030304" pitchFamily="18" charset="0"/>
+                        </a:rPr>
+                        <a:t>500</a:t>
+                      </a:r>
+                      <a:endParaRPr lang="en-US" sz="1800" b="0" i="0" u="none" strike="noStrike">
+                        <a:solidFill>
+                          <a:srgbClr val="000000"/>
+                        </a:solidFill>
+                        <a:effectLst/>
+                        <a:latin typeface="Palatino Linotype" panose="02040502050505030304" pitchFamily="18" charset="0"/>
+                      </a:endParaRPr>
+                    </a:p>
+                  </a:txBody>
+                  <a:tcPr marL="9525" marR="9525" marT="9525" marB="0" anchor="ctr"/>
+                </a:tc>
+                <a:tc>
+                  <a:txBody>
+                    <a:bodyPr/>
+                    <a:lstStyle/>
+                    <a:p>
+                      <a:pPr algn="ctr" fontAlgn="ctr"/>
+                      <a:r>
+                        <a:rPr lang="en-US" sz="1800" u="none" strike="noStrike">
+                          <a:effectLst/>
+                          <a:latin typeface="Palatino Linotype" panose="02040502050505030304" pitchFamily="18" charset="0"/>
+                        </a:rPr>
+                        <a:t>60%</a:t>
+                      </a:r>
+                      <a:endParaRPr lang="en-US" sz="1800" b="0" i="0" u="none" strike="noStrike">
+                        <a:solidFill>
+                          <a:srgbClr val="000000"/>
+                        </a:solidFill>
+                        <a:effectLst/>
+                        <a:latin typeface="Palatino Linotype" panose="02040502050505030304" pitchFamily="18" charset="0"/>
+                      </a:endParaRPr>
+                    </a:p>
+                  </a:txBody>
+                  <a:tcPr marL="9525" marR="9525" marT="9525" marB="0" anchor="ctr"/>
+                </a:tc>
+                <a:tc>
+                  <a:txBody>
+                    <a:bodyPr/>
+                    <a:lstStyle/>
+                    <a:p>
+                      <a:pPr algn="ctr" fontAlgn="b"/>
+                      <a:r>
+                        <a:rPr lang="en-US" sz="1800" u="none" strike="noStrike">
+                          <a:effectLst/>
+                          <a:latin typeface="Palatino Linotype" panose="02040502050505030304" pitchFamily="18" charset="0"/>
+                        </a:rPr>
+                        <a:t>30</a:t>
+                      </a:r>
+                      <a:endParaRPr lang="en-US" sz="1800" b="0" i="0" u="none" strike="noStrike">
+                        <a:solidFill>
+                          <a:srgbClr val="000000"/>
+                        </a:solidFill>
+                        <a:effectLst/>
+                        <a:latin typeface="Palatino Linotype" panose="02040502050505030304" pitchFamily="18" charset="0"/>
+                      </a:endParaRPr>
+                    </a:p>
+                  </a:txBody>
+                  <a:tcPr marL="9525" marR="9525" marT="9525" marB="0" anchor="b"/>
+                </a:tc>
+                <a:tc>
+                  <a:txBody>
+                    <a:bodyPr/>
+                    <a:lstStyle/>
+                    <a:p>
+                      <a:pPr algn="ctr" fontAlgn="ctr"/>
+                      <a:r>
+                        <a:rPr lang="en-US" sz="1800" u="none" strike="noStrike">
+                          <a:effectLst/>
+                          <a:latin typeface="Palatino Linotype" panose="02040502050505030304" pitchFamily="18" charset="0"/>
+                        </a:rPr>
+                        <a:t>25%</a:t>
+                      </a:r>
+                      <a:endParaRPr lang="en-US" sz="1800" b="0" i="0" u="none" strike="noStrike">
+                        <a:solidFill>
+                          <a:srgbClr val="000000"/>
+                        </a:solidFill>
+                        <a:effectLst/>
+                        <a:latin typeface="Palatino Linotype" panose="02040502050505030304" pitchFamily="18" charset="0"/>
+                      </a:endParaRPr>
+                    </a:p>
+                  </a:txBody>
+                  <a:tcPr marL="9525" marR="9525" marT="9525" marB="0" anchor="ctr"/>
+                </a:tc>
+                <a:tc>
+                  <a:txBody>
+                    <a:bodyPr/>
+                    <a:lstStyle/>
+                    <a:p>
+                      <a:pPr algn="ctr" fontAlgn="ctr"/>
+                      <a:r>
+                        <a:rPr lang="en-US" sz="1800" u="none" strike="noStrike">
+                          <a:effectLst/>
+                          <a:latin typeface="Palatino Linotype" panose="02040502050505030304" pitchFamily="18" charset="0"/>
+                        </a:rPr>
+                        <a:t>250</a:t>
+                      </a:r>
+                      <a:endParaRPr lang="en-US" sz="1800" b="0" i="0" u="none" strike="noStrike">
+                        <a:solidFill>
+                          <a:srgbClr val="000000"/>
+                        </a:solidFill>
+                        <a:effectLst/>
+                        <a:latin typeface="Palatino Linotype" panose="02040502050505030304" pitchFamily="18" charset="0"/>
+                      </a:endParaRPr>
+                    </a:p>
+                  </a:txBody>
+                  <a:tcPr marL="9525" marR="9525" marT="9525" marB="0" anchor="ctr"/>
+                </a:tc>
+                <a:tc>
+                  <a:txBody>
+                    <a:bodyPr/>
+                    <a:lstStyle/>
+                    <a:p>
+                      <a:pPr algn="ctr" fontAlgn="b"/>
+                      <a:r>
+                        <a:rPr lang="en-US" sz="1800" u="none" strike="noStrike">
+                          <a:effectLst/>
+                          <a:latin typeface="Palatino Linotype" panose="02040502050505030304" pitchFamily="18" charset="0"/>
+                        </a:rPr>
+                        <a:t>75%</a:t>
+                      </a:r>
+                      <a:endParaRPr lang="en-US" sz="1800" b="0" i="0" u="none" strike="noStrike">
+                        <a:solidFill>
+                          <a:srgbClr val="000000"/>
+                        </a:solidFill>
+                        <a:effectLst/>
+                        <a:latin typeface="Palatino Linotype" panose="02040502050505030304" pitchFamily="18" charset="0"/>
+                      </a:endParaRPr>
+                    </a:p>
+                  </a:txBody>
+                  <a:tcPr marL="9525" marR="9525" marT="9525" marB="0" anchor="b"/>
+                </a:tc>
+                <a:tc>
+                  <a:txBody>
+                    <a:bodyPr/>
+                    <a:lstStyle/>
+                    <a:p>
+                      <a:pPr algn="ctr" fontAlgn="b"/>
+                      <a:r>
+                        <a:rPr lang="en-US" sz="1800" u="none" strike="noStrike">
+                          <a:effectLst/>
+                          <a:latin typeface="Palatino Linotype" panose="02040502050505030304" pitchFamily="18" charset="0"/>
+                        </a:rPr>
+                        <a:t>15</a:t>
+                      </a:r>
+                      <a:endParaRPr lang="en-US" sz="1800" b="0" i="0" u="none" strike="noStrike">
+                        <a:solidFill>
+                          <a:srgbClr val="000000"/>
+                        </a:solidFill>
+                        <a:effectLst/>
+                        <a:latin typeface="Palatino Linotype" panose="02040502050505030304" pitchFamily="18" charset="0"/>
+                      </a:endParaRPr>
+                    </a:p>
+                  </a:txBody>
+                  <a:tcPr marL="9525" marR="9525" marT="9525" marB="0" anchor="b"/>
+                </a:tc>
+                <a:tc>
+                  <a:txBody>
+                    <a:bodyPr/>
+                    <a:lstStyle/>
+                    <a:p>
+                      <a:pPr algn="ctr" fontAlgn="ctr"/>
+                      <a:r>
+                        <a:rPr lang="en-US" sz="1800" u="none" strike="noStrike">
+                          <a:effectLst/>
+                          <a:latin typeface="Palatino Linotype" panose="02040502050505030304" pitchFamily="18" charset="0"/>
+                        </a:rPr>
+                        <a:t>750</a:t>
+                      </a:r>
+                      <a:endParaRPr lang="en-US" sz="1800" b="0" i="0" u="none" strike="noStrike">
+                        <a:solidFill>
+                          <a:srgbClr val="000000"/>
+                        </a:solidFill>
+                        <a:effectLst/>
+                        <a:latin typeface="Palatino Linotype" panose="02040502050505030304" pitchFamily="18" charset="0"/>
+                      </a:endParaRPr>
+                    </a:p>
+                  </a:txBody>
+                  <a:tcPr marL="9525" marR="9525" marT="9525" marB="0" anchor="ctr"/>
+                </a:tc>
+                <a:tc>
+                  <a:txBody>
+                    <a:bodyPr/>
+                    <a:lstStyle/>
+                    <a:p>
+                      <a:pPr algn="ctr" fontAlgn="b"/>
+                      <a:r>
+                        <a:rPr lang="en-US" sz="1800" u="none" strike="noStrike" dirty="0">
+                          <a:effectLst/>
+                          <a:latin typeface="Palatino Linotype" panose="02040502050505030304" pitchFamily="18" charset="0"/>
+                        </a:rPr>
+                        <a:t>45</a:t>
+                      </a:r>
+                      <a:endParaRPr lang="en-US" sz="1800" b="0" i="0" u="none" strike="noStrike" dirty="0">
+                        <a:solidFill>
+                          <a:srgbClr val="000000"/>
+                        </a:solidFill>
+                        <a:effectLst/>
+                        <a:latin typeface="Palatino Linotype" panose="02040502050505030304" pitchFamily="18" charset="0"/>
+                      </a:endParaRPr>
+                    </a:p>
+                  </a:txBody>
+                  <a:tcPr marL="9525" marR="9525" marT="9525" marB="0" anchor="b"/>
+                </a:tc>
+                <a:extLst>
+                  <a:ext uri="{0D108BD9-81ED-4DB2-BD59-A6C34878D82A}">
+                    <a16:rowId xmlns:a16="http://schemas.microsoft.com/office/drawing/2014/main" val="937154002"/>
+                  </a:ext>
+                </a:extLst>
+              </a:tr>
+            </a:tbl>
+          </a:graphicData>
+        </a:graphic>
+      </p:graphicFrame>
+    </p:spTree>
+    <p:extLst>
+      <p:ext uri="{BB962C8B-B14F-4D97-AF65-F5344CB8AC3E}">
+        <p14:creationId xmlns:p14="http://schemas.microsoft.com/office/powerpoint/2010/main" val="2858168133"/>
+      </p:ext>
+    </p:extLst>
+  </p:cSld>
+  <p:clrMapOvr>
+    <a:masterClrMapping/>
+  </p:clrMapOvr>
+</p:sld>
+</file>
+
+<file path=ppt/slides/slide17.xml><?xml version="1.0" encoding="utf-8"?>
+<p:sld xmlns:a="http://schemas.openxmlformats.org/drawingml/2006/main" xmlns:r="http://schemas.openxmlformats.org/officeDocument/2006/relationships" xmlns:p="http://schemas.openxmlformats.org/presentationml/2006/main" showMasterSp="0">
+  <p:cSld>
+    <p:spTree>
+      <p:nvGrpSpPr>
+        <p:cNvPr id="1" name=""/>
+        <p:cNvGrpSpPr/>
+        <p:nvPr/>
+      </p:nvGrpSpPr>
+      <p:grpSpPr>
+        <a:xfrm>
+          <a:off x="0" y="0"/>
+          <a:ext cx="0" cy="0"/>
+          <a:chOff x="0" y="0"/>
+          <a:chExt cx="0" cy="0"/>
+        </a:xfrm>
+      </p:grpSpPr>
+      <p:sp>
+        <p:nvSpPr>
+          <p:cNvPr id="2" name="Title 1"/>
+          <p:cNvSpPr>
+            <a:spLocks noGrp="1"/>
+          </p:cNvSpPr>
+          <p:nvPr>
+            <p:ph type="title"/>
+          </p:nvPr>
+        </p:nvSpPr>
+        <p:spPr/>
+        <p:txBody>
+          <a:bodyPr/>
+          <a:lstStyle/>
+          <a:p>
+            <a:r>
+              <a:rPr lang="en-US" dirty="0"/>
+              <a:t>Gains from Specialization</a:t>
+            </a:r>
+          </a:p>
+        </p:txBody>
+      </p:sp>
+      <p:sp>
+        <p:nvSpPr>
+          <p:cNvPr id="3" name="Content Placeholder 2"/>
+          <p:cNvSpPr>
+            <a:spLocks noGrp="1"/>
+          </p:cNvSpPr>
+          <p:nvPr>
+            <p:ph idx="1"/>
+          </p:nvPr>
+        </p:nvSpPr>
+        <p:spPr>
+          <a:xfrm>
+            <a:off x="838200" y="1825625"/>
+            <a:ext cx="10515600" cy="4183289"/>
+          </a:xfrm>
+        </p:spPr>
+        <p:txBody>
+          <a:bodyPr>
+            <a:normAutofit/>
+          </a:bodyPr>
+          <a:lstStyle/>
+          <a:p>
+            <a:pPr marL="457200" indent="-457200"/>
+            <a:r>
+              <a:rPr lang="en-US" sz="2400" dirty="0"/>
+              <a:t>Suppose each produces according to </a:t>
+            </a:r>
+            <a:r>
+              <a:rPr lang="en-US" sz="2400" dirty="0">
+                <a:solidFill>
+                  <a:srgbClr val="F6726E"/>
+                </a:solidFill>
+              </a:rPr>
+              <a:t>comparative advantage</a:t>
+            </a:r>
+          </a:p>
+          <a:p>
+            <a:pPr marL="457200" indent="-457200"/>
+            <a:r>
+              <a:rPr lang="en-US" sz="2400" dirty="0"/>
+              <a:t>How much of each good is produced in the economy? </a:t>
+            </a:r>
+          </a:p>
+          <a:p>
+            <a:pPr marL="457200" indent="-457200"/>
+            <a:r>
+              <a:rPr lang="en-US" dirty="0"/>
+              <a:t>If </a:t>
+            </a:r>
+            <a:r>
+              <a:rPr lang="en-US" dirty="0">
+                <a:solidFill>
+                  <a:srgbClr val="F6726E"/>
+                </a:solidFill>
+              </a:rPr>
+              <a:t>total output </a:t>
+            </a:r>
+            <a:r>
+              <a:rPr lang="en-US" dirty="0"/>
+              <a:t>is greater for both goods under specialization</a:t>
+            </a:r>
+          </a:p>
+          <a:p>
+            <a:pPr marL="457200" indent="-457200"/>
+            <a:r>
+              <a:rPr lang="en-US" dirty="0"/>
+              <a:t>There </a:t>
+            </a:r>
+            <a:r>
+              <a:rPr lang="en-US" i="1" dirty="0"/>
+              <a:t>must</a:t>
+            </a:r>
+            <a:r>
+              <a:rPr lang="en-US" dirty="0"/>
+              <a:t> be a </a:t>
+            </a:r>
+            <a:r>
+              <a:rPr lang="en-US" dirty="0">
+                <a:solidFill>
+                  <a:srgbClr val="F6726E"/>
+                </a:solidFill>
+              </a:rPr>
+              <a:t>price</a:t>
+            </a:r>
+            <a:r>
+              <a:rPr lang="en-US" dirty="0"/>
+              <a:t> at which they could profitably trade </a:t>
+            </a:r>
+          </a:p>
+          <a:p>
+            <a:pPr marL="457200" indent="-457200"/>
+            <a:r>
+              <a:rPr lang="en-US" dirty="0"/>
+              <a:t>Example: 34 apples per unit of wheat, 18 units of wheat traded</a:t>
+            </a:r>
+          </a:p>
+          <a:p>
+            <a:pPr marL="457200" indent="-457200"/>
+            <a:r>
+              <a:rPr lang="en-US" sz="2400" dirty="0"/>
+              <a:t>At different prices, distribution of </a:t>
+            </a:r>
+            <a:r>
+              <a:rPr lang="en-US" sz="2400" dirty="0">
+                <a:solidFill>
+                  <a:srgbClr val="F6726E"/>
+                </a:solidFill>
+              </a:rPr>
+              <a:t>gains from trade </a:t>
+            </a:r>
+            <a:r>
+              <a:rPr lang="en-US" sz="2400" dirty="0"/>
+              <a:t>vary</a:t>
+            </a:r>
+          </a:p>
+          <a:p>
+            <a:pPr marL="457200" indent="-457200"/>
+            <a:r>
+              <a:rPr lang="en-US" dirty="0"/>
+              <a:t>What is lowest price (apples per wheat unit) at which trade can occur? </a:t>
+            </a:r>
+          </a:p>
+          <a:p>
+            <a:pPr marL="457200" indent="-457200"/>
+            <a:r>
+              <a:rPr lang="en-US" dirty="0"/>
+              <a:t>What is highest price (apples per wheat unit) at which trade can occur?</a:t>
+            </a:r>
+          </a:p>
+          <a:p>
+            <a:pPr marL="457200" indent="-457200"/>
+            <a:r>
+              <a:rPr lang="en-US" sz="2400" dirty="0"/>
+              <a:t>Who gains the most in each case? </a:t>
+            </a:r>
+          </a:p>
+          <a:p>
+            <a:pPr marL="457200" indent="-457200"/>
+            <a:endParaRPr lang="en-US" dirty="0"/>
+          </a:p>
+          <a:p>
+            <a:pPr marL="457200" indent="-457200"/>
+            <a:endParaRPr lang="en-US" dirty="0"/>
+          </a:p>
+          <a:p>
+            <a:pPr marL="457200" indent="-457200"/>
+            <a:endParaRPr lang="en-US" dirty="0"/>
+          </a:p>
+        </p:txBody>
+      </p:sp>
+    </p:spTree>
+    <p:extLst>
+      <p:ext uri="{BB962C8B-B14F-4D97-AF65-F5344CB8AC3E}">
+        <p14:creationId xmlns:p14="http://schemas.microsoft.com/office/powerpoint/2010/main" val="48056215"/>
+      </p:ext>
+    </p:extLst>
+  </p:cSld>
+  <p:clrMapOvr>
+    <a:masterClrMapping/>
+  </p:clrMapOvr>
+  <p:timing>
+    <p:tnLst>
+      <p:par>
+        <p:cTn id="1" dur="indefinite" restart="never" nodeType="tmRoot">
+          <p:childTnLst>
+            <p:seq concurrent="1" nextAc="seek">
+              <p:cTn id="2" dur="indefinite" nodeType="mainSeq">
+                <p:childTnLst>
                   <p:par>
-                    <p:cTn id="17" fill="hold">
+                    <p:cTn id="3" fill="hold">
                       <p:stCondLst>
                         <p:cond delay="indefinite"/>
                       </p:stCondLst>
                       <p:childTnLst>
                         <p:par>
-                          <p:cTn id="18" fill="hold">
+                          <p:cTn id="4" fill="hold">
                             <p:stCondLst>
                               <p:cond delay="0"/>
                             </p:stCondLst>
                             <p:childTnLst>
                               <p:par>
-                                <p:cTn id="19" presetID="1" presetClass="entr" presetSubtype="0" fill="hold" nodeType="clickEffect">
+                                <p:cTn id="5" presetID="1" presetClass="entr" presetSubtype="0" fill="hold" nodeType="clickEffect">
+                                  <p:stCondLst>
+                                    <p:cond delay="0"/>
+                                  </p:stCondLst>
+                                  <p:childTnLst>
+                                    <p:set>
+                                      <p:cBhvr>
+                                        <p:cTn id="6" dur="1" fill="hold">
+                                          <p:stCondLst>
+                                            <p:cond delay="0"/>
+                                          </p:stCondLst>
+                                        </p:cTn>
+                                        <p:tgtEl>
+                                          <p:spTgt spid="3">
+                                            <p:txEl>
+                                              <p:pRg st="0" end="0"/>
+                                            </p:txEl>
+                                          </p:spTgt>
+                                        </p:tgtEl>
+                                        <p:attrNameLst>
+                                          <p:attrName>style.visibility</p:attrName>
+                                        </p:attrNameLst>
+                                      </p:cBhvr>
+                                      <p:to>
+                                        <p:strVal val="visible"/>
+                                      </p:to>
+                                    </p:set>
+                                  </p:childTnLst>
+                                </p:cTn>
+                              </p:par>
+                              <p:par>
+                                <p:cTn id="7" presetID="1" presetClass="entr" presetSubtype="0" fill="hold" nodeType="withEffect">
+                                  <p:stCondLst>
+                                    <p:cond delay="0"/>
+                                  </p:stCondLst>
+                                  <p:childTnLst>
+                                    <p:set>
+                                      <p:cBhvr>
+                                        <p:cTn id="8" dur="1" fill="hold">
+                                          <p:stCondLst>
+                                            <p:cond delay="0"/>
+                                          </p:stCondLst>
+                                        </p:cTn>
+                                        <p:tgtEl>
+                                          <p:spTgt spid="3">
+                                            <p:txEl>
+                                              <p:pRg st="1" end="1"/>
+                                            </p:txEl>
+                                          </p:spTgt>
+                                        </p:tgtEl>
+                                        <p:attrNameLst>
+                                          <p:attrName>style.visibility</p:attrName>
+                                        </p:attrNameLst>
+                                      </p:cBhvr>
+                                      <p:to>
+                                        <p:strVal val="visible"/>
+                                      </p:to>
+                                    </p:set>
+                                  </p:childTnLst>
+                                </p:cTn>
+                              </p:par>
+                              <p:par>
+                                <p:cTn id="9" presetID="1" presetClass="entr" presetSubtype="0" fill="hold" nodeType="withEffect">
+                                  <p:stCondLst>
+                                    <p:cond delay="0"/>
+                                  </p:stCondLst>
+                                  <p:childTnLst>
+                                    <p:set>
+                                      <p:cBhvr>
+                                        <p:cTn id="10" dur="1" fill="hold">
+                                          <p:stCondLst>
+                                            <p:cond delay="0"/>
+                                          </p:stCondLst>
+                                        </p:cTn>
+                                        <p:tgtEl>
+                                          <p:spTgt spid="3">
+                                            <p:txEl>
+                                              <p:pRg st="2" end="2"/>
+                                            </p:txEl>
+                                          </p:spTgt>
+                                        </p:tgtEl>
+                                        <p:attrNameLst>
+                                          <p:attrName>style.visibility</p:attrName>
+                                        </p:attrNameLst>
+                                      </p:cBhvr>
+                                      <p:to>
+                                        <p:strVal val="visible"/>
+                                      </p:to>
+                                    </p:set>
+                                  </p:childTnLst>
+                                </p:cTn>
+                              </p:par>
+                              <p:par>
+                                <p:cTn id="11" presetID="1" presetClass="entr" presetSubtype="0" fill="hold" nodeType="withEffect">
+                                  <p:stCondLst>
+                                    <p:cond delay="0"/>
+                                  </p:stCondLst>
+                                  <p:childTnLst>
+                                    <p:set>
+                                      <p:cBhvr>
+                                        <p:cTn id="12" dur="1" fill="hold">
+                                          <p:stCondLst>
+                                            <p:cond delay="0"/>
+                                          </p:stCondLst>
+                                        </p:cTn>
+                                        <p:tgtEl>
+                                          <p:spTgt spid="3">
+                                            <p:txEl>
+                                              <p:pRg st="3" end="3"/>
+                                            </p:txEl>
+                                          </p:spTgt>
+                                        </p:tgtEl>
+                                        <p:attrNameLst>
+                                          <p:attrName>style.visibility</p:attrName>
+                                        </p:attrNameLst>
+                                      </p:cBhvr>
+                                      <p:to>
+                                        <p:strVal val="visible"/>
+                                      </p:to>
+                                    </p:set>
+                                  </p:childTnLst>
+                                </p:cTn>
+                              </p:par>
+                              <p:par>
+                                <p:cTn id="13" presetID="1" presetClass="entr" presetSubtype="0" fill="hold" nodeType="withEffect">
+                                  <p:stCondLst>
+                                    <p:cond delay="0"/>
+                                  </p:stCondLst>
+                                  <p:childTnLst>
+                                    <p:set>
+                                      <p:cBhvr>
+                                        <p:cTn id="14" dur="1" fill="hold">
+                                          <p:stCondLst>
+                                            <p:cond delay="0"/>
+                                          </p:stCondLst>
+                                        </p:cTn>
+                                        <p:tgtEl>
+                                          <p:spTgt spid="3">
+                                            <p:txEl>
+                                              <p:pRg st="4" end="4"/>
+                                            </p:txEl>
+                                          </p:spTgt>
+                                        </p:tgtEl>
+                                        <p:attrNameLst>
+                                          <p:attrName>style.visibility</p:attrName>
+                                        </p:attrNameLst>
+                                      </p:cBhvr>
+                                      <p:to>
+                                        <p:strVal val="visible"/>
+                                      </p:to>
+                                    </p:set>
+                                  </p:childTnLst>
+                                </p:cTn>
+                              </p:par>
+                              <p:par>
+                                <p:cTn id="15" presetID="1" presetClass="entr" presetSubtype="0" fill="hold" nodeType="withEffect">
+                                  <p:stCondLst>
+                                    <p:cond delay="0"/>
+                                  </p:stCondLst>
+                                  <p:childTnLst>
+                                    <p:set>
+                                      <p:cBhvr>
+                                        <p:cTn id="16" dur="1" fill="hold">
+                                          <p:stCondLst>
+                                            <p:cond delay="0"/>
+                                          </p:stCondLst>
+                                        </p:cTn>
+                                        <p:tgtEl>
+                                          <p:spTgt spid="3">
+                                            <p:txEl>
+                                              <p:pRg st="5" end="5"/>
+                                            </p:txEl>
+                                          </p:spTgt>
+                                        </p:tgtEl>
+                                        <p:attrNameLst>
+                                          <p:attrName>style.visibility</p:attrName>
+                                        </p:attrNameLst>
+                                      </p:cBhvr>
+                                      <p:to>
+                                        <p:strVal val="visible"/>
+                                      </p:to>
+                                    </p:set>
+                                  </p:childTnLst>
+                                </p:cTn>
+                              </p:par>
+                              <p:par>
+                                <p:cTn id="17" presetID="1" presetClass="entr" presetSubtype="0" fill="hold" nodeType="withEffect">
+                                  <p:stCondLst>
+                                    <p:cond delay="0"/>
+                                  </p:stCondLst>
+                                  <p:childTnLst>
+                                    <p:set>
+                                      <p:cBhvr>
+                                        <p:cTn id="18" dur="1" fill="hold">
+                                          <p:stCondLst>
+                                            <p:cond delay="0"/>
+                                          </p:stCondLst>
+                                        </p:cTn>
+                                        <p:tgtEl>
+                                          <p:spTgt spid="3">
+                                            <p:txEl>
+                                              <p:pRg st="6" end="6"/>
+                                            </p:txEl>
+                                          </p:spTgt>
+                                        </p:tgtEl>
+                                        <p:attrNameLst>
+                                          <p:attrName>style.visibility</p:attrName>
+                                        </p:attrNameLst>
+                                      </p:cBhvr>
+                                      <p:to>
+                                        <p:strVal val="visible"/>
+                                      </p:to>
+                                    </p:set>
+                                  </p:childTnLst>
+                                </p:cTn>
+                              </p:par>
+                              <p:par>
+                                <p:cTn id="19" presetID="1" presetClass="entr" presetSubtype="0" fill="hold" nodeType="withEffect">
                                   <p:stCondLst>
                                     <p:cond delay="0"/>
                                   </p:stCondLst>
@@ -5427,7 +7433,7 @@
                                         <p:tgtEl>
                                           <p:spTgt spid="3">
                                             <p:txEl>
-                                              <p:pRg st="5" end="5"/>
+                                              <p:pRg st="7" end="7"/>
                                             </p:txEl>
                                           </p:spTgt>
                                         </p:tgtEl>
@@ -5458,38 +7464,7 @@
                                         <p:tgtEl>
                                           <p:spTgt spid="3">
                                             <p:txEl>
-                                              <p:pRg st="6" end="6"/>
-                                            </p:txEl>
-                                          </p:spTgt>
-                                        </p:tgtEl>
-                                        <p:attrNameLst>
-                                          <p:attrName>style.visibility</p:attrName>
-                                        </p:attrNameLst>
-                                      </p:cBhvr>
-                                      <p:to>
-                                        <p:strVal val="visible"/>
-                                      </p:to>
-                                    </p:set>
-                                  </p:childTnLst>
-                                </p:cTn>
-                              </p:par>
-                              <p:par>
-                                <p:cTn id="23" presetID="1" presetClass="entr" presetSubtype="0" fill="hold" nodeType="withEffect">
-                                  <p:stCondLst>
-                                    <p:cond delay="0"/>
-                                  </p:stCondLst>
-                                  <p:childTnLst>
-                                    <p:set>
-                                      <p:cBhvr>
-                                        <p:cTn id="24" dur="1" fill="hold">
-                                          <p:stCondLst>
-                                            <p:cond delay="0"/>
-                                          </p:stCondLst>
-                                        </p:cTn>
-                                        <p:tgtEl>
-                                          <p:spTgt spid="3">
-                                            <p:txEl>
-                                              <p:pRg st="7" end="7"/>
+                                              <p:pRg st="8" end="8"/>
                                             </p:txEl>
                                           </p:spTgt>
                                         </p:tgtEl>
@@ -5535,7 +7510,7 @@
 </p:sld>
 </file>
 
-<file path=ppt/slides/slide16.xml><?xml version="1.0" encoding="utf-8"?>
+<file path=ppt/slides/slide18.xml><?xml version="1.0" encoding="utf-8"?>
 <p:sld xmlns:a="http://schemas.openxmlformats.org/drawingml/2006/main" xmlns:r="http://schemas.openxmlformats.org/officeDocument/2006/relationships" xmlns:p="http://schemas.openxmlformats.org/presentationml/2006/main" showMasterSp="0">
   <p:cSld>
     <p:spTree>
@@ -5552,40 +7527,12 @@
           <a:chExt cx="0" cy="0"/>
         </a:xfrm>
       </p:grpSpPr>
-      <p:sp>
-        <p:nvSpPr>
-          <p:cNvPr id="2" name="Title 1">
+      <p:graphicFrame>
+        <p:nvGraphicFramePr>
+          <p:cNvPr id="5" name="Table 4">
             <a:extLst>
               <a:ext uri="{FF2B5EF4-FFF2-40B4-BE49-F238E27FC236}">
-                <a16:creationId xmlns:a16="http://schemas.microsoft.com/office/drawing/2014/main" id="{AFABAB44-5ED0-584E-9066-BF9FAB951E0D}"/>
-              </a:ext>
-            </a:extLst>
-          </p:cNvPr>
-          <p:cNvSpPr>
-            <a:spLocks noGrp="1"/>
-          </p:cNvSpPr>
-          <p:nvPr>
-            <p:ph type="title"/>
-          </p:nvPr>
-        </p:nvSpPr>
-        <p:spPr/>
-        <p:txBody>
-          <a:bodyPr/>
-          <a:lstStyle/>
-          <a:p>
-            <a:r>
-              <a:rPr lang="en-US" dirty="0"/>
-              <a:t>Gains from Specialization</a:t>
-            </a:r>
-          </a:p>
-        </p:txBody>
-      </p:sp>
-      <p:graphicFrame>
-        <p:nvGraphicFramePr>
-          <p:cNvPr id="7" name="Content Placeholder 6">
-            <a:extLst>
-              <a:ext uri="{FF2B5EF4-FFF2-40B4-BE49-F238E27FC236}">
-                <a16:creationId xmlns:a16="http://schemas.microsoft.com/office/drawing/2014/main" id="{DF47920A-104B-384A-8942-CBFD5F2F7586}"/>
+                <a16:creationId xmlns:a16="http://schemas.microsoft.com/office/drawing/2014/main" id="{F73ED0B1-0689-F14B-B085-F950ABF05AAD}"/>
               </a:ext>
             </a:extLst>
           </p:cNvPr>
@@ -5593,17 +7540,16 @@
             <a:graphicFrameLocks noGrp="1"/>
           </p:cNvGraphicFramePr>
           <p:nvPr>
-            <p:ph idx="1"/>
             <p:extLst>
               <p:ext uri="{D42A27DB-BD31-4B8C-83A1-F6EECF244321}">
-                <p14:modId xmlns:p14="http://schemas.microsoft.com/office/powerpoint/2010/main" val="180906878"/>
+                <p14:modId xmlns:p14="http://schemas.microsoft.com/office/powerpoint/2010/main" val="668224607"/>
               </p:ext>
             </p:extLst>
           </p:nvPr>
         </p:nvGraphicFramePr>
         <p:xfrm>
-          <a:off x="2635249" y="2190750"/>
-          <a:ext cx="6921501" cy="2476500"/>
+          <a:off x="838198" y="2215212"/>
+          <a:ext cx="10515604" cy="2427576"/>
         </p:xfrm>
         <a:graphic>
           <a:graphicData uri="http://schemas.openxmlformats.org/drawingml/2006/table">
@@ -5612,474 +7558,846 @@
                 <a:tableStyleId>{5C22544A-7EE6-4342-B048-85BDC9FD1C3A}</a:tableStyleId>
               </a:tblPr>
               <a:tblGrid>
-                <a:gridCol w="1178937">
+                <a:gridCol w="1407508">
                   <a:extLst>
                     <a:ext uri="{9D8B030D-6E8A-4147-A177-3AD203B41FA5}">
-                      <a16:colId xmlns:a16="http://schemas.microsoft.com/office/drawing/2014/main" val="3678008723"/>
+                      <a16:colId xmlns:a16="http://schemas.microsoft.com/office/drawing/2014/main" val="1497781945"/>
                     </a:ext>
                   </a:extLst>
                 </a:gridCol>
-                <a:gridCol w="1435641">
+                <a:gridCol w="759008">
                   <a:extLst>
                     <a:ext uri="{9D8B030D-6E8A-4147-A177-3AD203B41FA5}">
-                      <a16:colId xmlns:a16="http://schemas.microsoft.com/office/drawing/2014/main" val="2974020687"/>
+                      <a16:colId xmlns:a16="http://schemas.microsoft.com/office/drawing/2014/main" val="1564615678"/>
                     </a:ext>
                   </a:extLst>
                 </a:gridCol>
-                <a:gridCol w="1435641">
+                <a:gridCol w="759008">
                   <a:extLst>
                     <a:ext uri="{9D8B030D-6E8A-4147-A177-3AD203B41FA5}">
-                      <a16:colId xmlns:a16="http://schemas.microsoft.com/office/drawing/2014/main" val="2442932610"/>
+                      <a16:colId xmlns:a16="http://schemas.microsoft.com/office/drawing/2014/main" val="2895102279"/>
                     </a:ext>
                   </a:extLst>
                 </a:gridCol>
-                <a:gridCol w="1435641">
+                <a:gridCol w="759008">
                   <a:extLst>
                     <a:ext uri="{9D8B030D-6E8A-4147-A177-3AD203B41FA5}">
-                      <a16:colId xmlns:a16="http://schemas.microsoft.com/office/drawing/2014/main" val="4065600456"/>
+                      <a16:colId xmlns:a16="http://schemas.microsoft.com/office/drawing/2014/main" val="4124483766"/>
                     </a:ext>
                   </a:extLst>
                 </a:gridCol>
-                <a:gridCol w="1435641">
+                <a:gridCol w="759008">
                   <a:extLst>
                     <a:ext uri="{9D8B030D-6E8A-4147-A177-3AD203B41FA5}">
-                      <a16:colId xmlns:a16="http://schemas.microsoft.com/office/drawing/2014/main" val="3088571221"/>
+                      <a16:colId xmlns:a16="http://schemas.microsoft.com/office/drawing/2014/main" val="3260106524"/>
+                    </a:ext>
+                  </a:extLst>
+                </a:gridCol>
+                <a:gridCol w="759008">
+                  <a:extLst>
+                    <a:ext uri="{9D8B030D-6E8A-4147-A177-3AD203B41FA5}">
+                      <a16:colId xmlns:a16="http://schemas.microsoft.com/office/drawing/2014/main" val="1991356923"/>
+                    </a:ext>
+                  </a:extLst>
+                </a:gridCol>
+                <a:gridCol w="759008">
+                  <a:extLst>
+                    <a:ext uri="{9D8B030D-6E8A-4147-A177-3AD203B41FA5}">
+                      <a16:colId xmlns:a16="http://schemas.microsoft.com/office/drawing/2014/main" val="1192909820"/>
+                    </a:ext>
+                  </a:extLst>
+                </a:gridCol>
+                <a:gridCol w="759008">
+                  <a:extLst>
+                    <a:ext uri="{9D8B030D-6E8A-4147-A177-3AD203B41FA5}">
+                      <a16:colId xmlns:a16="http://schemas.microsoft.com/office/drawing/2014/main" val="2254756991"/>
+                    </a:ext>
+                  </a:extLst>
+                </a:gridCol>
+                <a:gridCol w="759008">
+                  <a:extLst>
+                    <a:ext uri="{9D8B030D-6E8A-4147-A177-3AD203B41FA5}">
+                      <a16:colId xmlns:a16="http://schemas.microsoft.com/office/drawing/2014/main" val="3948864200"/>
+                    </a:ext>
+                  </a:extLst>
+                </a:gridCol>
+                <a:gridCol w="759008">
+                  <a:extLst>
+                    <a:ext uri="{9D8B030D-6E8A-4147-A177-3AD203B41FA5}">
+                      <a16:colId xmlns:a16="http://schemas.microsoft.com/office/drawing/2014/main" val="2378665712"/>
+                    </a:ext>
+                  </a:extLst>
+                </a:gridCol>
+                <a:gridCol w="759008">
+                  <a:extLst>
+                    <a:ext uri="{9D8B030D-6E8A-4147-A177-3AD203B41FA5}">
+                      <a16:colId xmlns:a16="http://schemas.microsoft.com/office/drawing/2014/main" val="776624806"/>
+                    </a:ext>
+                  </a:extLst>
+                </a:gridCol>
+                <a:gridCol w="759008">
+                  <a:extLst>
+                    <a:ext uri="{9D8B030D-6E8A-4147-A177-3AD203B41FA5}">
+                      <a16:colId xmlns:a16="http://schemas.microsoft.com/office/drawing/2014/main" val="2999352704"/>
+                    </a:ext>
+                  </a:extLst>
+                </a:gridCol>
+                <a:gridCol w="759008">
+                  <a:extLst>
+                    <a:ext uri="{9D8B030D-6E8A-4147-A177-3AD203B41FA5}">
+                      <a16:colId xmlns:a16="http://schemas.microsoft.com/office/drawing/2014/main" val="2016749457"/>
                     </a:ext>
                   </a:extLst>
                 </a:gridCol>
               </a:tblGrid>
-              <a:tr h="495300">
+              <a:tr h="303447">
+                <a:tc rowSpan="3">
+                  <a:txBody>
+                    <a:bodyPr/>
+                    <a:lstStyle/>
+                    <a:p>
+                      <a:pPr algn="l" fontAlgn="b"/>
+                      <a:r>
+                        <a:rPr lang="en-US" sz="1700" u="none" strike="noStrike">
+                          <a:effectLst/>
+                          <a:latin typeface="Palatino Linotype" panose="02040502050505030304" pitchFamily="18" charset="0"/>
+                        </a:rPr>
+                        <a:t> </a:t>
+                      </a:r>
+                      <a:endParaRPr lang="en-US" sz="1700" b="0" i="0" u="none" strike="noStrike">
+                        <a:solidFill>
+                          <a:srgbClr val="000000"/>
+                        </a:solidFill>
+                        <a:effectLst/>
+                        <a:latin typeface="Palatino Linotype" panose="02040502050505030304" pitchFamily="18" charset="0"/>
+                      </a:endParaRPr>
+                    </a:p>
+                  </a:txBody>
+                  <a:tcPr marL="8753" marR="8753" marT="8753" marB="0" anchor="b"/>
+                </a:tc>
+                <a:tc gridSpan="4">
+                  <a:txBody>
+                    <a:bodyPr/>
+                    <a:lstStyle/>
+                    <a:p>
+                      <a:pPr algn="ctr" fontAlgn="ctr"/>
+                      <a:r>
+                        <a:rPr lang="en-US" sz="1700" u="none" strike="noStrike">
+                          <a:effectLst/>
+                          <a:latin typeface="Palatino Linotype" panose="02040502050505030304" pitchFamily="18" charset="0"/>
+                        </a:rPr>
+                        <a:t>Greta</a:t>
+                      </a:r>
+                      <a:endParaRPr lang="en-US" sz="1700" b="1" i="0" u="none" strike="noStrike">
+                        <a:solidFill>
+                          <a:srgbClr val="000000"/>
+                        </a:solidFill>
+                        <a:effectLst/>
+                        <a:latin typeface="Palatino Linotype" panose="02040502050505030304" pitchFamily="18" charset="0"/>
+                      </a:endParaRPr>
+                    </a:p>
+                  </a:txBody>
+                  <a:tcPr marL="8753" marR="8753" marT="8753" marB="0" anchor="ctr"/>
+                </a:tc>
+                <a:tc hMerge="1">
+                  <a:txBody>
+                    <a:bodyPr/>
+                    <a:lstStyle/>
+                    <a:p>
+                      <a:endParaRPr lang="en-US"/>
+                    </a:p>
+                  </a:txBody>
+                  <a:tcPr/>
+                </a:tc>
+                <a:tc hMerge="1">
+                  <a:txBody>
+                    <a:bodyPr/>
+                    <a:lstStyle/>
+                    <a:p>
+                      <a:endParaRPr lang="en-US"/>
+                    </a:p>
+                  </a:txBody>
+                  <a:tcPr/>
+                </a:tc>
+                <a:tc hMerge="1">
+                  <a:txBody>
+                    <a:bodyPr/>
+                    <a:lstStyle/>
+                    <a:p>
+                      <a:endParaRPr lang="en-US"/>
+                    </a:p>
+                  </a:txBody>
+                  <a:tcPr/>
+                </a:tc>
+                <a:tc gridSpan="4">
+                  <a:txBody>
+                    <a:bodyPr/>
+                    <a:lstStyle/>
+                    <a:p>
+                      <a:pPr algn="ctr" fontAlgn="ctr"/>
+                      <a:r>
+                        <a:rPr lang="en-US" sz="1700" u="none" strike="noStrike">
+                          <a:effectLst/>
+                          <a:latin typeface="Palatino Linotype" panose="02040502050505030304" pitchFamily="18" charset="0"/>
+                        </a:rPr>
+                        <a:t>Carlos</a:t>
+                      </a:r>
+                      <a:endParaRPr lang="en-US" sz="1700" b="1" i="0" u="none" strike="noStrike">
+                        <a:solidFill>
+                          <a:srgbClr val="000000"/>
+                        </a:solidFill>
+                        <a:effectLst/>
+                        <a:latin typeface="Palatino Linotype" panose="02040502050505030304" pitchFamily="18" charset="0"/>
+                      </a:endParaRPr>
+                    </a:p>
+                  </a:txBody>
+                  <a:tcPr marL="8753" marR="8753" marT="8753" marB="0" anchor="ctr"/>
+                </a:tc>
+                <a:tc hMerge="1">
+                  <a:txBody>
+                    <a:bodyPr/>
+                    <a:lstStyle/>
+                    <a:p>
+                      <a:endParaRPr lang="en-US"/>
+                    </a:p>
+                  </a:txBody>
+                  <a:tcPr/>
+                </a:tc>
+                <a:tc hMerge="1">
+                  <a:txBody>
+                    <a:bodyPr/>
+                    <a:lstStyle/>
+                    <a:p>
+                      <a:endParaRPr lang="en-US"/>
+                    </a:p>
+                  </a:txBody>
+                  <a:tcPr/>
+                </a:tc>
+                <a:tc hMerge="1">
+                  <a:txBody>
+                    <a:bodyPr/>
+                    <a:lstStyle/>
+                    <a:p>
+                      <a:endParaRPr lang="en-US"/>
+                    </a:p>
+                  </a:txBody>
+                  <a:tcPr/>
+                </a:tc>
+                <a:tc gridSpan="2">
+                  <a:txBody>
+                    <a:bodyPr/>
+                    <a:lstStyle/>
+                    <a:p>
+                      <a:pPr algn="ctr" fontAlgn="ctr"/>
+                      <a:r>
+                        <a:rPr lang="en-US" sz="1700" u="none" strike="noStrike">
+                          <a:effectLst/>
+                          <a:latin typeface="Palatino Linotype" panose="02040502050505030304" pitchFamily="18" charset="0"/>
+                        </a:rPr>
+                        <a:t>Total</a:t>
+                      </a:r>
+                      <a:endParaRPr lang="en-US" sz="1700" b="1" i="0" u="none" strike="noStrike">
+                        <a:solidFill>
+                          <a:srgbClr val="000000"/>
+                        </a:solidFill>
+                        <a:effectLst/>
+                        <a:latin typeface="Palatino Linotype" panose="02040502050505030304" pitchFamily="18" charset="0"/>
+                      </a:endParaRPr>
+                    </a:p>
+                  </a:txBody>
+                  <a:tcPr marL="8753" marR="8753" marT="8753" marB="0" anchor="ctr"/>
+                </a:tc>
+                <a:tc hMerge="1">
+                  <a:txBody>
+                    <a:bodyPr/>
+                    <a:lstStyle/>
+                    <a:p>
+                      <a:endParaRPr lang="en-US"/>
+                    </a:p>
+                  </a:txBody>
+                  <a:tcPr/>
+                </a:tc>
                 <a:tc>
                   <a:txBody>
                     <a:bodyPr/>
                     <a:lstStyle/>
                     <a:p>
-                      <a:pPr algn="ctr" fontAlgn="b"/>
-                      <a:r>
-                        <a:rPr lang="en-US" sz="2400" u="none" strike="noStrike" dirty="0">
-                          <a:effectLst/>
-                          <a:latin typeface="Palatino Linotype" panose="02040502050505030304" pitchFamily="18" charset="0"/>
-                        </a:rPr>
-                        <a:t> </a:t>
-                      </a:r>
-                      <a:endParaRPr lang="en-US" sz="2400" b="1" i="0" u="none" strike="noStrike" dirty="0">
-                        <a:solidFill>
-                          <a:srgbClr val="000000"/>
-                        </a:solidFill>
-                        <a:effectLst/>
-                        <a:latin typeface="Palatino Linotype" panose="02040502050505030304" pitchFamily="18" charset="0"/>
-                      </a:endParaRPr>
-                    </a:p>
-                  </a:txBody>
-                  <a:tcPr marL="9525" marR="9525" marT="9525" marB="0" anchor="b">
-                    <a:solidFill>
-                      <a:schemeClr val="accent1">
-                        <a:tint val="20000"/>
-                      </a:schemeClr>
-                    </a:solidFill>
-                  </a:tcPr>
-                </a:tc>
-                <a:tc gridSpan="2">
-                  <a:txBody>
-                    <a:bodyPr/>
-                    <a:lstStyle/>
-                    <a:p>
-                      <a:pPr algn="ctr" fontAlgn="b"/>
-                      <a:r>
-                        <a:rPr lang="en-US" sz="2400" u="none" strike="noStrike" dirty="0">
-                          <a:effectLst/>
-                          <a:latin typeface="Palatino Linotype" panose="02040502050505030304" pitchFamily="18" charset="0"/>
-                        </a:rPr>
-                        <a:t>Self-Sufficiency</a:t>
-                      </a:r>
-                      <a:endParaRPr lang="en-US" sz="2400" b="1" i="0" u="none" strike="noStrike" dirty="0">
-                        <a:solidFill>
-                          <a:srgbClr val="000000"/>
-                        </a:solidFill>
-                        <a:effectLst/>
-                        <a:latin typeface="Palatino Linotype" panose="02040502050505030304" pitchFamily="18" charset="0"/>
-                      </a:endParaRPr>
-                    </a:p>
-                  </a:txBody>
-                  <a:tcPr marL="9525" marR="9525" marT="9525" marB="0" anchor="b">
-                    <a:solidFill>
-                      <a:schemeClr val="accent1">
-                        <a:tint val="20000"/>
-                      </a:schemeClr>
-                    </a:solidFill>
-                  </a:tcPr>
-                </a:tc>
-                <a:tc hMerge="1">
-                  <a:txBody>
-                    <a:bodyPr/>
-                    <a:lstStyle/>
-                    <a:p>
-                      <a:endParaRPr lang="en-US"/>
-                    </a:p>
-                  </a:txBody>
-                  <a:tcPr/>
-                </a:tc>
-                <a:tc gridSpan="2">
-                  <a:txBody>
-                    <a:bodyPr/>
-                    <a:lstStyle/>
-                    <a:p>
-                      <a:pPr algn="ctr" fontAlgn="b"/>
-                      <a:r>
-                        <a:rPr lang="en-US" sz="2400" u="none" strike="noStrike" dirty="0">
-                          <a:effectLst/>
-                          <a:latin typeface="Palatino Linotype" panose="02040502050505030304" pitchFamily="18" charset="0"/>
-                        </a:rPr>
-                        <a:t>Specialization</a:t>
-                      </a:r>
-                      <a:endParaRPr lang="en-US" sz="2400" b="1" i="0" u="none" strike="noStrike" dirty="0">
-                        <a:solidFill>
-                          <a:srgbClr val="000000"/>
-                        </a:solidFill>
-                        <a:effectLst/>
-                        <a:latin typeface="Palatino Linotype" panose="02040502050505030304" pitchFamily="18" charset="0"/>
-                      </a:endParaRPr>
-                    </a:p>
-                  </a:txBody>
-                  <a:tcPr marL="9525" marR="9525" marT="9525" marB="0" anchor="b">
-                    <a:solidFill>
-                      <a:schemeClr val="accent1">
-                        <a:tint val="20000"/>
-                      </a:schemeClr>
-                    </a:solidFill>
-                  </a:tcPr>
-                </a:tc>
-                <a:tc hMerge="1">
-                  <a:txBody>
-                    <a:bodyPr/>
-                    <a:lstStyle/>
-                    <a:p>
-                      <a:endParaRPr lang="en-US"/>
-                    </a:p>
-                  </a:txBody>
-                  <a:tcPr/>
+                      <a:pPr algn="ctr" fontAlgn="ctr"/>
+                      <a:r>
+                        <a:rPr lang="en-US" sz="1700" u="none" strike="noStrike">
+                          <a:effectLst/>
+                          <a:latin typeface="Palatino Linotype" panose="02040502050505030304" pitchFamily="18" charset="0"/>
+                        </a:rPr>
+                        <a:t>Price</a:t>
+                      </a:r>
+                      <a:endParaRPr lang="en-US" sz="1700" b="1" i="0" u="none" strike="noStrike">
+                        <a:solidFill>
+                          <a:srgbClr val="000000"/>
+                        </a:solidFill>
+                        <a:effectLst/>
+                        <a:latin typeface="Palatino Linotype" panose="02040502050505030304" pitchFamily="18" charset="0"/>
+                      </a:endParaRPr>
+                    </a:p>
+                  </a:txBody>
+                  <a:tcPr marL="8753" marR="8753" marT="8753" marB="0" anchor="ctr"/>
+                </a:tc>
+                <a:tc>
+                  <a:txBody>
+                    <a:bodyPr/>
+                    <a:lstStyle/>
+                    <a:p>
+                      <a:pPr algn="ctr" fontAlgn="ctr"/>
+                      <a:r>
+                        <a:rPr lang="en-US" sz="1700" u="none" strike="noStrike">
+                          <a:effectLst/>
+                          <a:latin typeface="Palatino Linotype" panose="02040502050505030304" pitchFamily="18" charset="0"/>
+                        </a:rPr>
+                        <a:t>Trade</a:t>
+                      </a:r>
+                      <a:endParaRPr lang="en-US" sz="1700" b="1" i="0" u="none" strike="noStrike">
+                        <a:solidFill>
+                          <a:srgbClr val="000000"/>
+                        </a:solidFill>
+                        <a:effectLst/>
+                        <a:latin typeface="Palatino Linotype" panose="02040502050505030304" pitchFamily="18" charset="0"/>
+                      </a:endParaRPr>
+                    </a:p>
+                  </a:txBody>
+                  <a:tcPr marL="8753" marR="8753" marT="8753" marB="0" anchor="ctr"/>
                 </a:tc>
                 <a:extLst>
                   <a:ext uri="{0D108BD9-81ED-4DB2-BD59-A6C34878D82A}">
-                    <a16:rowId xmlns:a16="http://schemas.microsoft.com/office/drawing/2014/main" val="259606221"/>
+                    <a16:rowId xmlns:a16="http://schemas.microsoft.com/office/drawing/2014/main" val="2651463252"/>
                   </a:ext>
                 </a:extLst>
               </a:tr>
-              <a:tr h="495300">
+              <a:tr h="303447">
+                <a:tc vMerge="1">
+                  <a:txBody>
+                    <a:bodyPr/>
+                    <a:lstStyle/>
+                    <a:p>
+                      <a:endParaRPr lang="en-US"/>
+                    </a:p>
+                  </a:txBody>
+                  <a:tcPr/>
+                </a:tc>
+                <a:tc gridSpan="2">
+                  <a:txBody>
+                    <a:bodyPr/>
+                    <a:lstStyle/>
+                    <a:p>
+                      <a:pPr algn="ctr" fontAlgn="ctr"/>
+                      <a:r>
+                        <a:rPr lang="en-US" sz="1700" u="none" strike="noStrike">
+                          <a:effectLst/>
+                          <a:latin typeface="Palatino Linotype" panose="02040502050505030304" pitchFamily="18" charset="0"/>
+                        </a:rPr>
+                        <a:t>Apples</a:t>
+                      </a:r>
+                      <a:endParaRPr lang="en-US" sz="1700" b="1" i="0" u="none" strike="noStrike">
+                        <a:solidFill>
+                          <a:srgbClr val="000000"/>
+                        </a:solidFill>
+                        <a:effectLst/>
+                        <a:latin typeface="Palatino Linotype" panose="02040502050505030304" pitchFamily="18" charset="0"/>
+                      </a:endParaRPr>
+                    </a:p>
+                  </a:txBody>
+                  <a:tcPr marL="8753" marR="8753" marT="8753" marB="0" anchor="ctr"/>
+                </a:tc>
+                <a:tc hMerge="1">
+                  <a:txBody>
+                    <a:bodyPr/>
+                    <a:lstStyle/>
+                    <a:p>
+                      <a:endParaRPr lang="en-US"/>
+                    </a:p>
+                  </a:txBody>
+                  <a:tcPr/>
+                </a:tc>
+                <a:tc gridSpan="2">
+                  <a:txBody>
+                    <a:bodyPr/>
+                    <a:lstStyle/>
+                    <a:p>
+                      <a:pPr algn="ctr" fontAlgn="ctr"/>
+                      <a:r>
+                        <a:rPr lang="en-US" sz="1700" u="none" strike="noStrike">
+                          <a:effectLst/>
+                          <a:latin typeface="Palatino Linotype" panose="02040502050505030304" pitchFamily="18" charset="0"/>
+                        </a:rPr>
+                        <a:t>Wheat</a:t>
+                      </a:r>
+                      <a:endParaRPr lang="en-US" sz="1700" b="1" i="0" u="none" strike="noStrike">
+                        <a:solidFill>
+                          <a:srgbClr val="000000"/>
+                        </a:solidFill>
+                        <a:effectLst/>
+                        <a:latin typeface="Palatino Linotype" panose="02040502050505030304" pitchFamily="18" charset="0"/>
+                      </a:endParaRPr>
+                    </a:p>
+                  </a:txBody>
+                  <a:tcPr marL="8753" marR="8753" marT="8753" marB="0" anchor="ctr"/>
+                </a:tc>
+                <a:tc hMerge="1">
+                  <a:txBody>
+                    <a:bodyPr/>
+                    <a:lstStyle/>
+                    <a:p>
+                      <a:endParaRPr lang="en-US"/>
+                    </a:p>
+                  </a:txBody>
+                  <a:tcPr/>
+                </a:tc>
+                <a:tc gridSpan="2">
+                  <a:txBody>
+                    <a:bodyPr/>
+                    <a:lstStyle/>
+                    <a:p>
+                      <a:pPr algn="ctr" fontAlgn="ctr"/>
+                      <a:r>
+                        <a:rPr lang="en-US" sz="1700" u="none" strike="noStrike">
+                          <a:effectLst/>
+                          <a:latin typeface="Palatino Linotype" panose="02040502050505030304" pitchFamily="18" charset="0"/>
+                        </a:rPr>
+                        <a:t>Apples</a:t>
+                      </a:r>
+                      <a:endParaRPr lang="en-US" sz="1700" b="1" i="0" u="none" strike="noStrike">
+                        <a:solidFill>
+                          <a:srgbClr val="000000"/>
+                        </a:solidFill>
+                        <a:effectLst/>
+                        <a:latin typeface="Palatino Linotype" panose="02040502050505030304" pitchFamily="18" charset="0"/>
+                      </a:endParaRPr>
+                    </a:p>
+                  </a:txBody>
+                  <a:tcPr marL="8753" marR="8753" marT="8753" marB="0" anchor="ctr"/>
+                </a:tc>
+                <a:tc hMerge="1">
+                  <a:txBody>
+                    <a:bodyPr/>
+                    <a:lstStyle/>
+                    <a:p>
+                      <a:endParaRPr lang="en-US"/>
+                    </a:p>
+                  </a:txBody>
+                  <a:tcPr/>
+                </a:tc>
+                <a:tc gridSpan="2">
+                  <a:txBody>
+                    <a:bodyPr/>
+                    <a:lstStyle/>
+                    <a:p>
+                      <a:pPr algn="ctr" fontAlgn="ctr"/>
+                      <a:r>
+                        <a:rPr lang="en-US" sz="1700" u="none" strike="noStrike">
+                          <a:effectLst/>
+                          <a:latin typeface="Palatino Linotype" panose="02040502050505030304" pitchFamily="18" charset="0"/>
+                        </a:rPr>
+                        <a:t>Wheat</a:t>
+                      </a:r>
+                      <a:endParaRPr lang="en-US" sz="1700" b="1" i="0" u="none" strike="noStrike">
+                        <a:solidFill>
+                          <a:srgbClr val="000000"/>
+                        </a:solidFill>
+                        <a:effectLst/>
+                        <a:latin typeface="Palatino Linotype" panose="02040502050505030304" pitchFamily="18" charset="0"/>
+                      </a:endParaRPr>
+                    </a:p>
+                  </a:txBody>
+                  <a:tcPr marL="8753" marR="8753" marT="8753" marB="0" anchor="ctr"/>
+                </a:tc>
+                <a:tc hMerge="1">
+                  <a:txBody>
+                    <a:bodyPr/>
+                    <a:lstStyle/>
+                    <a:p>
+                      <a:endParaRPr lang="en-US"/>
+                    </a:p>
+                  </a:txBody>
+                  <a:tcPr/>
+                </a:tc>
                 <a:tc>
                   <a:txBody>
                     <a:bodyPr/>
                     <a:lstStyle/>
                     <a:p>
-                      <a:pPr algn="ctr" fontAlgn="b"/>
-                      <a:r>
-                        <a:rPr lang="en-US" sz="2400" u="none" strike="noStrike">
+                      <a:pPr algn="ctr" fontAlgn="ctr"/>
+                      <a:r>
+                        <a:rPr lang="en-US" sz="1700" u="none" strike="noStrike">
+                          <a:effectLst/>
+                          <a:latin typeface="Palatino Linotype" panose="02040502050505030304" pitchFamily="18" charset="0"/>
+                        </a:rPr>
+                        <a:t>Apples</a:t>
+                      </a:r>
+                      <a:endParaRPr lang="en-US" sz="1700" b="1" i="0" u="none" strike="noStrike">
+                        <a:solidFill>
+                          <a:srgbClr val="000000"/>
+                        </a:solidFill>
+                        <a:effectLst/>
+                        <a:latin typeface="Palatino Linotype" panose="02040502050505030304" pitchFamily="18" charset="0"/>
+                      </a:endParaRPr>
+                    </a:p>
+                  </a:txBody>
+                  <a:tcPr marL="8753" marR="8753" marT="8753" marB="0" anchor="ctr"/>
+                </a:tc>
+                <a:tc>
+                  <a:txBody>
+                    <a:bodyPr/>
+                    <a:lstStyle/>
+                    <a:p>
+                      <a:pPr algn="ctr" fontAlgn="ctr"/>
+                      <a:r>
+                        <a:rPr lang="en-US" sz="1700" u="none" strike="noStrike">
+                          <a:effectLst/>
+                          <a:latin typeface="Palatino Linotype" panose="02040502050505030304" pitchFamily="18" charset="0"/>
+                        </a:rPr>
+                        <a:t>Wheat</a:t>
+                      </a:r>
+                      <a:endParaRPr lang="en-US" sz="1700" b="1" i="0" u="none" strike="noStrike">
+                        <a:solidFill>
+                          <a:srgbClr val="000000"/>
+                        </a:solidFill>
+                        <a:effectLst/>
+                        <a:latin typeface="Palatino Linotype" panose="02040502050505030304" pitchFamily="18" charset="0"/>
+                      </a:endParaRPr>
+                    </a:p>
+                  </a:txBody>
+                  <a:tcPr marL="8753" marR="8753" marT="8753" marB="0" anchor="ctr"/>
+                </a:tc>
+                <a:tc rowSpan="6">
+                  <a:txBody>
+                    <a:bodyPr/>
+                    <a:lstStyle/>
+                    <a:p>
+                      <a:pPr algn="ctr" fontAlgn="ctr"/>
+                      <a:r>
+                        <a:rPr lang="en-US" sz="1700" u="none" strike="noStrike">
                           <a:effectLst/>
                           <a:latin typeface="Palatino Linotype" panose="02040502050505030304" pitchFamily="18" charset="0"/>
                         </a:rPr>
                         <a:t> </a:t>
                       </a:r>
-                      <a:endParaRPr lang="en-US" sz="2400" b="1" i="0" u="none" strike="noStrike">
-                        <a:solidFill>
-                          <a:srgbClr val="000000"/>
-                        </a:solidFill>
-                        <a:effectLst/>
-                        <a:latin typeface="Palatino Linotype" panose="02040502050505030304" pitchFamily="18" charset="0"/>
-                      </a:endParaRPr>
-                    </a:p>
-                  </a:txBody>
-                  <a:tcPr marL="9525" marR="9525" marT="9525" marB="0" anchor="b">
-                    <a:solidFill>
-                      <a:schemeClr val="accent1">
-                        <a:tint val="20000"/>
-                      </a:schemeClr>
-                    </a:solidFill>
-                  </a:tcPr>
-                </a:tc>
-                <a:tc>
-                  <a:txBody>
-                    <a:bodyPr/>
-                    <a:lstStyle/>
-                    <a:p>
-                      <a:pPr algn="ctr" fontAlgn="b"/>
-                      <a:r>
-                        <a:rPr lang="en-US" sz="2400" u="none" strike="noStrike" dirty="0">
-                          <a:effectLst/>
-                          <a:latin typeface="Palatino Linotype" panose="02040502050505030304" pitchFamily="18" charset="0"/>
-                        </a:rPr>
-                        <a:t>Apples</a:t>
-                      </a:r>
-                      <a:endParaRPr lang="en-US" sz="2400" b="1" i="0" u="none" strike="noStrike" dirty="0">
-                        <a:solidFill>
-                          <a:srgbClr val="000000"/>
-                        </a:solidFill>
-                        <a:effectLst/>
-                        <a:latin typeface="Palatino Linotype" panose="02040502050505030304" pitchFamily="18" charset="0"/>
-                      </a:endParaRPr>
-                    </a:p>
-                  </a:txBody>
-                  <a:tcPr marL="9525" marR="9525" marT="9525" marB="0" anchor="b">
-                    <a:solidFill>
-                      <a:schemeClr val="accent1">
-                        <a:tint val="20000"/>
-                      </a:schemeClr>
-                    </a:solidFill>
-                  </a:tcPr>
-                </a:tc>
-                <a:tc>
-                  <a:txBody>
-                    <a:bodyPr/>
-                    <a:lstStyle/>
-                    <a:p>
-                      <a:pPr algn="ctr" fontAlgn="b"/>
-                      <a:r>
-                        <a:rPr lang="en-US" sz="2400" u="none" strike="noStrike" dirty="0">
-                          <a:effectLst/>
-                          <a:latin typeface="Palatino Linotype" panose="02040502050505030304" pitchFamily="18" charset="0"/>
-                        </a:rPr>
-                        <a:t>Wheat</a:t>
-                      </a:r>
-                      <a:endParaRPr lang="en-US" sz="2400" b="1" i="0" u="none" strike="noStrike" dirty="0">
-                        <a:solidFill>
-                          <a:srgbClr val="000000"/>
-                        </a:solidFill>
-                        <a:effectLst/>
-                        <a:latin typeface="Palatino Linotype" panose="02040502050505030304" pitchFamily="18" charset="0"/>
-                      </a:endParaRPr>
-                    </a:p>
-                  </a:txBody>
-                  <a:tcPr marL="9525" marR="9525" marT="9525" marB="0" anchor="b">
-                    <a:solidFill>
-                      <a:schemeClr val="accent1">
-                        <a:tint val="20000"/>
-                      </a:schemeClr>
-                    </a:solidFill>
-                  </a:tcPr>
-                </a:tc>
-                <a:tc>
-                  <a:txBody>
-                    <a:bodyPr/>
-                    <a:lstStyle/>
-                    <a:p>
-                      <a:pPr algn="ctr" fontAlgn="b"/>
-                      <a:r>
-                        <a:rPr lang="en-US" sz="2400" u="none" strike="noStrike" dirty="0">
-                          <a:effectLst/>
-                          <a:latin typeface="Palatino Linotype" panose="02040502050505030304" pitchFamily="18" charset="0"/>
-                        </a:rPr>
-                        <a:t>Apples</a:t>
-                      </a:r>
-                      <a:endParaRPr lang="en-US" sz="2400" b="1" i="0" u="none" strike="noStrike" dirty="0">
-                        <a:solidFill>
-                          <a:srgbClr val="000000"/>
-                        </a:solidFill>
-                        <a:effectLst/>
-                        <a:latin typeface="Palatino Linotype" panose="02040502050505030304" pitchFamily="18" charset="0"/>
-                      </a:endParaRPr>
-                    </a:p>
-                  </a:txBody>
-                  <a:tcPr marL="9525" marR="9525" marT="9525" marB="0" anchor="b">
-                    <a:solidFill>
-                      <a:schemeClr val="accent1">
-                        <a:tint val="20000"/>
-                      </a:schemeClr>
-                    </a:solidFill>
-                  </a:tcPr>
-                </a:tc>
-                <a:tc>
-                  <a:txBody>
-                    <a:bodyPr/>
-                    <a:lstStyle/>
-                    <a:p>
-                      <a:pPr algn="ctr" fontAlgn="b"/>
-                      <a:r>
-                        <a:rPr lang="en-US" sz="2400" u="none" strike="noStrike" dirty="0">
-                          <a:effectLst/>
-                          <a:latin typeface="Palatino Linotype" panose="02040502050505030304" pitchFamily="18" charset="0"/>
-                        </a:rPr>
-                        <a:t>Wheat</a:t>
-                      </a:r>
-                      <a:endParaRPr lang="en-US" sz="2400" b="1" i="0" u="none" strike="noStrike" dirty="0">
-                        <a:solidFill>
-                          <a:srgbClr val="000000"/>
-                        </a:solidFill>
-                        <a:effectLst/>
-                        <a:latin typeface="Palatino Linotype" panose="02040502050505030304" pitchFamily="18" charset="0"/>
-                      </a:endParaRPr>
-                    </a:p>
-                  </a:txBody>
-                  <a:tcPr marL="9525" marR="9525" marT="9525" marB="0" anchor="b">
-                    <a:solidFill>
-                      <a:schemeClr val="accent1">
-                        <a:tint val="20000"/>
-                      </a:schemeClr>
-                    </a:solidFill>
-                  </a:tcPr>
+                      <a:endParaRPr lang="en-US" sz="1700" b="1" i="0" u="none" strike="noStrike">
+                        <a:solidFill>
+                          <a:srgbClr val="000000"/>
+                        </a:solidFill>
+                        <a:effectLst/>
+                        <a:latin typeface="Palatino Linotype" panose="02040502050505030304" pitchFamily="18" charset="0"/>
+                      </a:endParaRPr>
+                    </a:p>
+                  </a:txBody>
+                  <a:tcPr marL="8753" marR="8753" marT="8753" marB="0" anchor="ctr"/>
+                </a:tc>
+                <a:tc rowSpan="6">
+                  <a:txBody>
+                    <a:bodyPr/>
+                    <a:lstStyle/>
+                    <a:p>
+                      <a:pPr algn="ctr" fontAlgn="ctr"/>
+                      <a:r>
+                        <a:rPr lang="en-US" sz="1700" u="none" strike="noStrike">
+                          <a:effectLst/>
+                          <a:latin typeface="Palatino Linotype" panose="02040502050505030304" pitchFamily="18" charset="0"/>
+                        </a:rPr>
+                        <a:t> </a:t>
+                      </a:r>
+                      <a:endParaRPr lang="en-US" sz="1700" b="1" i="0" u="none" strike="noStrike">
+                        <a:solidFill>
+                          <a:srgbClr val="000000"/>
+                        </a:solidFill>
+                        <a:effectLst/>
+                        <a:latin typeface="Palatino Linotype" panose="02040502050505030304" pitchFamily="18" charset="0"/>
+                      </a:endParaRPr>
+                    </a:p>
+                  </a:txBody>
+                  <a:tcPr marL="8753" marR="8753" marT="8753" marB="0" anchor="ctr"/>
                 </a:tc>
                 <a:extLst>
                   <a:ext uri="{0D108BD9-81ED-4DB2-BD59-A6C34878D82A}">
-                    <a16:rowId xmlns:a16="http://schemas.microsoft.com/office/drawing/2014/main" val="4009298865"/>
+                    <a16:rowId xmlns:a16="http://schemas.microsoft.com/office/drawing/2014/main" val="3716340002"/>
                   </a:ext>
                 </a:extLst>
               </a:tr>
-              <a:tr h="495300">
+              <a:tr h="303447">
+                <a:tc vMerge="1">
+                  <a:txBody>
+                    <a:bodyPr/>
+                    <a:lstStyle/>
+                    <a:p>
+                      <a:endParaRPr lang="en-US"/>
+                    </a:p>
+                  </a:txBody>
+                  <a:tcPr/>
+                </a:tc>
                 <a:tc>
                   <a:txBody>
                     <a:bodyPr/>
                     <a:lstStyle/>
                     <a:p>
-                      <a:pPr algn="l" fontAlgn="b"/>
-                      <a:r>
-                        <a:rPr lang="en-US" sz="2400" u="none" strike="noStrike">
-                          <a:effectLst/>
-                          <a:latin typeface="Palatino Linotype" panose="02040502050505030304" pitchFamily="18" charset="0"/>
-                        </a:rPr>
-                        <a:t>Greta</a:t>
-                      </a:r>
-                      <a:endParaRPr lang="en-US" sz="2400" b="1" i="0" u="none" strike="noStrike">
-                        <a:solidFill>
-                          <a:srgbClr val="000000"/>
-                        </a:solidFill>
-                        <a:effectLst/>
-                        <a:latin typeface="Palatino Linotype" panose="02040502050505030304" pitchFamily="18" charset="0"/>
-                      </a:endParaRPr>
-                    </a:p>
-                  </a:txBody>
-                  <a:tcPr marL="9525" marR="9525" marT="9525" marB="0" anchor="b">
-                    <a:solidFill>
-                      <a:schemeClr val="accent1">
-                        <a:tint val="20000"/>
-                      </a:schemeClr>
-                    </a:solidFill>
-                  </a:tcPr>
+                      <a:pPr algn="ctr" fontAlgn="ctr"/>
+                      <a:r>
+                        <a:rPr lang="en-US" sz="1700" u="none" strike="noStrike">
+                          <a:effectLst/>
+                          <a:latin typeface="Palatino Linotype" panose="02040502050505030304" pitchFamily="18" charset="0"/>
+                        </a:rPr>
+                        <a:t>Share</a:t>
+                      </a:r>
+                      <a:endParaRPr lang="en-US" sz="1700" b="1" i="0" u="none" strike="noStrike">
+                        <a:solidFill>
+                          <a:srgbClr val="000000"/>
+                        </a:solidFill>
+                        <a:effectLst/>
+                        <a:latin typeface="Palatino Linotype" panose="02040502050505030304" pitchFamily="18" charset="0"/>
+                      </a:endParaRPr>
+                    </a:p>
+                  </a:txBody>
+                  <a:tcPr marL="8753" marR="8753" marT="8753" marB="0" anchor="ctr"/>
                 </a:tc>
                 <a:tc>
                   <a:txBody>
                     <a:bodyPr/>
                     <a:lstStyle/>
                     <a:p>
-                      <a:pPr algn="ctr" fontAlgn="b"/>
-                      <a:r>
-                        <a:rPr lang="en-US" sz="2400" u="none" strike="noStrike" dirty="0">
-                          <a:effectLst/>
-                          <a:latin typeface="Palatino Linotype" panose="02040502050505030304" pitchFamily="18" charset="0"/>
-                        </a:rPr>
-                        <a:t>500</a:t>
-                      </a:r>
-                      <a:endParaRPr lang="en-US" sz="2400" b="0" i="0" u="none" strike="noStrike" dirty="0">
-                        <a:solidFill>
-                          <a:srgbClr val="000000"/>
-                        </a:solidFill>
-                        <a:effectLst/>
-                        <a:latin typeface="Palatino Linotype" panose="02040502050505030304" pitchFamily="18" charset="0"/>
-                      </a:endParaRPr>
-                    </a:p>
-                  </a:txBody>
-                  <a:tcPr marL="9525" marR="9525" marT="9525" marB="0" anchor="b">
-                    <a:solidFill>
-                      <a:schemeClr val="accent1">
-                        <a:tint val="20000"/>
-                      </a:schemeClr>
-                    </a:solidFill>
-                  </a:tcPr>
+                      <a:pPr algn="ctr" fontAlgn="ctr"/>
+                      <a:r>
+                        <a:rPr lang="en-US" sz="1700" u="none" strike="noStrike">
+                          <a:effectLst/>
+                          <a:latin typeface="Palatino Linotype" panose="02040502050505030304" pitchFamily="18" charset="0"/>
+                        </a:rPr>
+                        <a:t>Output</a:t>
+                      </a:r>
+                      <a:endParaRPr lang="en-US" sz="1700" b="1" i="0" u="none" strike="noStrike">
+                        <a:solidFill>
+                          <a:srgbClr val="000000"/>
+                        </a:solidFill>
+                        <a:effectLst/>
+                        <a:latin typeface="Palatino Linotype" panose="02040502050505030304" pitchFamily="18" charset="0"/>
+                      </a:endParaRPr>
+                    </a:p>
+                  </a:txBody>
+                  <a:tcPr marL="8753" marR="8753" marT="8753" marB="0" anchor="ctr"/>
                 </a:tc>
                 <a:tc>
                   <a:txBody>
                     <a:bodyPr/>
                     <a:lstStyle/>
                     <a:p>
-                      <a:pPr algn="ctr" fontAlgn="b"/>
-                      <a:r>
-                        <a:rPr lang="en-US" sz="2400" u="none" strike="noStrike" dirty="0">
-                          <a:effectLst/>
-                          <a:latin typeface="Palatino Linotype" panose="02040502050505030304" pitchFamily="18" charset="0"/>
-                        </a:rPr>
-                        <a:t>30</a:t>
-                      </a:r>
-                      <a:endParaRPr lang="en-US" sz="2400" b="0" i="0" u="none" strike="noStrike" dirty="0">
-                        <a:solidFill>
-                          <a:srgbClr val="000000"/>
-                        </a:solidFill>
-                        <a:effectLst/>
-                        <a:latin typeface="Palatino Linotype" panose="02040502050505030304" pitchFamily="18" charset="0"/>
-                      </a:endParaRPr>
-                    </a:p>
-                  </a:txBody>
-                  <a:tcPr marL="9525" marR="9525" marT="9525" marB="0" anchor="b">
-                    <a:solidFill>
-                      <a:schemeClr val="accent1">
-                        <a:tint val="20000"/>
-                      </a:schemeClr>
-                    </a:solidFill>
-                  </a:tcPr>
+                      <a:pPr algn="ctr" fontAlgn="ctr"/>
+                      <a:r>
+                        <a:rPr lang="en-US" sz="1700" u="none" strike="noStrike">
+                          <a:effectLst/>
+                          <a:latin typeface="Palatino Linotype" panose="02040502050505030304" pitchFamily="18" charset="0"/>
+                        </a:rPr>
+                        <a:t>Share</a:t>
+                      </a:r>
+                      <a:endParaRPr lang="en-US" sz="1700" b="1" i="0" u="none" strike="noStrike">
+                        <a:solidFill>
+                          <a:srgbClr val="000000"/>
+                        </a:solidFill>
+                        <a:effectLst/>
+                        <a:latin typeface="Palatino Linotype" panose="02040502050505030304" pitchFamily="18" charset="0"/>
+                      </a:endParaRPr>
+                    </a:p>
+                  </a:txBody>
+                  <a:tcPr marL="8753" marR="8753" marT="8753" marB="0" anchor="ctr"/>
                 </a:tc>
                 <a:tc>
                   <a:txBody>
                     <a:bodyPr/>
                     <a:lstStyle/>
                     <a:p>
-                      <a:pPr algn="ctr" fontAlgn="b"/>
-                      <a:r>
-                        <a:rPr lang="en-US" sz="2400" u="none" strike="noStrike">
-                          <a:effectLst/>
-                          <a:latin typeface="Palatino Linotype" panose="02040502050505030304" pitchFamily="18" charset="0"/>
-                        </a:rPr>
-                        <a:t>0</a:t>
-                      </a:r>
-                      <a:endParaRPr lang="en-US" sz="2400" b="0" i="0" u="none" strike="noStrike">
-                        <a:solidFill>
-                          <a:srgbClr val="000000"/>
-                        </a:solidFill>
-                        <a:effectLst/>
-                        <a:latin typeface="Palatino Linotype" panose="02040502050505030304" pitchFamily="18" charset="0"/>
-                      </a:endParaRPr>
-                    </a:p>
-                  </a:txBody>
-                  <a:tcPr marL="9525" marR="9525" marT="9525" marB="0" anchor="b">
-                    <a:solidFill>
-                      <a:schemeClr val="accent1">
-                        <a:tint val="20000"/>
-                      </a:schemeClr>
-                    </a:solidFill>
-                  </a:tcPr>
+                      <a:pPr algn="ctr" fontAlgn="ctr"/>
+                      <a:r>
+                        <a:rPr lang="en-US" sz="1700" u="none" strike="noStrike">
+                          <a:effectLst/>
+                          <a:latin typeface="Palatino Linotype" panose="02040502050505030304" pitchFamily="18" charset="0"/>
+                        </a:rPr>
+                        <a:t>Output</a:t>
+                      </a:r>
+                      <a:endParaRPr lang="en-US" sz="1700" b="1" i="0" u="none" strike="noStrike">
+                        <a:solidFill>
+                          <a:srgbClr val="000000"/>
+                        </a:solidFill>
+                        <a:effectLst/>
+                        <a:latin typeface="Palatino Linotype" panose="02040502050505030304" pitchFamily="18" charset="0"/>
+                      </a:endParaRPr>
+                    </a:p>
+                  </a:txBody>
+                  <a:tcPr marL="8753" marR="8753" marT="8753" marB="0" anchor="ctr"/>
                 </a:tc>
                 <a:tc>
                   <a:txBody>
                     <a:bodyPr/>
                     <a:lstStyle/>
                     <a:p>
-                      <a:pPr algn="ctr" fontAlgn="b"/>
-                      <a:r>
-                        <a:rPr lang="en-US" sz="2400" u="none" strike="noStrike">
-                          <a:effectLst/>
-                          <a:latin typeface="Palatino Linotype" panose="02040502050505030304" pitchFamily="18" charset="0"/>
-                        </a:rPr>
-                        <a:t>50</a:t>
-                      </a:r>
-                      <a:endParaRPr lang="en-US" sz="2400" b="0" i="0" u="none" strike="noStrike">
-                        <a:solidFill>
-                          <a:srgbClr val="000000"/>
-                        </a:solidFill>
-                        <a:effectLst/>
-                        <a:latin typeface="Palatino Linotype" panose="02040502050505030304" pitchFamily="18" charset="0"/>
-                      </a:endParaRPr>
-                    </a:p>
-                  </a:txBody>
-                  <a:tcPr marL="9525" marR="9525" marT="9525" marB="0" anchor="b">
-                    <a:solidFill>
-                      <a:schemeClr val="accent1">
-                        <a:tint val="20000"/>
-                      </a:schemeClr>
-                    </a:solidFill>
-                  </a:tcPr>
+                      <a:pPr algn="ctr" fontAlgn="ctr"/>
+                      <a:r>
+                        <a:rPr lang="en-US" sz="1700" u="none" strike="noStrike">
+                          <a:effectLst/>
+                          <a:latin typeface="Palatino Linotype" panose="02040502050505030304" pitchFamily="18" charset="0"/>
+                        </a:rPr>
+                        <a:t>Share</a:t>
+                      </a:r>
+                      <a:endParaRPr lang="en-US" sz="1700" b="1" i="0" u="none" strike="noStrike">
+                        <a:solidFill>
+                          <a:srgbClr val="000000"/>
+                        </a:solidFill>
+                        <a:effectLst/>
+                        <a:latin typeface="Palatino Linotype" panose="02040502050505030304" pitchFamily="18" charset="0"/>
+                      </a:endParaRPr>
+                    </a:p>
+                  </a:txBody>
+                  <a:tcPr marL="8753" marR="8753" marT="8753" marB="0" anchor="ctr"/>
+                </a:tc>
+                <a:tc>
+                  <a:txBody>
+                    <a:bodyPr/>
+                    <a:lstStyle/>
+                    <a:p>
+                      <a:pPr algn="ctr" fontAlgn="ctr"/>
+                      <a:r>
+                        <a:rPr lang="en-US" sz="1700" u="none" strike="noStrike">
+                          <a:effectLst/>
+                          <a:latin typeface="Palatino Linotype" panose="02040502050505030304" pitchFamily="18" charset="0"/>
+                        </a:rPr>
+                        <a:t>Output</a:t>
+                      </a:r>
+                      <a:endParaRPr lang="en-US" sz="1700" b="1" i="0" u="none" strike="noStrike">
+                        <a:solidFill>
+                          <a:srgbClr val="000000"/>
+                        </a:solidFill>
+                        <a:effectLst/>
+                        <a:latin typeface="Palatino Linotype" panose="02040502050505030304" pitchFamily="18" charset="0"/>
+                      </a:endParaRPr>
+                    </a:p>
+                  </a:txBody>
+                  <a:tcPr marL="8753" marR="8753" marT="8753" marB="0" anchor="ctr"/>
+                </a:tc>
+                <a:tc>
+                  <a:txBody>
+                    <a:bodyPr/>
+                    <a:lstStyle/>
+                    <a:p>
+                      <a:pPr algn="ctr" fontAlgn="ctr"/>
+                      <a:r>
+                        <a:rPr lang="en-US" sz="1700" u="none" strike="noStrike">
+                          <a:effectLst/>
+                          <a:latin typeface="Palatino Linotype" panose="02040502050505030304" pitchFamily="18" charset="0"/>
+                        </a:rPr>
+                        <a:t>Share</a:t>
+                      </a:r>
+                      <a:endParaRPr lang="en-US" sz="1700" b="1" i="0" u="none" strike="noStrike">
+                        <a:solidFill>
+                          <a:srgbClr val="000000"/>
+                        </a:solidFill>
+                        <a:effectLst/>
+                        <a:latin typeface="Palatino Linotype" panose="02040502050505030304" pitchFamily="18" charset="0"/>
+                      </a:endParaRPr>
+                    </a:p>
+                  </a:txBody>
+                  <a:tcPr marL="8753" marR="8753" marT="8753" marB="0" anchor="ctr"/>
+                </a:tc>
+                <a:tc>
+                  <a:txBody>
+                    <a:bodyPr/>
+                    <a:lstStyle/>
+                    <a:p>
+                      <a:pPr algn="ctr" fontAlgn="ctr"/>
+                      <a:r>
+                        <a:rPr lang="en-US" sz="1700" u="none" strike="noStrike">
+                          <a:effectLst/>
+                          <a:latin typeface="Palatino Linotype" panose="02040502050505030304" pitchFamily="18" charset="0"/>
+                        </a:rPr>
+                        <a:t>Output</a:t>
+                      </a:r>
+                      <a:endParaRPr lang="en-US" sz="1700" b="1" i="0" u="none" strike="noStrike">
+                        <a:solidFill>
+                          <a:srgbClr val="000000"/>
+                        </a:solidFill>
+                        <a:effectLst/>
+                        <a:latin typeface="Palatino Linotype" panose="02040502050505030304" pitchFamily="18" charset="0"/>
+                      </a:endParaRPr>
+                    </a:p>
+                  </a:txBody>
+                  <a:tcPr marL="8753" marR="8753" marT="8753" marB="0" anchor="ctr"/>
+                </a:tc>
+                <a:tc>
+                  <a:txBody>
+                    <a:bodyPr/>
+                    <a:lstStyle/>
+                    <a:p>
+                      <a:pPr algn="ctr" fontAlgn="ctr"/>
+                      <a:r>
+                        <a:rPr lang="en-US" sz="1700" u="none" strike="noStrike">
+                          <a:effectLst/>
+                          <a:latin typeface="Palatino Linotype" panose="02040502050505030304" pitchFamily="18" charset="0"/>
+                        </a:rPr>
+                        <a:t>Output</a:t>
+                      </a:r>
+                      <a:endParaRPr lang="en-US" sz="1700" b="1" i="0" u="none" strike="noStrike">
+                        <a:solidFill>
+                          <a:srgbClr val="000000"/>
+                        </a:solidFill>
+                        <a:effectLst/>
+                        <a:latin typeface="Palatino Linotype" panose="02040502050505030304" pitchFamily="18" charset="0"/>
+                      </a:endParaRPr>
+                    </a:p>
+                  </a:txBody>
+                  <a:tcPr marL="8753" marR="8753" marT="8753" marB="0" anchor="ctr"/>
+                </a:tc>
+                <a:tc>
+                  <a:txBody>
+                    <a:bodyPr/>
+                    <a:lstStyle/>
+                    <a:p>
+                      <a:pPr algn="ctr" fontAlgn="ctr"/>
+                      <a:r>
+                        <a:rPr lang="en-US" sz="1700" u="none" strike="noStrike">
+                          <a:effectLst/>
+                          <a:latin typeface="Palatino Linotype" panose="02040502050505030304" pitchFamily="18" charset="0"/>
+                        </a:rPr>
+                        <a:t>Output</a:t>
+                      </a:r>
+                      <a:endParaRPr lang="en-US" sz="1700" b="1" i="0" u="none" strike="noStrike">
+                        <a:solidFill>
+                          <a:srgbClr val="000000"/>
+                        </a:solidFill>
+                        <a:effectLst/>
+                        <a:latin typeface="Palatino Linotype" panose="02040502050505030304" pitchFamily="18" charset="0"/>
+                      </a:endParaRPr>
+                    </a:p>
+                  </a:txBody>
+                  <a:tcPr marL="8753" marR="8753" marT="8753" marB="0" anchor="ctr"/>
+                </a:tc>
+                <a:tc vMerge="1">
+                  <a:txBody>
+                    <a:bodyPr/>
+                    <a:lstStyle/>
+                    <a:p>
+                      <a:endParaRPr lang="en-US"/>
+                    </a:p>
+                  </a:txBody>
+                  <a:tcPr/>
+                </a:tc>
+                <a:tc vMerge="1">
+                  <a:txBody>
+                    <a:bodyPr/>
+                    <a:lstStyle/>
+                    <a:p>
+                      <a:endParaRPr lang="en-US"/>
+                    </a:p>
+                  </a:txBody>
+                  <a:tcPr/>
                 </a:tc>
                 <a:extLst>
                   <a:ext uri="{0D108BD9-81ED-4DB2-BD59-A6C34878D82A}">
-                    <a16:rowId xmlns:a16="http://schemas.microsoft.com/office/drawing/2014/main" val="4136579893"/>
+                    <a16:rowId xmlns:a16="http://schemas.microsoft.com/office/drawing/2014/main" val="3181549818"/>
                   </a:ext>
                 </a:extLst>
               </a:tr>
-              <a:tr h="495300">
+              <a:tr h="303447">
                 <a:tc>
                   <a:txBody>
                     <a:bodyPr/>
@@ -6087,156 +8405,290 @@
                     <a:p>
                       <a:pPr algn="l" fontAlgn="b"/>
                       <a:r>
-                        <a:rPr lang="en-US" sz="2400" u="none" strike="noStrike">
-                          <a:effectLst/>
-                          <a:latin typeface="Palatino Linotype" panose="02040502050505030304" pitchFamily="18" charset="0"/>
-                        </a:rPr>
-                        <a:t>Carlos</a:t>
-                      </a:r>
-                      <a:endParaRPr lang="en-US" sz="2400" b="1" i="0" u="none" strike="noStrike">
-                        <a:solidFill>
-                          <a:srgbClr val="000000"/>
-                        </a:solidFill>
-                        <a:effectLst/>
-                        <a:latin typeface="Palatino Linotype" panose="02040502050505030304" pitchFamily="18" charset="0"/>
-                      </a:endParaRPr>
-                    </a:p>
-                  </a:txBody>
-                  <a:tcPr marL="9525" marR="9525" marT="9525" marB="0" anchor="b">
-                    <a:solidFill>
-                      <a:schemeClr val="accent1">
-                        <a:tint val="20000"/>
-                      </a:schemeClr>
-                    </a:solidFill>
-                  </a:tcPr>
+                        <a:rPr lang="en-US" sz="1700" u="none" strike="noStrike">
+                          <a:effectLst/>
+                          <a:latin typeface="Palatino Linotype" panose="02040502050505030304" pitchFamily="18" charset="0"/>
+                        </a:rPr>
+                        <a:t>Only Apples</a:t>
+                      </a:r>
+                      <a:endParaRPr lang="en-US" sz="1700" b="0" i="0" u="none" strike="noStrike">
+                        <a:solidFill>
+                          <a:srgbClr val="000000"/>
+                        </a:solidFill>
+                        <a:effectLst/>
+                        <a:latin typeface="Palatino Linotype" panose="02040502050505030304" pitchFamily="18" charset="0"/>
+                      </a:endParaRPr>
+                    </a:p>
+                  </a:txBody>
+                  <a:tcPr marL="8753" marR="8753" marT="8753" marB="0" anchor="b"/>
                 </a:tc>
                 <a:tc>
                   <a:txBody>
                     <a:bodyPr/>
                     <a:lstStyle/>
                     <a:p>
+                      <a:pPr algn="ctr" fontAlgn="ctr"/>
+                      <a:r>
+                        <a:rPr lang="en-US" sz="1700" u="none" strike="noStrike">
+                          <a:effectLst/>
+                          <a:latin typeface="Palatino Linotype" panose="02040502050505030304" pitchFamily="18" charset="0"/>
+                        </a:rPr>
+                        <a:t>100%</a:t>
+                      </a:r>
+                      <a:endParaRPr lang="en-US" sz="1700" b="0" i="0" u="none" strike="noStrike">
+                        <a:solidFill>
+                          <a:srgbClr val="000000"/>
+                        </a:solidFill>
+                        <a:effectLst/>
+                        <a:latin typeface="Palatino Linotype" panose="02040502050505030304" pitchFamily="18" charset="0"/>
+                      </a:endParaRPr>
+                    </a:p>
+                  </a:txBody>
+                  <a:tcPr marL="8753" marR="8753" marT="8753" marB="0" anchor="ctr"/>
+                </a:tc>
+                <a:tc>
+                  <a:txBody>
+                    <a:bodyPr/>
+                    <a:lstStyle/>
+                    <a:p>
+                      <a:pPr algn="ctr" fontAlgn="ctr"/>
+                      <a:r>
+                        <a:rPr lang="en-US" sz="1700" u="none" strike="noStrike">
+                          <a:effectLst/>
+                          <a:latin typeface="Palatino Linotype" panose="02040502050505030304" pitchFamily="18" charset="0"/>
+                        </a:rPr>
+                        <a:t>1,250</a:t>
+                      </a:r>
+                      <a:endParaRPr lang="en-US" sz="1700" b="0" i="0" u="none" strike="noStrike">
+                        <a:solidFill>
+                          <a:srgbClr val="000000"/>
+                        </a:solidFill>
+                        <a:effectLst/>
+                        <a:latin typeface="Palatino Linotype" panose="02040502050505030304" pitchFamily="18" charset="0"/>
+                      </a:endParaRPr>
+                    </a:p>
+                  </a:txBody>
+                  <a:tcPr marL="8753" marR="8753" marT="8753" marB="0" anchor="ctr"/>
+                </a:tc>
+                <a:tc>
+                  <a:txBody>
+                    <a:bodyPr/>
+                    <a:lstStyle/>
+                    <a:p>
+                      <a:pPr algn="ctr" fontAlgn="ctr"/>
+                      <a:r>
+                        <a:rPr lang="en-US" sz="1700" u="none" strike="noStrike">
+                          <a:effectLst/>
+                          <a:latin typeface="Palatino Linotype" panose="02040502050505030304" pitchFamily="18" charset="0"/>
+                        </a:rPr>
+                        <a:t>0%</a:t>
+                      </a:r>
+                      <a:endParaRPr lang="en-US" sz="1700" b="0" i="0" u="none" strike="noStrike">
+                        <a:solidFill>
+                          <a:srgbClr val="000000"/>
+                        </a:solidFill>
+                        <a:effectLst/>
+                        <a:latin typeface="Palatino Linotype" panose="02040502050505030304" pitchFamily="18" charset="0"/>
+                      </a:endParaRPr>
+                    </a:p>
+                  </a:txBody>
+                  <a:tcPr marL="8753" marR="8753" marT="8753" marB="0" anchor="ctr"/>
+                </a:tc>
+                <a:tc>
+                  <a:txBody>
+                    <a:bodyPr/>
+                    <a:lstStyle/>
+                    <a:p>
                       <a:pPr algn="ctr" fontAlgn="b"/>
                       <a:r>
-                        <a:rPr lang="en-US" sz="2400" u="none" strike="noStrike">
-                          <a:effectLst/>
-                          <a:latin typeface="Palatino Linotype" panose="02040502050505030304" pitchFamily="18" charset="0"/>
-                        </a:rPr>
-                        <a:t>250</a:t>
-                      </a:r>
-                      <a:endParaRPr lang="en-US" sz="2400" b="0" i="0" u="none" strike="noStrike">
-                        <a:solidFill>
-                          <a:srgbClr val="000000"/>
-                        </a:solidFill>
-                        <a:effectLst/>
-                        <a:latin typeface="Palatino Linotype" panose="02040502050505030304" pitchFamily="18" charset="0"/>
-                      </a:endParaRPr>
-                    </a:p>
-                  </a:txBody>
-                  <a:tcPr marL="9525" marR="9525" marT="9525" marB="0" anchor="b">
-                    <a:solidFill>
-                      <a:schemeClr val="accent1">
-                        <a:tint val="20000"/>
-                      </a:schemeClr>
-                    </a:solidFill>
-                  </a:tcPr>
+                        <a:rPr lang="en-US" sz="1700" u="none" strike="noStrike">
+                          <a:effectLst/>
+                          <a:latin typeface="Palatino Linotype" panose="02040502050505030304" pitchFamily="18" charset="0"/>
+                        </a:rPr>
+                        <a:t>0</a:t>
+                      </a:r>
+                      <a:endParaRPr lang="en-US" sz="1700" b="0" i="0" u="none" strike="noStrike">
+                        <a:solidFill>
+                          <a:srgbClr val="000000"/>
+                        </a:solidFill>
+                        <a:effectLst/>
+                        <a:latin typeface="Palatino Linotype" panose="02040502050505030304" pitchFamily="18" charset="0"/>
+                      </a:endParaRPr>
+                    </a:p>
+                  </a:txBody>
+                  <a:tcPr marL="8753" marR="8753" marT="8753" marB="0" anchor="b"/>
                 </a:tc>
                 <a:tc>
                   <a:txBody>
                     <a:bodyPr/>
                     <a:lstStyle/>
                     <a:p>
+                      <a:pPr algn="ctr" fontAlgn="ctr"/>
+                      <a:r>
+                        <a:rPr lang="en-US" sz="1700" u="none" strike="noStrike">
+                          <a:effectLst/>
+                          <a:latin typeface="Palatino Linotype" panose="02040502050505030304" pitchFamily="18" charset="0"/>
+                        </a:rPr>
+                        <a:t>100%</a:t>
+                      </a:r>
+                      <a:endParaRPr lang="en-US" sz="1700" b="0" i="0" u="none" strike="noStrike">
+                        <a:solidFill>
+                          <a:srgbClr val="000000"/>
+                        </a:solidFill>
+                        <a:effectLst/>
+                        <a:latin typeface="Palatino Linotype" panose="02040502050505030304" pitchFamily="18" charset="0"/>
+                      </a:endParaRPr>
+                    </a:p>
+                  </a:txBody>
+                  <a:tcPr marL="8753" marR="8753" marT="8753" marB="0" anchor="ctr"/>
+                </a:tc>
+                <a:tc>
+                  <a:txBody>
+                    <a:bodyPr/>
+                    <a:lstStyle/>
+                    <a:p>
+                      <a:pPr algn="ctr" fontAlgn="ctr"/>
+                      <a:r>
+                        <a:rPr lang="en-US" sz="1700" u="none" strike="noStrike">
+                          <a:effectLst/>
+                          <a:latin typeface="Palatino Linotype" panose="02040502050505030304" pitchFamily="18" charset="0"/>
+                        </a:rPr>
+                        <a:t>1,000</a:t>
+                      </a:r>
+                      <a:endParaRPr lang="en-US" sz="1700" b="0" i="0" u="none" strike="noStrike">
+                        <a:solidFill>
+                          <a:srgbClr val="000000"/>
+                        </a:solidFill>
+                        <a:effectLst/>
+                        <a:latin typeface="Palatino Linotype" panose="02040502050505030304" pitchFamily="18" charset="0"/>
+                      </a:endParaRPr>
+                    </a:p>
+                  </a:txBody>
+                  <a:tcPr marL="8753" marR="8753" marT="8753" marB="0" anchor="ctr"/>
+                </a:tc>
+                <a:tc>
+                  <a:txBody>
+                    <a:bodyPr/>
+                    <a:lstStyle/>
+                    <a:p>
+                      <a:pPr algn="ctr" fontAlgn="ctr"/>
+                      <a:r>
+                        <a:rPr lang="en-US" sz="1700" u="none" strike="noStrike">
+                          <a:effectLst/>
+                          <a:latin typeface="Palatino Linotype" panose="02040502050505030304" pitchFamily="18" charset="0"/>
+                        </a:rPr>
+                        <a:t>0%</a:t>
+                      </a:r>
+                      <a:endParaRPr lang="en-US" sz="1700" b="0" i="0" u="none" strike="noStrike">
+                        <a:solidFill>
+                          <a:srgbClr val="000000"/>
+                        </a:solidFill>
+                        <a:effectLst/>
+                        <a:latin typeface="Palatino Linotype" panose="02040502050505030304" pitchFamily="18" charset="0"/>
+                      </a:endParaRPr>
+                    </a:p>
+                  </a:txBody>
+                  <a:tcPr marL="8753" marR="8753" marT="8753" marB="0" anchor="ctr"/>
+                </a:tc>
+                <a:tc>
+                  <a:txBody>
+                    <a:bodyPr/>
+                    <a:lstStyle/>
+                    <a:p>
                       <a:pPr algn="ctr" fontAlgn="b"/>
                       <a:r>
-                        <a:rPr lang="en-US" sz="2400" u="none" strike="noStrike" dirty="0">
-                          <a:effectLst/>
-                          <a:latin typeface="Palatino Linotype" panose="02040502050505030304" pitchFamily="18" charset="0"/>
-                        </a:rPr>
-                        <a:t>15</a:t>
-                      </a:r>
-                      <a:endParaRPr lang="en-US" sz="2400" b="0" i="0" u="none" strike="noStrike" dirty="0">
-                        <a:solidFill>
-                          <a:srgbClr val="000000"/>
-                        </a:solidFill>
-                        <a:effectLst/>
-                        <a:latin typeface="Palatino Linotype" panose="02040502050505030304" pitchFamily="18" charset="0"/>
-                      </a:endParaRPr>
-                    </a:p>
-                  </a:txBody>
-                  <a:tcPr marL="9525" marR="9525" marT="9525" marB="0" anchor="b">
-                    <a:solidFill>
-                      <a:schemeClr val="accent1">
-                        <a:tint val="20000"/>
-                      </a:schemeClr>
-                    </a:solidFill>
-                  </a:tcPr>
+                        <a:rPr lang="en-US" sz="1700" u="none" strike="noStrike">
+                          <a:effectLst/>
+                          <a:latin typeface="Palatino Linotype" panose="02040502050505030304" pitchFamily="18" charset="0"/>
+                        </a:rPr>
+                        <a:t>0</a:t>
+                      </a:r>
+                      <a:endParaRPr lang="en-US" sz="1700" b="0" i="0" u="none" strike="noStrike">
+                        <a:solidFill>
+                          <a:srgbClr val="000000"/>
+                        </a:solidFill>
+                        <a:effectLst/>
+                        <a:latin typeface="Palatino Linotype" panose="02040502050505030304" pitchFamily="18" charset="0"/>
+                      </a:endParaRPr>
+                    </a:p>
+                  </a:txBody>
+                  <a:tcPr marL="8753" marR="8753" marT="8753" marB="0" anchor="b"/>
                 </a:tc>
                 <a:tc>
                   <a:txBody>
                     <a:bodyPr/>
                     <a:lstStyle/>
                     <a:p>
+                      <a:pPr algn="ctr" fontAlgn="ctr"/>
+                      <a:r>
+                        <a:rPr lang="en-US" sz="1700" u="none" strike="noStrike">
+                          <a:effectLst/>
+                          <a:latin typeface="Palatino Linotype" panose="02040502050505030304" pitchFamily="18" charset="0"/>
+                        </a:rPr>
+                        <a:t>2,250</a:t>
+                      </a:r>
+                      <a:endParaRPr lang="en-US" sz="1700" b="0" i="0" u="none" strike="noStrike">
+                        <a:solidFill>
+                          <a:srgbClr val="000000"/>
+                        </a:solidFill>
+                        <a:effectLst/>
+                        <a:latin typeface="Palatino Linotype" panose="02040502050505030304" pitchFamily="18" charset="0"/>
+                      </a:endParaRPr>
+                    </a:p>
+                  </a:txBody>
+                  <a:tcPr marL="8753" marR="8753" marT="8753" marB="0" anchor="ctr"/>
+                </a:tc>
+                <a:tc>
+                  <a:txBody>
+                    <a:bodyPr/>
+                    <a:lstStyle/>
+                    <a:p>
                       <a:pPr algn="ctr" fontAlgn="b"/>
                       <a:r>
-                        <a:rPr lang="en-US" sz="2400" u="none" strike="noStrike" dirty="0">
-                          <a:effectLst/>
-                          <a:latin typeface="Palatino Linotype" panose="02040502050505030304" pitchFamily="18" charset="0"/>
-                        </a:rPr>
-                        <a:t>1,000</a:t>
-                      </a:r>
-                      <a:endParaRPr lang="en-US" sz="2400" b="0" i="0" u="none" strike="noStrike" dirty="0">
-                        <a:solidFill>
-                          <a:srgbClr val="000000"/>
-                        </a:solidFill>
-                        <a:effectLst/>
-                        <a:latin typeface="Palatino Linotype" panose="02040502050505030304" pitchFamily="18" charset="0"/>
-                      </a:endParaRPr>
-                    </a:p>
-                  </a:txBody>
-                  <a:tcPr marL="9525" marR="9525" marT="9525" marB="0" anchor="b">
-                    <a:solidFill>
-                      <a:schemeClr val="accent1">
-                        <a:tint val="20000"/>
-                      </a:schemeClr>
-                    </a:solidFill>
-                  </a:tcPr>
-                </a:tc>
-                <a:tc>
-                  <a:txBody>
-                    <a:bodyPr/>
-                    <a:lstStyle/>
-                    <a:p>
-                      <a:pPr algn="ctr" fontAlgn="b"/>
-                      <a:r>
-                        <a:rPr lang="en-US" sz="2400" u="none" strike="noStrike" dirty="0">
+                        <a:rPr lang="en-US" sz="1700" u="none" strike="noStrike">
                           <a:effectLst/>
                           <a:latin typeface="Palatino Linotype" panose="02040502050505030304" pitchFamily="18" charset="0"/>
                         </a:rPr>
                         <a:t>0</a:t>
                       </a:r>
-                      <a:endParaRPr lang="en-US" sz="2400" b="0" i="0" u="none" strike="noStrike" dirty="0">
-                        <a:solidFill>
-                          <a:srgbClr val="000000"/>
-                        </a:solidFill>
-                        <a:effectLst/>
-                        <a:latin typeface="Palatino Linotype" panose="02040502050505030304" pitchFamily="18" charset="0"/>
-                      </a:endParaRPr>
-                    </a:p>
-                  </a:txBody>
-                  <a:tcPr marL="9525" marR="9525" marT="9525" marB="0" anchor="b">
-                    <a:solidFill>
-                      <a:schemeClr val="accent1">
-                        <a:tint val="20000"/>
-                      </a:schemeClr>
-                    </a:solidFill>
-                  </a:tcPr>
+                      <a:endParaRPr lang="en-US" sz="1700" b="0" i="0" u="none" strike="noStrike">
+                        <a:solidFill>
+                          <a:srgbClr val="000000"/>
+                        </a:solidFill>
+                        <a:effectLst/>
+                        <a:latin typeface="Palatino Linotype" panose="02040502050505030304" pitchFamily="18" charset="0"/>
+                      </a:endParaRPr>
+                    </a:p>
+                  </a:txBody>
+                  <a:tcPr marL="8753" marR="8753" marT="8753" marB="0" anchor="b"/>
+                </a:tc>
+                <a:tc vMerge="1">
+                  <a:txBody>
+                    <a:bodyPr/>
+                    <a:lstStyle/>
+                    <a:p>
+                      <a:endParaRPr lang="en-US"/>
+                    </a:p>
+                  </a:txBody>
+                  <a:tcPr/>
+                </a:tc>
+                <a:tc vMerge="1">
+                  <a:txBody>
+                    <a:bodyPr/>
+                    <a:lstStyle/>
+                    <a:p>
+                      <a:endParaRPr lang="en-US"/>
+                    </a:p>
+                  </a:txBody>
+                  <a:tcPr/>
                 </a:tc>
                 <a:extLst>
                   <a:ext uri="{0D108BD9-81ED-4DB2-BD59-A6C34878D82A}">
-                    <a16:rowId xmlns:a16="http://schemas.microsoft.com/office/drawing/2014/main" val="3121874592"/>
+                    <a16:rowId xmlns:a16="http://schemas.microsoft.com/office/drawing/2014/main" val="1205783168"/>
                   </a:ext>
                 </a:extLst>
               </a:tr>
-              <a:tr h="495300">
+              <a:tr h="303447">
                 <a:tc>
                   <a:txBody>
                     <a:bodyPr/>
@@ -6244,94 +8696,190 @@
                     <a:p>
                       <a:pPr algn="l" fontAlgn="b"/>
                       <a:r>
-                        <a:rPr lang="en-US" sz="2400" u="none" strike="noStrike">
-                          <a:effectLst/>
-                          <a:latin typeface="Palatino Linotype" panose="02040502050505030304" pitchFamily="18" charset="0"/>
-                        </a:rPr>
-                        <a:t>Total</a:t>
-                      </a:r>
-                      <a:endParaRPr lang="en-US" sz="2400" b="1" i="0" u="none" strike="noStrike">
-                        <a:solidFill>
-                          <a:srgbClr val="000000"/>
-                        </a:solidFill>
-                        <a:effectLst/>
-                        <a:latin typeface="Palatino Linotype" panose="02040502050505030304" pitchFamily="18" charset="0"/>
-                      </a:endParaRPr>
-                    </a:p>
-                  </a:txBody>
-                  <a:tcPr marL="9525" marR="9525" marT="9525" marB="0" anchor="b">
-                    <a:solidFill>
-                      <a:schemeClr val="accent1">
-                        <a:tint val="20000"/>
-                      </a:schemeClr>
-                    </a:solidFill>
-                  </a:tcPr>
+                        <a:rPr lang="en-US" sz="1700" u="none" strike="noStrike">
+                          <a:effectLst/>
+                          <a:latin typeface="Palatino Linotype" panose="02040502050505030304" pitchFamily="18" charset="0"/>
+                        </a:rPr>
+                        <a:t>Only Wheat</a:t>
+                      </a:r>
+                      <a:endParaRPr lang="en-US" sz="1700" b="0" i="0" u="none" strike="noStrike">
+                        <a:solidFill>
+                          <a:srgbClr val="000000"/>
+                        </a:solidFill>
+                        <a:effectLst/>
+                        <a:latin typeface="Palatino Linotype" panose="02040502050505030304" pitchFamily="18" charset="0"/>
+                      </a:endParaRPr>
+                    </a:p>
+                  </a:txBody>
+                  <a:tcPr marL="8753" marR="8753" marT="8753" marB="0" anchor="b"/>
                 </a:tc>
                 <a:tc>
                   <a:txBody>
                     <a:bodyPr/>
                     <a:lstStyle/>
                     <a:p>
+                      <a:pPr algn="ctr" fontAlgn="ctr"/>
+                      <a:r>
+                        <a:rPr lang="en-US" sz="1700" u="none" strike="noStrike">
+                          <a:effectLst/>
+                          <a:latin typeface="Palatino Linotype" panose="02040502050505030304" pitchFamily="18" charset="0"/>
+                        </a:rPr>
+                        <a:t>0%</a:t>
+                      </a:r>
+                      <a:endParaRPr lang="en-US" sz="1700" b="0" i="0" u="none" strike="noStrike">
+                        <a:solidFill>
+                          <a:srgbClr val="000000"/>
+                        </a:solidFill>
+                        <a:effectLst/>
+                        <a:latin typeface="Palatino Linotype" panose="02040502050505030304" pitchFamily="18" charset="0"/>
+                      </a:endParaRPr>
+                    </a:p>
+                  </a:txBody>
+                  <a:tcPr marL="8753" marR="8753" marT="8753" marB="0" anchor="ctr"/>
+                </a:tc>
+                <a:tc>
+                  <a:txBody>
+                    <a:bodyPr/>
+                    <a:lstStyle/>
+                    <a:p>
+                      <a:pPr algn="ctr" fontAlgn="ctr"/>
+                      <a:r>
+                        <a:rPr lang="en-US" sz="1700" u="none" strike="noStrike">
+                          <a:effectLst/>
+                          <a:latin typeface="Palatino Linotype" panose="02040502050505030304" pitchFamily="18" charset="0"/>
+                        </a:rPr>
+                        <a:t>0</a:t>
+                      </a:r>
+                      <a:endParaRPr lang="en-US" sz="1700" b="0" i="0" u="none" strike="noStrike">
+                        <a:solidFill>
+                          <a:srgbClr val="000000"/>
+                        </a:solidFill>
+                        <a:effectLst/>
+                        <a:latin typeface="Palatino Linotype" panose="02040502050505030304" pitchFamily="18" charset="0"/>
+                      </a:endParaRPr>
+                    </a:p>
+                  </a:txBody>
+                  <a:tcPr marL="8753" marR="8753" marT="8753" marB="0" anchor="ctr"/>
+                </a:tc>
+                <a:tc>
+                  <a:txBody>
+                    <a:bodyPr/>
+                    <a:lstStyle/>
+                    <a:p>
+                      <a:pPr algn="ctr" fontAlgn="ctr"/>
+                      <a:r>
+                        <a:rPr lang="en-US" sz="1700" u="none" strike="noStrike">
+                          <a:effectLst/>
+                          <a:latin typeface="Palatino Linotype" panose="02040502050505030304" pitchFamily="18" charset="0"/>
+                        </a:rPr>
+                        <a:t>100%</a:t>
+                      </a:r>
+                      <a:endParaRPr lang="en-US" sz="1700" b="0" i="0" u="none" strike="noStrike">
+                        <a:solidFill>
+                          <a:srgbClr val="000000"/>
+                        </a:solidFill>
+                        <a:effectLst/>
+                        <a:latin typeface="Palatino Linotype" panose="02040502050505030304" pitchFamily="18" charset="0"/>
+                      </a:endParaRPr>
+                    </a:p>
+                  </a:txBody>
+                  <a:tcPr marL="8753" marR="8753" marT="8753" marB="0" anchor="ctr"/>
+                </a:tc>
+                <a:tc>
+                  <a:txBody>
+                    <a:bodyPr/>
+                    <a:lstStyle/>
+                    <a:p>
                       <a:pPr algn="ctr" fontAlgn="b"/>
                       <a:r>
-                        <a:rPr lang="en-US" sz="2400" u="none" strike="noStrike" dirty="0">
-                          <a:solidFill>
-                            <a:srgbClr val="FF0000"/>
-                          </a:solidFill>
-                          <a:effectLst/>
-                          <a:latin typeface="Palatino Linotype" panose="02040502050505030304" pitchFamily="18" charset="0"/>
-                        </a:rPr>
-                        <a:t>750</a:t>
-                      </a:r>
-                      <a:endParaRPr lang="en-US" sz="2400" b="0" i="0" u="none" strike="noStrike" dirty="0">
-                        <a:solidFill>
-                          <a:srgbClr val="FF0000"/>
-                        </a:solidFill>
-                        <a:effectLst/>
-                        <a:latin typeface="Palatino Linotype" panose="02040502050505030304" pitchFamily="18" charset="0"/>
-                      </a:endParaRPr>
-                    </a:p>
-                  </a:txBody>
-                  <a:tcPr marL="9525" marR="9525" marT="9525" marB="0" anchor="b">
-                    <a:solidFill>
-                      <a:schemeClr val="accent1">
-                        <a:tint val="20000"/>
-                      </a:schemeClr>
-                    </a:solidFill>
-                  </a:tcPr>
+                        <a:rPr lang="en-US" sz="1700" u="none" strike="noStrike">
+                          <a:effectLst/>
+                          <a:latin typeface="Palatino Linotype" panose="02040502050505030304" pitchFamily="18" charset="0"/>
+                        </a:rPr>
+                        <a:t>50</a:t>
+                      </a:r>
+                      <a:endParaRPr lang="en-US" sz="1700" b="0" i="0" u="none" strike="noStrike">
+                        <a:solidFill>
+                          <a:srgbClr val="000000"/>
+                        </a:solidFill>
+                        <a:effectLst/>
+                        <a:latin typeface="Palatino Linotype" panose="02040502050505030304" pitchFamily="18" charset="0"/>
+                      </a:endParaRPr>
+                    </a:p>
+                  </a:txBody>
+                  <a:tcPr marL="8753" marR="8753" marT="8753" marB="0" anchor="b"/>
                 </a:tc>
                 <a:tc>
                   <a:txBody>
                     <a:bodyPr/>
                     <a:lstStyle/>
                     <a:p>
+                      <a:pPr algn="ctr" fontAlgn="ctr"/>
+                      <a:r>
+                        <a:rPr lang="en-US" sz="1700" u="none" strike="noStrike">
+                          <a:effectLst/>
+                          <a:latin typeface="Palatino Linotype" panose="02040502050505030304" pitchFamily="18" charset="0"/>
+                        </a:rPr>
+                        <a:t>0%</a:t>
+                      </a:r>
+                      <a:endParaRPr lang="en-US" sz="1700" b="0" i="0" u="none" strike="noStrike">
+                        <a:solidFill>
+                          <a:srgbClr val="000000"/>
+                        </a:solidFill>
+                        <a:effectLst/>
+                        <a:latin typeface="Palatino Linotype" panose="02040502050505030304" pitchFamily="18" charset="0"/>
+                      </a:endParaRPr>
+                    </a:p>
+                  </a:txBody>
+                  <a:tcPr marL="8753" marR="8753" marT="8753" marB="0" anchor="ctr"/>
+                </a:tc>
+                <a:tc>
+                  <a:txBody>
+                    <a:bodyPr/>
+                    <a:lstStyle/>
+                    <a:p>
+                      <a:pPr algn="ctr" fontAlgn="ctr"/>
+                      <a:r>
+                        <a:rPr lang="en-US" sz="1700" u="none" strike="noStrike">
+                          <a:effectLst/>
+                          <a:latin typeface="Palatino Linotype" panose="02040502050505030304" pitchFamily="18" charset="0"/>
+                        </a:rPr>
+                        <a:t>0</a:t>
+                      </a:r>
+                      <a:endParaRPr lang="en-US" sz="1700" b="0" i="0" u="none" strike="noStrike">
+                        <a:solidFill>
+                          <a:srgbClr val="000000"/>
+                        </a:solidFill>
+                        <a:effectLst/>
+                        <a:latin typeface="Palatino Linotype" panose="02040502050505030304" pitchFamily="18" charset="0"/>
+                      </a:endParaRPr>
+                    </a:p>
+                  </a:txBody>
+                  <a:tcPr marL="8753" marR="8753" marT="8753" marB="0" anchor="ctr"/>
+                </a:tc>
+                <a:tc>
+                  <a:txBody>
+                    <a:bodyPr/>
+                    <a:lstStyle/>
+                    <a:p>
                       <a:pPr algn="ctr" fontAlgn="b"/>
                       <a:r>
-                        <a:rPr lang="en-US" sz="2400" u="none" strike="noStrike" dirty="0">
-                          <a:solidFill>
-                            <a:srgbClr val="FF0000"/>
-                          </a:solidFill>
-                          <a:effectLst/>
-                          <a:latin typeface="Palatino Linotype" panose="02040502050505030304" pitchFamily="18" charset="0"/>
-                        </a:rPr>
-                        <a:t>45</a:t>
-                      </a:r>
-                      <a:endParaRPr lang="en-US" sz="2400" b="0" i="0" u="none" strike="noStrike" dirty="0">
-                        <a:solidFill>
-                          <a:srgbClr val="FF0000"/>
-                        </a:solidFill>
-                        <a:effectLst/>
-                        <a:latin typeface="Palatino Linotype" panose="02040502050505030304" pitchFamily="18" charset="0"/>
-                      </a:endParaRPr>
-                    </a:p>
-                  </a:txBody>
-                  <a:tcPr marL="9525" marR="9525" marT="9525" marB="0" anchor="b">
-                    <a:solidFill>
-                      <a:schemeClr val="accent1">
-                        <a:tint val="20000"/>
-                      </a:schemeClr>
-                    </a:solidFill>
-                  </a:tcPr>
+                        <a:rPr lang="en-US" sz="1700" u="none" strike="noStrike">
+                          <a:effectLst/>
+                          <a:latin typeface="Palatino Linotype" panose="02040502050505030304" pitchFamily="18" charset="0"/>
+                        </a:rPr>
+                        <a:t>100%</a:t>
+                      </a:r>
+                      <a:endParaRPr lang="en-US" sz="1700" b="0" i="0" u="none" strike="noStrike">
+                        <a:solidFill>
+                          <a:srgbClr val="000000"/>
+                        </a:solidFill>
+                        <a:effectLst/>
+                        <a:latin typeface="Palatino Linotype" panose="02040502050505030304" pitchFamily="18" charset="0"/>
+                      </a:endParaRPr>
+                    </a:p>
+                  </a:txBody>
+                  <a:tcPr marL="8753" marR="8753" marT="8753" marB="0" anchor="b"/>
                 </a:tc>
                 <a:tc>
                   <a:txBody>
@@ -6340,68 +8888,995 @@
                     <a:p>
                       <a:pPr algn="ctr" fontAlgn="b"/>
                       <a:r>
-                        <a:rPr lang="en-US" sz="2400" u="none" strike="noStrike" dirty="0">
-                          <a:solidFill>
-                            <a:srgbClr val="FF0000"/>
-                          </a:solidFill>
-                          <a:effectLst/>
-                          <a:latin typeface="Palatino Linotype" panose="02040502050505030304" pitchFamily="18" charset="0"/>
-                        </a:rPr>
-                        <a:t>1,000</a:t>
-                      </a:r>
-                      <a:endParaRPr lang="en-US" sz="2400" b="0" i="0" u="none" strike="noStrike" dirty="0">
-                        <a:solidFill>
-                          <a:srgbClr val="FF0000"/>
-                        </a:solidFill>
-                        <a:effectLst/>
-                        <a:latin typeface="Palatino Linotype" panose="02040502050505030304" pitchFamily="18" charset="0"/>
-                      </a:endParaRPr>
-                    </a:p>
-                  </a:txBody>
-                  <a:tcPr marL="9525" marR="9525" marT="9525" marB="0" anchor="b">
-                    <a:solidFill>
-                      <a:schemeClr val="accent1">
-                        <a:tint val="20000"/>
-                      </a:schemeClr>
-                    </a:solidFill>
-                  </a:tcPr>
+                        <a:rPr lang="en-US" sz="1700" u="none" strike="noStrike">
+                          <a:effectLst/>
+                          <a:latin typeface="Palatino Linotype" panose="02040502050505030304" pitchFamily="18" charset="0"/>
+                        </a:rPr>
+                        <a:t>20</a:t>
+                      </a:r>
+                      <a:endParaRPr lang="en-US" sz="1700" b="0" i="0" u="none" strike="noStrike">
+                        <a:solidFill>
+                          <a:srgbClr val="000000"/>
+                        </a:solidFill>
+                        <a:effectLst/>
+                        <a:latin typeface="Palatino Linotype" panose="02040502050505030304" pitchFamily="18" charset="0"/>
+                      </a:endParaRPr>
+                    </a:p>
+                  </a:txBody>
+                  <a:tcPr marL="8753" marR="8753" marT="8753" marB="0" anchor="b"/>
                 </a:tc>
                 <a:tc>
                   <a:txBody>
                     <a:bodyPr/>
                     <a:lstStyle/>
                     <a:p>
+                      <a:pPr algn="ctr" fontAlgn="ctr"/>
+                      <a:r>
+                        <a:rPr lang="en-US" sz="1700" u="none" strike="noStrike">
+                          <a:effectLst/>
+                          <a:latin typeface="Palatino Linotype" panose="02040502050505030304" pitchFamily="18" charset="0"/>
+                        </a:rPr>
+                        <a:t>0</a:t>
+                      </a:r>
+                      <a:endParaRPr lang="en-US" sz="1700" b="0" i="0" u="none" strike="noStrike">
+                        <a:solidFill>
+                          <a:srgbClr val="000000"/>
+                        </a:solidFill>
+                        <a:effectLst/>
+                        <a:latin typeface="Palatino Linotype" panose="02040502050505030304" pitchFamily="18" charset="0"/>
+                      </a:endParaRPr>
+                    </a:p>
+                  </a:txBody>
+                  <a:tcPr marL="8753" marR="8753" marT="8753" marB="0" anchor="ctr"/>
+                </a:tc>
+                <a:tc>
+                  <a:txBody>
+                    <a:bodyPr/>
+                    <a:lstStyle/>
+                    <a:p>
                       <a:pPr algn="ctr" fontAlgn="b"/>
                       <a:r>
-                        <a:rPr lang="en-US" sz="2400" u="none" strike="noStrike" dirty="0">
-                          <a:solidFill>
-                            <a:srgbClr val="FF0000"/>
-                          </a:solidFill>
-                          <a:effectLst/>
-                          <a:latin typeface="Palatino Linotype" panose="02040502050505030304" pitchFamily="18" charset="0"/>
-                        </a:rPr>
-                        <a:t>50</a:t>
-                      </a:r>
-                      <a:endParaRPr lang="en-US" sz="2400" b="0" i="0" u="none" strike="noStrike" dirty="0">
-                        <a:solidFill>
-                          <a:srgbClr val="FF0000"/>
-                        </a:solidFill>
-                        <a:effectLst/>
-                        <a:latin typeface="Palatino Linotype" panose="02040502050505030304" pitchFamily="18" charset="0"/>
-                      </a:endParaRPr>
-                    </a:p>
-                  </a:txBody>
-                  <a:tcPr marL="9525" marR="9525" marT="9525" marB="0" anchor="b">
-                    <a:solidFill>
-                      <a:schemeClr val="accent1">
-                        <a:tint val="20000"/>
-                      </a:schemeClr>
-                    </a:solidFill>
-                  </a:tcPr>
+                        <a:rPr lang="en-US" sz="1700" u="none" strike="noStrike">
+                          <a:effectLst/>
+                          <a:latin typeface="Palatino Linotype" panose="02040502050505030304" pitchFamily="18" charset="0"/>
+                        </a:rPr>
+                        <a:t>70</a:t>
+                      </a:r>
+                      <a:endParaRPr lang="en-US" sz="1700" b="0" i="0" u="none" strike="noStrike">
+                        <a:solidFill>
+                          <a:srgbClr val="000000"/>
+                        </a:solidFill>
+                        <a:effectLst/>
+                        <a:latin typeface="Palatino Linotype" panose="02040502050505030304" pitchFamily="18" charset="0"/>
+                      </a:endParaRPr>
+                    </a:p>
+                  </a:txBody>
+                  <a:tcPr marL="8753" marR="8753" marT="8753" marB="0" anchor="b"/>
+                </a:tc>
+                <a:tc vMerge="1">
+                  <a:txBody>
+                    <a:bodyPr/>
+                    <a:lstStyle/>
+                    <a:p>
+                      <a:endParaRPr lang="en-US"/>
+                    </a:p>
+                  </a:txBody>
+                  <a:tcPr/>
+                </a:tc>
+                <a:tc vMerge="1">
+                  <a:txBody>
+                    <a:bodyPr/>
+                    <a:lstStyle/>
+                    <a:p>
+                      <a:endParaRPr lang="en-US"/>
+                    </a:p>
+                  </a:txBody>
+                  <a:tcPr/>
                 </a:tc>
                 <a:extLst>
                   <a:ext uri="{0D108BD9-81ED-4DB2-BD59-A6C34878D82A}">
-                    <a16:rowId xmlns:a16="http://schemas.microsoft.com/office/drawing/2014/main" val="3764781113"/>
+                    <a16:rowId xmlns:a16="http://schemas.microsoft.com/office/drawing/2014/main" val="3801614926"/>
+                  </a:ext>
+                </a:extLst>
+              </a:tr>
+              <a:tr h="303447">
+                <a:tc>
+                  <a:txBody>
+                    <a:bodyPr/>
+                    <a:lstStyle/>
+                    <a:p>
+                      <a:pPr algn="l" fontAlgn="b"/>
+                      <a:r>
+                        <a:rPr lang="en-US" sz="1700" u="none" strike="noStrike">
+                          <a:effectLst/>
+                          <a:latin typeface="Palatino Linotype" panose="02040502050505030304" pitchFamily="18" charset="0"/>
+                        </a:rPr>
+                        <a:t>Mixture</a:t>
+                      </a:r>
+                      <a:endParaRPr lang="en-US" sz="1700" b="0" i="0" u="none" strike="noStrike">
+                        <a:solidFill>
+                          <a:srgbClr val="000000"/>
+                        </a:solidFill>
+                        <a:effectLst/>
+                        <a:latin typeface="Palatino Linotype" panose="02040502050505030304" pitchFamily="18" charset="0"/>
+                      </a:endParaRPr>
+                    </a:p>
+                  </a:txBody>
+                  <a:tcPr marL="8753" marR="8753" marT="8753" marB="0" anchor="b"/>
+                </a:tc>
+                <a:tc>
+                  <a:txBody>
+                    <a:bodyPr/>
+                    <a:lstStyle/>
+                    <a:p>
+                      <a:pPr algn="ctr" fontAlgn="ctr"/>
+                      <a:r>
+                        <a:rPr lang="en-US" sz="1700" u="none" strike="noStrike">
+                          <a:effectLst/>
+                          <a:latin typeface="Palatino Linotype" panose="02040502050505030304" pitchFamily="18" charset="0"/>
+                        </a:rPr>
+                        <a:t>40%</a:t>
+                      </a:r>
+                      <a:endParaRPr lang="en-US" sz="1700" b="0" i="0" u="none" strike="noStrike">
+                        <a:solidFill>
+                          <a:srgbClr val="000000"/>
+                        </a:solidFill>
+                        <a:effectLst/>
+                        <a:latin typeface="Palatino Linotype" panose="02040502050505030304" pitchFamily="18" charset="0"/>
+                      </a:endParaRPr>
+                    </a:p>
+                  </a:txBody>
+                  <a:tcPr marL="8753" marR="8753" marT="8753" marB="0" anchor="ctr"/>
+                </a:tc>
+                <a:tc>
+                  <a:txBody>
+                    <a:bodyPr/>
+                    <a:lstStyle/>
+                    <a:p>
+                      <a:pPr algn="ctr" fontAlgn="ctr"/>
+                      <a:r>
+                        <a:rPr lang="en-US" sz="1700" u="none" strike="noStrike">
+                          <a:effectLst/>
+                          <a:latin typeface="Palatino Linotype" panose="02040502050505030304" pitchFamily="18" charset="0"/>
+                        </a:rPr>
+                        <a:t>500</a:t>
+                      </a:r>
+                      <a:endParaRPr lang="en-US" sz="1700" b="0" i="0" u="none" strike="noStrike">
+                        <a:solidFill>
+                          <a:srgbClr val="000000"/>
+                        </a:solidFill>
+                        <a:effectLst/>
+                        <a:latin typeface="Palatino Linotype" panose="02040502050505030304" pitchFamily="18" charset="0"/>
+                      </a:endParaRPr>
+                    </a:p>
+                  </a:txBody>
+                  <a:tcPr marL="8753" marR="8753" marT="8753" marB="0" anchor="ctr"/>
+                </a:tc>
+                <a:tc>
+                  <a:txBody>
+                    <a:bodyPr/>
+                    <a:lstStyle/>
+                    <a:p>
+                      <a:pPr algn="ctr" fontAlgn="ctr"/>
+                      <a:r>
+                        <a:rPr lang="en-US" sz="1700" u="none" strike="noStrike">
+                          <a:effectLst/>
+                          <a:latin typeface="Palatino Linotype" panose="02040502050505030304" pitchFamily="18" charset="0"/>
+                        </a:rPr>
+                        <a:t>60%</a:t>
+                      </a:r>
+                      <a:endParaRPr lang="en-US" sz="1700" b="0" i="0" u="none" strike="noStrike">
+                        <a:solidFill>
+                          <a:srgbClr val="000000"/>
+                        </a:solidFill>
+                        <a:effectLst/>
+                        <a:latin typeface="Palatino Linotype" panose="02040502050505030304" pitchFamily="18" charset="0"/>
+                      </a:endParaRPr>
+                    </a:p>
+                  </a:txBody>
+                  <a:tcPr marL="8753" marR="8753" marT="8753" marB="0" anchor="ctr"/>
+                </a:tc>
+                <a:tc>
+                  <a:txBody>
+                    <a:bodyPr/>
+                    <a:lstStyle/>
+                    <a:p>
+                      <a:pPr algn="ctr" fontAlgn="b"/>
+                      <a:r>
+                        <a:rPr lang="en-US" sz="1700" u="none" strike="noStrike">
+                          <a:effectLst/>
+                          <a:latin typeface="Palatino Linotype" panose="02040502050505030304" pitchFamily="18" charset="0"/>
+                        </a:rPr>
+                        <a:t>30</a:t>
+                      </a:r>
+                      <a:endParaRPr lang="en-US" sz="1700" b="0" i="0" u="none" strike="noStrike">
+                        <a:solidFill>
+                          <a:srgbClr val="000000"/>
+                        </a:solidFill>
+                        <a:effectLst/>
+                        <a:latin typeface="Palatino Linotype" panose="02040502050505030304" pitchFamily="18" charset="0"/>
+                      </a:endParaRPr>
+                    </a:p>
+                  </a:txBody>
+                  <a:tcPr marL="8753" marR="8753" marT="8753" marB="0" anchor="b"/>
+                </a:tc>
+                <a:tc>
+                  <a:txBody>
+                    <a:bodyPr/>
+                    <a:lstStyle/>
+                    <a:p>
+                      <a:pPr algn="ctr" fontAlgn="ctr"/>
+                      <a:r>
+                        <a:rPr lang="en-US" sz="1700" u="none" strike="noStrike">
+                          <a:effectLst/>
+                          <a:latin typeface="Palatino Linotype" panose="02040502050505030304" pitchFamily="18" charset="0"/>
+                        </a:rPr>
+                        <a:t>25%</a:t>
+                      </a:r>
+                      <a:endParaRPr lang="en-US" sz="1700" b="0" i="0" u="none" strike="noStrike">
+                        <a:solidFill>
+                          <a:srgbClr val="000000"/>
+                        </a:solidFill>
+                        <a:effectLst/>
+                        <a:latin typeface="Palatino Linotype" panose="02040502050505030304" pitchFamily="18" charset="0"/>
+                      </a:endParaRPr>
+                    </a:p>
+                  </a:txBody>
+                  <a:tcPr marL="8753" marR="8753" marT="8753" marB="0" anchor="ctr"/>
+                </a:tc>
+                <a:tc>
+                  <a:txBody>
+                    <a:bodyPr/>
+                    <a:lstStyle/>
+                    <a:p>
+                      <a:pPr algn="ctr" fontAlgn="ctr"/>
+                      <a:r>
+                        <a:rPr lang="en-US" sz="1700" u="none" strike="noStrike">
+                          <a:effectLst/>
+                          <a:latin typeface="Palatino Linotype" panose="02040502050505030304" pitchFamily="18" charset="0"/>
+                        </a:rPr>
+                        <a:t>250</a:t>
+                      </a:r>
+                      <a:endParaRPr lang="en-US" sz="1700" b="0" i="0" u="none" strike="noStrike">
+                        <a:solidFill>
+                          <a:srgbClr val="000000"/>
+                        </a:solidFill>
+                        <a:effectLst/>
+                        <a:latin typeface="Palatino Linotype" panose="02040502050505030304" pitchFamily="18" charset="0"/>
+                      </a:endParaRPr>
+                    </a:p>
+                  </a:txBody>
+                  <a:tcPr marL="8753" marR="8753" marT="8753" marB="0" anchor="ctr"/>
+                </a:tc>
+                <a:tc>
+                  <a:txBody>
+                    <a:bodyPr/>
+                    <a:lstStyle/>
+                    <a:p>
+                      <a:pPr algn="ctr" fontAlgn="b"/>
+                      <a:r>
+                        <a:rPr lang="en-US" sz="1700" u="none" strike="noStrike">
+                          <a:effectLst/>
+                          <a:latin typeface="Palatino Linotype" panose="02040502050505030304" pitchFamily="18" charset="0"/>
+                        </a:rPr>
+                        <a:t>75%</a:t>
+                      </a:r>
+                      <a:endParaRPr lang="en-US" sz="1700" b="0" i="0" u="none" strike="noStrike">
+                        <a:solidFill>
+                          <a:srgbClr val="000000"/>
+                        </a:solidFill>
+                        <a:effectLst/>
+                        <a:latin typeface="Palatino Linotype" panose="02040502050505030304" pitchFamily="18" charset="0"/>
+                      </a:endParaRPr>
+                    </a:p>
+                  </a:txBody>
+                  <a:tcPr marL="8753" marR="8753" marT="8753" marB="0" anchor="b"/>
+                </a:tc>
+                <a:tc>
+                  <a:txBody>
+                    <a:bodyPr/>
+                    <a:lstStyle/>
+                    <a:p>
+                      <a:pPr algn="ctr" fontAlgn="b"/>
+                      <a:r>
+                        <a:rPr lang="en-US" sz="1700" u="none" strike="noStrike">
+                          <a:effectLst/>
+                          <a:latin typeface="Palatino Linotype" panose="02040502050505030304" pitchFamily="18" charset="0"/>
+                        </a:rPr>
+                        <a:t>15</a:t>
+                      </a:r>
+                      <a:endParaRPr lang="en-US" sz="1700" b="0" i="0" u="none" strike="noStrike">
+                        <a:solidFill>
+                          <a:srgbClr val="000000"/>
+                        </a:solidFill>
+                        <a:effectLst/>
+                        <a:latin typeface="Palatino Linotype" panose="02040502050505030304" pitchFamily="18" charset="0"/>
+                      </a:endParaRPr>
+                    </a:p>
+                  </a:txBody>
+                  <a:tcPr marL="8753" marR="8753" marT="8753" marB="0" anchor="b"/>
+                </a:tc>
+                <a:tc>
+                  <a:txBody>
+                    <a:bodyPr/>
+                    <a:lstStyle/>
+                    <a:p>
+                      <a:pPr algn="ctr" fontAlgn="ctr"/>
+                      <a:r>
+                        <a:rPr lang="en-US" sz="1700" u="none" strike="noStrike">
+                          <a:effectLst/>
+                          <a:latin typeface="Palatino Linotype" panose="02040502050505030304" pitchFamily="18" charset="0"/>
+                        </a:rPr>
+                        <a:t>750</a:t>
+                      </a:r>
+                      <a:endParaRPr lang="en-US" sz="1700" b="0" i="0" u="none" strike="noStrike">
+                        <a:solidFill>
+                          <a:srgbClr val="000000"/>
+                        </a:solidFill>
+                        <a:effectLst/>
+                        <a:latin typeface="Palatino Linotype" panose="02040502050505030304" pitchFamily="18" charset="0"/>
+                      </a:endParaRPr>
+                    </a:p>
+                  </a:txBody>
+                  <a:tcPr marL="8753" marR="8753" marT="8753" marB="0" anchor="ctr"/>
+                </a:tc>
+                <a:tc>
+                  <a:txBody>
+                    <a:bodyPr/>
+                    <a:lstStyle/>
+                    <a:p>
+                      <a:pPr algn="ctr" fontAlgn="b"/>
+                      <a:r>
+                        <a:rPr lang="en-US" sz="1700" u="none" strike="noStrike">
+                          <a:effectLst/>
+                          <a:latin typeface="Palatino Linotype" panose="02040502050505030304" pitchFamily="18" charset="0"/>
+                        </a:rPr>
+                        <a:t>45</a:t>
+                      </a:r>
+                      <a:endParaRPr lang="en-US" sz="1700" b="0" i="0" u="none" strike="noStrike">
+                        <a:solidFill>
+                          <a:srgbClr val="000000"/>
+                        </a:solidFill>
+                        <a:effectLst/>
+                        <a:latin typeface="Palatino Linotype" panose="02040502050505030304" pitchFamily="18" charset="0"/>
+                      </a:endParaRPr>
+                    </a:p>
+                  </a:txBody>
+                  <a:tcPr marL="8753" marR="8753" marT="8753" marB="0" anchor="b"/>
+                </a:tc>
+                <a:tc vMerge="1">
+                  <a:txBody>
+                    <a:bodyPr/>
+                    <a:lstStyle/>
+                    <a:p>
+                      <a:endParaRPr lang="en-US"/>
+                    </a:p>
+                  </a:txBody>
+                  <a:tcPr/>
+                </a:tc>
+                <a:tc vMerge="1">
+                  <a:txBody>
+                    <a:bodyPr/>
+                    <a:lstStyle/>
+                    <a:p>
+                      <a:endParaRPr lang="en-US"/>
+                    </a:p>
+                  </a:txBody>
+                  <a:tcPr/>
+                </a:tc>
+                <a:extLst>
+                  <a:ext uri="{0D108BD9-81ED-4DB2-BD59-A6C34878D82A}">
+                    <a16:rowId xmlns:a16="http://schemas.microsoft.com/office/drawing/2014/main" val="4283235203"/>
+                  </a:ext>
+                </a:extLst>
+              </a:tr>
+              <a:tr h="303447">
+                <a:tc>
+                  <a:txBody>
+                    <a:bodyPr/>
+                    <a:lstStyle/>
+                    <a:p>
+                      <a:pPr algn="l" fontAlgn="b"/>
+                      <a:r>
+                        <a:rPr lang="en-US" sz="1700" u="none" strike="noStrike">
+                          <a:effectLst/>
+                          <a:latin typeface="Palatino Linotype" panose="02040502050505030304" pitchFamily="18" charset="0"/>
+                        </a:rPr>
+                        <a:t>Specialization</a:t>
+                      </a:r>
+                      <a:endParaRPr lang="en-US" sz="1700" b="0" i="0" u="none" strike="noStrike">
+                        <a:solidFill>
+                          <a:srgbClr val="000000"/>
+                        </a:solidFill>
+                        <a:effectLst/>
+                        <a:latin typeface="Palatino Linotype" panose="02040502050505030304" pitchFamily="18" charset="0"/>
+                      </a:endParaRPr>
+                    </a:p>
+                  </a:txBody>
+                  <a:tcPr marL="8753" marR="8753" marT="8753" marB="0" anchor="b"/>
+                </a:tc>
+                <a:tc>
+                  <a:txBody>
+                    <a:bodyPr/>
+                    <a:lstStyle/>
+                    <a:p>
+                      <a:pPr algn="ctr" fontAlgn="ctr"/>
+                      <a:r>
+                        <a:rPr lang="en-US" sz="1700" u="none" strike="noStrike">
+                          <a:effectLst/>
+                          <a:latin typeface="Palatino Linotype" panose="02040502050505030304" pitchFamily="18" charset="0"/>
+                        </a:rPr>
+                        <a:t>0%</a:t>
+                      </a:r>
+                      <a:endParaRPr lang="en-US" sz="1700" b="0" i="0" u="none" strike="noStrike">
+                        <a:solidFill>
+                          <a:srgbClr val="000000"/>
+                        </a:solidFill>
+                        <a:effectLst/>
+                        <a:latin typeface="Palatino Linotype" panose="02040502050505030304" pitchFamily="18" charset="0"/>
+                      </a:endParaRPr>
+                    </a:p>
+                  </a:txBody>
+                  <a:tcPr marL="8753" marR="8753" marT="8753" marB="0" anchor="ctr"/>
+                </a:tc>
+                <a:tc>
+                  <a:txBody>
+                    <a:bodyPr/>
+                    <a:lstStyle/>
+                    <a:p>
+                      <a:pPr algn="ctr" fontAlgn="ctr"/>
+                      <a:r>
+                        <a:rPr lang="en-US" sz="1700" u="none" strike="noStrike">
+                          <a:effectLst/>
+                          <a:latin typeface="Palatino Linotype" panose="02040502050505030304" pitchFamily="18" charset="0"/>
+                        </a:rPr>
+                        <a:t>0</a:t>
+                      </a:r>
+                      <a:endParaRPr lang="en-US" sz="1700" b="0" i="0" u="none" strike="noStrike">
+                        <a:solidFill>
+                          <a:srgbClr val="000000"/>
+                        </a:solidFill>
+                        <a:effectLst/>
+                        <a:latin typeface="Palatino Linotype" panose="02040502050505030304" pitchFamily="18" charset="0"/>
+                      </a:endParaRPr>
+                    </a:p>
+                  </a:txBody>
+                  <a:tcPr marL="8753" marR="8753" marT="8753" marB="0" anchor="ctr"/>
+                </a:tc>
+                <a:tc>
+                  <a:txBody>
+                    <a:bodyPr/>
+                    <a:lstStyle/>
+                    <a:p>
+                      <a:pPr algn="ctr" fontAlgn="ctr"/>
+                      <a:r>
+                        <a:rPr lang="en-US" sz="1700" u="none" strike="noStrike">
+                          <a:effectLst/>
+                          <a:latin typeface="Palatino Linotype" panose="02040502050505030304" pitchFamily="18" charset="0"/>
+                        </a:rPr>
+                        <a:t>100%</a:t>
+                      </a:r>
+                      <a:endParaRPr lang="en-US" sz="1700" b="0" i="0" u="none" strike="noStrike">
+                        <a:solidFill>
+                          <a:srgbClr val="000000"/>
+                        </a:solidFill>
+                        <a:effectLst/>
+                        <a:latin typeface="Palatino Linotype" panose="02040502050505030304" pitchFamily="18" charset="0"/>
+                      </a:endParaRPr>
+                    </a:p>
+                  </a:txBody>
+                  <a:tcPr marL="8753" marR="8753" marT="8753" marB="0" anchor="ctr"/>
+                </a:tc>
+                <a:tc>
+                  <a:txBody>
+                    <a:bodyPr/>
+                    <a:lstStyle/>
+                    <a:p>
+                      <a:pPr algn="ctr" fontAlgn="b"/>
+                      <a:r>
+                        <a:rPr lang="en-US" sz="1700" u="none" strike="noStrike">
+                          <a:effectLst/>
+                          <a:latin typeface="Palatino Linotype" panose="02040502050505030304" pitchFamily="18" charset="0"/>
+                        </a:rPr>
+                        <a:t>50</a:t>
+                      </a:r>
+                      <a:endParaRPr lang="en-US" sz="1700" b="0" i="0" u="none" strike="noStrike">
+                        <a:solidFill>
+                          <a:srgbClr val="000000"/>
+                        </a:solidFill>
+                        <a:effectLst/>
+                        <a:latin typeface="Palatino Linotype" panose="02040502050505030304" pitchFamily="18" charset="0"/>
+                      </a:endParaRPr>
+                    </a:p>
+                  </a:txBody>
+                  <a:tcPr marL="8753" marR="8753" marT="8753" marB="0" anchor="b"/>
+                </a:tc>
+                <a:tc>
+                  <a:txBody>
+                    <a:bodyPr/>
+                    <a:lstStyle/>
+                    <a:p>
+                      <a:pPr algn="ctr" fontAlgn="ctr"/>
+                      <a:r>
+                        <a:rPr lang="en-US" sz="1700" u="none" strike="noStrike">
+                          <a:effectLst/>
+                          <a:latin typeface="Palatino Linotype" panose="02040502050505030304" pitchFamily="18" charset="0"/>
+                        </a:rPr>
+                        <a:t>100%</a:t>
+                      </a:r>
+                      <a:endParaRPr lang="en-US" sz="1700" b="0" i="0" u="none" strike="noStrike">
+                        <a:solidFill>
+                          <a:srgbClr val="000000"/>
+                        </a:solidFill>
+                        <a:effectLst/>
+                        <a:latin typeface="Palatino Linotype" panose="02040502050505030304" pitchFamily="18" charset="0"/>
+                      </a:endParaRPr>
+                    </a:p>
+                  </a:txBody>
+                  <a:tcPr marL="8753" marR="8753" marT="8753" marB="0" anchor="ctr"/>
+                </a:tc>
+                <a:tc>
+                  <a:txBody>
+                    <a:bodyPr/>
+                    <a:lstStyle/>
+                    <a:p>
+                      <a:pPr algn="ctr" fontAlgn="ctr"/>
+                      <a:r>
+                        <a:rPr lang="en-US" sz="1700" u="none" strike="noStrike">
+                          <a:effectLst/>
+                          <a:latin typeface="Palatino Linotype" panose="02040502050505030304" pitchFamily="18" charset="0"/>
+                        </a:rPr>
+                        <a:t>1,000</a:t>
+                      </a:r>
+                      <a:endParaRPr lang="en-US" sz="1700" b="0" i="0" u="none" strike="noStrike">
+                        <a:solidFill>
+                          <a:srgbClr val="000000"/>
+                        </a:solidFill>
+                        <a:effectLst/>
+                        <a:latin typeface="Palatino Linotype" panose="02040502050505030304" pitchFamily="18" charset="0"/>
+                      </a:endParaRPr>
+                    </a:p>
+                  </a:txBody>
+                  <a:tcPr marL="8753" marR="8753" marT="8753" marB="0" anchor="ctr"/>
+                </a:tc>
+                <a:tc>
+                  <a:txBody>
+                    <a:bodyPr/>
+                    <a:lstStyle/>
+                    <a:p>
+                      <a:pPr algn="ctr" fontAlgn="b"/>
+                      <a:r>
+                        <a:rPr lang="en-US" sz="1700" u="none" strike="noStrike">
+                          <a:effectLst/>
+                          <a:latin typeface="Palatino Linotype" panose="02040502050505030304" pitchFamily="18" charset="0"/>
+                        </a:rPr>
+                        <a:t>0%</a:t>
+                      </a:r>
+                      <a:endParaRPr lang="en-US" sz="1700" b="0" i="0" u="none" strike="noStrike">
+                        <a:solidFill>
+                          <a:srgbClr val="000000"/>
+                        </a:solidFill>
+                        <a:effectLst/>
+                        <a:latin typeface="Palatino Linotype" panose="02040502050505030304" pitchFamily="18" charset="0"/>
+                      </a:endParaRPr>
+                    </a:p>
+                  </a:txBody>
+                  <a:tcPr marL="8753" marR="8753" marT="8753" marB="0" anchor="b"/>
+                </a:tc>
+                <a:tc>
+                  <a:txBody>
+                    <a:bodyPr/>
+                    <a:lstStyle/>
+                    <a:p>
+                      <a:pPr algn="ctr" fontAlgn="b"/>
+                      <a:r>
+                        <a:rPr lang="en-US" sz="1700" u="none" strike="noStrike">
+                          <a:effectLst/>
+                          <a:latin typeface="Palatino Linotype" panose="02040502050505030304" pitchFamily="18" charset="0"/>
+                        </a:rPr>
+                        <a:t>0</a:t>
+                      </a:r>
+                      <a:endParaRPr lang="en-US" sz="1700" b="0" i="0" u="none" strike="noStrike">
+                        <a:solidFill>
+                          <a:srgbClr val="000000"/>
+                        </a:solidFill>
+                        <a:effectLst/>
+                        <a:latin typeface="Palatino Linotype" panose="02040502050505030304" pitchFamily="18" charset="0"/>
+                      </a:endParaRPr>
+                    </a:p>
+                  </a:txBody>
+                  <a:tcPr marL="8753" marR="8753" marT="8753" marB="0" anchor="b"/>
+                </a:tc>
+                <a:tc>
+                  <a:txBody>
+                    <a:bodyPr/>
+                    <a:lstStyle/>
+                    <a:p>
+                      <a:pPr algn="ctr" fontAlgn="ctr"/>
+                      <a:r>
+                        <a:rPr lang="en-US" sz="1700" u="none" strike="noStrike">
+                          <a:effectLst/>
+                          <a:latin typeface="Palatino Linotype" panose="02040502050505030304" pitchFamily="18" charset="0"/>
+                        </a:rPr>
+                        <a:t>1,000</a:t>
+                      </a:r>
+                      <a:endParaRPr lang="en-US" sz="1700" b="0" i="0" u="none" strike="noStrike">
+                        <a:solidFill>
+                          <a:srgbClr val="000000"/>
+                        </a:solidFill>
+                        <a:effectLst/>
+                        <a:latin typeface="Palatino Linotype" panose="02040502050505030304" pitchFamily="18" charset="0"/>
+                      </a:endParaRPr>
+                    </a:p>
+                  </a:txBody>
+                  <a:tcPr marL="8753" marR="8753" marT="8753" marB="0" anchor="ctr"/>
+                </a:tc>
+                <a:tc>
+                  <a:txBody>
+                    <a:bodyPr/>
+                    <a:lstStyle/>
+                    <a:p>
+                      <a:pPr algn="ctr" fontAlgn="b"/>
+                      <a:r>
+                        <a:rPr lang="en-US" sz="1700" u="none" strike="noStrike">
+                          <a:effectLst/>
+                          <a:latin typeface="Palatino Linotype" panose="02040502050505030304" pitchFamily="18" charset="0"/>
+                        </a:rPr>
+                        <a:t>50</a:t>
+                      </a:r>
+                      <a:endParaRPr lang="en-US" sz="1700" b="0" i="0" u="none" strike="noStrike">
+                        <a:solidFill>
+                          <a:srgbClr val="000000"/>
+                        </a:solidFill>
+                        <a:effectLst/>
+                        <a:latin typeface="Palatino Linotype" panose="02040502050505030304" pitchFamily="18" charset="0"/>
+                      </a:endParaRPr>
+                    </a:p>
+                  </a:txBody>
+                  <a:tcPr marL="8753" marR="8753" marT="8753" marB="0" anchor="b"/>
+                </a:tc>
+                <a:tc vMerge="1">
+                  <a:txBody>
+                    <a:bodyPr/>
+                    <a:lstStyle/>
+                    <a:p>
+                      <a:endParaRPr lang="en-US"/>
+                    </a:p>
+                  </a:txBody>
+                  <a:tcPr/>
+                </a:tc>
+                <a:tc vMerge="1">
+                  <a:txBody>
+                    <a:bodyPr/>
+                    <a:lstStyle/>
+                    <a:p>
+                      <a:endParaRPr lang="en-US"/>
+                    </a:p>
+                  </a:txBody>
+                  <a:tcPr/>
+                </a:tc>
+                <a:extLst>
+                  <a:ext uri="{0D108BD9-81ED-4DB2-BD59-A6C34878D82A}">
+                    <a16:rowId xmlns:a16="http://schemas.microsoft.com/office/drawing/2014/main" val="301594544"/>
+                  </a:ext>
+                </a:extLst>
+              </a:tr>
+              <a:tr h="303447">
+                <a:tc>
+                  <a:txBody>
+                    <a:bodyPr/>
+                    <a:lstStyle/>
+                    <a:p>
+                      <a:pPr algn="l" fontAlgn="b"/>
+                      <a:r>
+                        <a:rPr lang="en-US" sz="1700" u="none" strike="noStrike">
+                          <a:effectLst/>
+                          <a:latin typeface="Palatino Linotype" panose="02040502050505030304" pitchFamily="18" charset="0"/>
+                        </a:rPr>
+                        <a:t>Trade</a:t>
+                      </a:r>
+                      <a:endParaRPr lang="en-US" sz="1700" b="0" i="0" u="none" strike="noStrike">
+                        <a:solidFill>
+                          <a:srgbClr val="000000"/>
+                        </a:solidFill>
+                        <a:effectLst/>
+                        <a:latin typeface="Palatino Linotype" panose="02040502050505030304" pitchFamily="18" charset="0"/>
+                      </a:endParaRPr>
+                    </a:p>
+                  </a:txBody>
+                  <a:tcPr marL="8753" marR="8753" marT="8753" marB="0" anchor="b"/>
+                </a:tc>
+                <a:tc>
+                  <a:txBody>
+                    <a:bodyPr/>
+                    <a:lstStyle/>
+                    <a:p>
+                      <a:pPr algn="ctr" fontAlgn="ctr"/>
+                      <a:r>
+                        <a:rPr lang="en-US" sz="1700" u="none" strike="noStrike">
+                          <a:effectLst/>
+                          <a:latin typeface="Palatino Linotype" panose="02040502050505030304" pitchFamily="18" charset="0"/>
+                        </a:rPr>
+                        <a:t> </a:t>
+                      </a:r>
+                      <a:endParaRPr lang="en-US" sz="1700" b="0" i="0" u="none" strike="noStrike">
+                        <a:solidFill>
+                          <a:srgbClr val="000000"/>
+                        </a:solidFill>
+                        <a:effectLst/>
+                        <a:latin typeface="Palatino Linotype" panose="02040502050505030304" pitchFamily="18" charset="0"/>
+                      </a:endParaRPr>
+                    </a:p>
+                  </a:txBody>
+                  <a:tcPr marL="8753" marR="8753" marT="8753" marB="0" anchor="ctr"/>
+                </a:tc>
+                <a:tc>
+                  <a:txBody>
+                    <a:bodyPr/>
+                    <a:lstStyle/>
+                    <a:p>
+                      <a:pPr algn="ctr" fontAlgn="ctr"/>
+                      <a:r>
+                        <a:rPr lang="en-US" sz="1700" u="none" strike="noStrike">
+                          <a:effectLst/>
+                          <a:latin typeface="Palatino Linotype" panose="02040502050505030304" pitchFamily="18" charset="0"/>
+                        </a:rPr>
+                        <a:t>630</a:t>
+                      </a:r>
+                      <a:endParaRPr lang="en-US" sz="1700" b="0" i="0" u="none" strike="noStrike">
+                        <a:solidFill>
+                          <a:srgbClr val="000000"/>
+                        </a:solidFill>
+                        <a:effectLst/>
+                        <a:latin typeface="Palatino Linotype" panose="02040502050505030304" pitchFamily="18" charset="0"/>
+                      </a:endParaRPr>
+                    </a:p>
+                  </a:txBody>
+                  <a:tcPr marL="8753" marR="8753" marT="8753" marB="0" anchor="ctr"/>
+                </a:tc>
+                <a:tc>
+                  <a:txBody>
+                    <a:bodyPr/>
+                    <a:lstStyle/>
+                    <a:p>
+                      <a:pPr algn="ctr" fontAlgn="ctr"/>
+                      <a:r>
+                        <a:rPr lang="en-US" sz="1700" u="none" strike="noStrike">
+                          <a:effectLst/>
+                          <a:latin typeface="Palatino Linotype" panose="02040502050505030304" pitchFamily="18" charset="0"/>
+                        </a:rPr>
+                        <a:t> </a:t>
+                      </a:r>
+                      <a:endParaRPr lang="en-US" sz="1700" b="0" i="0" u="none" strike="noStrike">
+                        <a:solidFill>
+                          <a:srgbClr val="000000"/>
+                        </a:solidFill>
+                        <a:effectLst/>
+                        <a:latin typeface="Palatino Linotype" panose="02040502050505030304" pitchFamily="18" charset="0"/>
+                      </a:endParaRPr>
+                    </a:p>
+                  </a:txBody>
+                  <a:tcPr marL="8753" marR="8753" marT="8753" marB="0" anchor="ctr"/>
+                </a:tc>
+                <a:tc>
+                  <a:txBody>
+                    <a:bodyPr/>
+                    <a:lstStyle/>
+                    <a:p>
+                      <a:pPr algn="ctr" fontAlgn="ctr"/>
+                      <a:r>
+                        <a:rPr lang="en-US" sz="1700" u="none" strike="noStrike">
+                          <a:effectLst/>
+                          <a:latin typeface="Palatino Linotype" panose="02040502050505030304" pitchFamily="18" charset="0"/>
+                        </a:rPr>
+                        <a:t>32</a:t>
+                      </a:r>
+                      <a:endParaRPr lang="en-US" sz="1700" b="0" i="0" u="none" strike="noStrike">
+                        <a:solidFill>
+                          <a:srgbClr val="000000"/>
+                        </a:solidFill>
+                        <a:effectLst/>
+                        <a:latin typeface="Palatino Linotype" panose="02040502050505030304" pitchFamily="18" charset="0"/>
+                      </a:endParaRPr>
+                    </a:p>
+                  </a:txBody>
+                  <a:tcPr marL="8753" marR="8753" marT="8753" marB="0" anchor="ctr"/>
+                </a:tc>
+                <a:tc>
+                  <a:txBody>
+                    <a:bodyPr/>
+                    <a:lstStyle/>
+                    <a:p>
+                      <a:pPr algn="ctr" fontAlgn="ctr"/>
+                      <a:r>
+                        <a:rPr lang="en-US" sz="1700" u="none" strike="noStrike">
+                          <a:effectLst/>
+                          <a:latin typeface="Palatino Linotype" panose="02040502050505030304" pitchFamily="18" charset="0"/>
+                        </a:rPr>
+                        <a:t> </a:t>
+                      </a:r>
+                      <a:endParaRPr lang="en-US" sz="1700" b="0" i="0" u="none" strike="noStrike">
+                        <a:solidFill>
+                          <a:srgbClr val="000000"/>
+                        </a:solidFill>
+                        <a:effectLst/>
+                        <a:latin typeface="Palatino Linotype" panose="02040502050505030304" pitchFamily="18" charset="0"/>
+                      </a:endParaRPr>
+                    </a:p>
+                  </a:txBody>
+                  <a:tcPr marL="8753" marR="8753" marT="8753" marB="0" anchor="ctr"/>
+                </a:tc>
+                <a:tc>
+                  <a:txBody>
+                    <a:bodyPr/>
+                    <a:lstStyle/>
+                    <a:p>
+                      <a:pPr algn="ctr" fontAlgn="ctr"/>
+                      <a:r>
+                        <a:rPr lang="en-US" sz="1700" u="none" strike="noStrike">
+                          <a:effectLst/>
+                          <a:latin typeface="Palatino Linotype" panose="02040502050505030304" pitchFamily="18" charset="0"/>
+                        </a:rPr>
+                        <a:t>370</a:t>
+                      </a:r>
+                      <a:endParaRPr lang="en-US" sz="1700" b="0" i="0" u="none" strike="noStrike">
+                        <a:solidFill>
+                          <a:srgbClr val="000000"/>
+                        </a:solidFill>
+                        <a:effectLst/>
+                        <a:latin typeface="Palatino Linotype" panose="02040502050505030304" pitchFamily="18" charset="0"/>
+                      </a:endParaRPr>
+                    </a:p>
+                  </a:txBody>
+                  <a:tcPr marL="8753" marR="8753" marT="8753" marB="0" anchor="ctr"/>
+                </a:tc>
+                <a:tc>
+                  <a:txBody>
+                    <a:bodyPr/>
+                    <a:lstStyle/>
+                    <a:p>
+                      <a:pPr algn="ctr" fontAlgn="b"/>
+                      <a:r>
+                        <a:rPr lang="en-US" sz="1700" u="none" strike="noStrike">
+                          <a:effectLst/>
+                          <a:latin typeface="Palatino Linotype" panose="02040502050505030304" pitchFamily="18" charset="0"/>
+                        </a:rPr>
+                        <a:t> </a:t>
+                      </a:r>
+                      <a:endParaRPr lang="en-US" sz="1700" b="0" i="0" u="none" strike="noStrike">
+                        <a:solidFill>
+                          <a:srgbClr val="000000"/>
+                        </a:solidFill>
+                        <a:effectLst/>
+                        <a:latin typeface="Palatino Linotype" panose="02040502050505030304" pitchFamily="18" charset="0"/>
+                      </a:endParaRPr>
+                    </a:p>
+                  </a:txBody>
+                  <a:tcPr marL="8753" marR="8753" marT="8753" marB="0" anchor="b"/>
+                </a:tc>
+                <a:tc>
+                  <a:txBody>
+                    <a:bodyPr/>
+                    <a:lstStyle/>
+                    <a:p>
+                      <a:pPr algn="ctr" fontAlgn="b"/>
+                      <a:r>
+                        <a:rPr lang="en-US" sz="1700" u="none" strike="noStrike">
+                          <a:effectLst/>
+                          <a:latin typeface="Palatino Linotype" panose="02040502050505030304" pitchFamily="18" charset="0"/>
+                        </a:rPr>
+                        <a:t>18</a:t>
+                      </a:r>
+                      <a:endParaRPr lang="en-US" sz="1700" b="0" i="0" u="none" strike="noStrike">
+                        <a:solidFill>
+                          <a:srgbClr val="000000"/>
+                        </a:solidFill>
+                        <a:effectLst/>
+                        <a:latin typeface="Palatino Linotype" panose="02040502050505030304" pitchFamily="18" charset="0"/>
+                      </a:endParaRPr>
+                    </a:p>
+                  </a:txBody>
+                  <a:tcPr marL="8753" marR="8753" marT="8753" marB="0" anchor="b"/>
+                </a:tc>
+                <a:tc>
+                  <a:txBody>
+                    <a:bodyPr/>
+                    <a:lstStyle/>
+                    <a:p>
+                      <a:pPr algn="ctr" fontAlgn="ctr"/>
+                      <a:r>
+                        <a:rPr lang="en-US" sz="1700" u="none" strike="noStrike">
+                          <a:effectLst/>
+                          <a:latin typeface="Palatino Linotype" panose="02040502050505030304" pitchFamily="18" charset="0"/>
+                        </a:rPr>
+                        <a:t>1,000</a:t>
+                      </a:r>
+                      <a:endParaRPr lang="en-US" sz="1700" b="0" i="0" u="none" strike="noStrike">
+                        <a:solidFill>
+                          <a:srgbClr val="000000"/>
+                        </a:solidFill>
+                        <a:effectLst/>
+                        <a:latin typeface="Palatino Linotype" panose="02040502050505030304" pitchFamily="18" charset="0"/>
+                      </a:endParaRPr>
+                    </a:p>
+                  </a:txBody>
+                  <a:tcPr marL="8753" marR="8753" marT="8753" marB="0" anchor="ctr"/>
+                </a:tc>
+                <a:tc>
+                  <a:txBody>
+                    <a:bodyPr/>
+                    <a:lstStyle/>
+                    <a:p>
+                      <a:pPr algn="ctr" fontAlgn="b"/>
+                      <a:r>
+                        <a:rPr lang="en-US" sz="1700" u="none" strike="noStrike">
+                          <a:effectLst/>
+                          <a:latin typeface="Palatino Linotype" panose="02040502050505030304" pitchFamily="18" charset="0"/>
+                        </a:rPr>
+                        <a:t>50</a:t>
+                      </a:r>
+                      <a:endParaRPr lang="en-US" sz="1700" b="0" i="0" u="none" strike="noStrike">
+                        <a:solidFill>
+                          <a:srgbClr val="000000"/>
+                        </a:solidFill>
+                        <a:effectLst/>
+                        <a:latin typeface="Palatino Linotype" panose="02040502050505030304" pitchFamily="18" charset="0"/>
+                      </a:endParaRPr>
+                    </a:p>
+                  </a:txBody>
+                  <a:tcPr marL="8753" marR="8753" marT="8753" marB="0" anchor="b"/>
+                </a:tc>
+                <a:tc>
+                  <a:txBody>
+                    <a:bodyPr/>
+                    <a:lstStyle/>
+                    <a:p>
+                      <a:pPr algn="ctr" fontAlgn="b"/>
+                      <a:r>
+                        <a:rPr lang="en-US" sz="1700" u="none" strike="noStrike">
+                          <a:effectLst/>
+                          <a:latin typeface="Palatino Linotype" panose="02040502050505030304" pitchFamily="18" charset="0"/>
+                        </a:rPr>
+                        <a:t>35</a:t>
+                      </a:r>
+                      <a:endParaRPr lang="en-US" sz="1700" b="0" i="0" u="none" strike="noStrike">
+                        <a:solidFill>
+                          <a:srgbClr val="000000"/>
+                        </a:solidFill>
+                        <a:effectLst/>
+                        <a:latin typeface="Palatino Linotype" panose="02040502050505030304" pitchFamily="18" charset="0"/>
+                      </a:endParaRPr>
+                    </a:p>
+                  </a:txBody>
+                  <a:tcPr marL="8753" marR="8753" marT="8753" marB="0" anchor="b"/>
+                </a:tc>
+                <a:tc>
+                  <a:txBody>
+                    <a:bodyPr/>
+                    <a:lstStyle/>
+                    <a:p>
+                      <a:pPr algn="ctr" fontAlgn="b"/>
+                      <a:r>
+                        <a:rPr lang="en-US" sz="1700" u="none" strike="noStrike" dirty="0">
+                          <a:effectLst/>
+                          <a:latin typeface="Palatino Linotype" panose="02040502050505030304" pitchFamily="18" charset="0"/>
+                        </a:rPr>
+                        <a:t>18</a:t>
+                      </a:r>
+                      <a:endParaRPr lang="en-US" sz="1700" b="0" i="0" u="none" strike="noStrike" dirty="0">
+                        <a:solidFill>
+                          <a:srgbClr val="000000"/>
+                        </a:solidFill>
+                        <a:effectLst/>
+                        <a:latin typeface="Palatino Linotype" panose="02040502050505030304" pitchFamily="18" charset="0"/>
+                      </a:endParaRPr>
+                    </a:p>
+                  </a:txBody>
+                  <a:tcPr marL="8753" marR="8753" marT="8753" marB="0" anchor="b"/>
+                </a:tc>
+                <a:extLst>
+                  <a:ext uri="{0D108BD9-81ED-4DB2-BD59-A6C34878D82A}">
+                    <a16:rowId xmlns:a16="http://schemas.microsoft.com/office/drawing/2014/main" val="4219146634"/>
                   </a:ext>
                 </a:extLst>
               </a:tr>
@@ -6409,10 +9884,49 @@
           </a:graphicData>
         </a:graphic>
       </p:graphicFrame>
+      <p:sp>
+        <p:nvSpPr>
+          <p:cNvPr id="6" name="Rectangle 5">
+            <a:extLst>
+              <a:ext uri="{FF2B5EF4-FFF2-40B4-BE49-F238E27FC236}">
+                <a16:creationId xmlns:a16="http://schemas.microsoft.com/office/drawing/2014/main" id="{0230C3F4-2FF3-B642-998C-89C435CA7078}"/>
+              </a:ext>
+            </a:extLst>
+          </p:cNvPr>
+          <p:cNvSpPr/>
+          <p:nvPr/>
+        </p:nvSpPr>
+        <p:spPr>
+          <a:xfrm>
+            <a:off x="2917371" y="5590448"/>
+            <a:ext cx="6357257" cy="400110"/>
+          </a:xfrm>
+          <a:prstGeom prst="rect">
+            <a:avLst/>
+          </a:prstGeom>
+        </p:spPr>
+        <p:txBody>
+          <a:bodyPr wrap="square">
+            <a:spAutoFit/>
+          </a:bodyPr>
+          <a:lstStyle/>
+          <a:p>
+            <a:r>
+              <a:rPr lang="en-US" sz="2000" dirty="0">
+                <a:latin typeface="Palatino Linotype" panose="02040502050505030304" pitchFamily="18" charset="0"/>
+              </a:rPr>
+              <a:t>See spreadsheets (incomplete and complete) for details</a:t>
+            </a:r>
+            <a:endParaRPr lang="en-GB" sz="2000" dirty="0">
+              <a:latin typeface="Palatino Linotype" panose="02040502050505030304" pitchFamily="18" charset="0"/>
+            </a:endParaRPr>
+          </a:p>
+        </p:txBody>
+      </p:sp>
     </p:spTree>
     <p:extLst>
       <p:ext uri="{BB962C8B-B14F-4D97-AF65-F5344CB8AC3E}">
-        <p14:creationId xmlns:p14="http://schemas.microsoft.com/office/powerpoint/2010/main" val="2395762002"/>
+        <p14:creationId xmlns:p14="http://schemas.microsoft.com/office/powerpoint/2010/main" val="2568599822"/>
       </p:ext>
     </p:extLst>
   </p:cSld>
@@ -6422,7 +9936,7 @@
 </p:sld>
 </file>
 
-<file path=ppt/slides/slide17.xml><?xml version="1.0" encoding="utf-8"?>
+<file path=ppt/slides/slide19.xml><?xml version="1.0" encoding="utf-8"?>
 <p:sld xmlns:a="http://schemas.openxmlformats.org/drawingml/2006/main" xmlns:r="http://schemas.openxmlformats.org/officeDocument/2006/relationships" xmlns:p="http://schemas.openxmlformats.org/presentationml/2006/main" showMasterSp="0">
   <p:cSld>
     <p:spTree>
@@ -6507,7 +10021,7 @@
             <a:r>
               <a:rPr lang="en-US" sz="2400" dirty="0">
                 <a:solidFill>
-                  <a:srgbClr val="FF0000"/>
+                  <a:srgbClr val="F6726E"/>
                 </a:solidFill>
               </a:rPr>
               <a:t>markets</a:t>
@@ -6522,7 +10036,7 @@
             <a:r>
               <a:rPr lang="en-US" sz="2400" dirty="0">
                 <a:solidFill>
-                  <a:srgbClr val="FF0000"/>
+                  <a:srgbClr val="F6726E"/>
                 </a:solidFill>
               </a:rPr>
               <a:t>learning by doing</a:t>
@@ -6557,153 +10071,6 @@
     <p:extLst>
       <p:ext uri="{BB962C8B-B14F-4D97-AF65-F5344CB8AC3E}">
         <p14:creationId xmlns:p14="http://schemas.microsoft.com/office/powerpoint/2010/main" val="1485693909"/>
-      </p:ext>
-    </p:extLst>
-  </p:cSld>
-  <p:clrMapOvr>
-    <a:masterClrMapping/>
-  </p:clrMapOvr>
-</p:sld>
-</file>
-
-<file path=ppt/slides/slide18.xml><?xml version="1.0" encoding="utf-8"?>
-<p:sld xmlns:a="http://schemas.openxmlformats.org/drawingml/2006/main" xmlns:r="http://schemas.openxmlformats.org/officeDocument/2006/relationships" xmlns:p="http://schemas.openxmlformats.org/presentationml/2006/main" showMasterSp="0">
-  <p:cSld>
-    <p:spTree>
-      <p:nvGrpSpPr>
-        <p:cNvPr id="1" name=""/>
-        <p:cNvGrpSpPr/>
-        <p:nvPr/>
-      </p:nvGrpSpPr>
-      <p:grpSpPr>
-        <a:xfrm>
-          <a:off x="0" y="0"/>
-          <a:ext cx="0" cy="0"/>
-          <a:chOff x="0" y="0"/>
-          <a:chExt cx="0" cy="0"/>
-        </a:xfrm>
-      </p:grpSpPr>
-      <p:sp>
-        <p:nvSpPr>
-          <p:cNvPr id="2" name="Title 1"/>
-          <p:cNvSpPr>
-            <a:spLocks noGrp="1"/>
-          </p:cNvSpPr>
-          <p:nvPr>
-            <p:ph type="title"/>
-          </p:nvPr>
-        </p:nvSpPr>
-        <p:spPr/>
-        <p:txBody>
-          <a:bodyPr/>
-          <a:lstStyle/>
-          <a:p>
-            <a:r>
-              <a:rPr lang="en-US" dirty="0"/>
-              <a:t>Incomplete Specialization</a:t>
-            </a:r>
-          </a:p>
-        </p:txBody>
-      </p:sp>
-      <p:sp>
-        <p:nvSpPr>
-          <p:cNvPr id="3" name="Content Placeholder 2"/>
-          <p:cNvSpPr>
-            <a:spLocks noGrp="1"/>
-          </p:cNvSpPr>
-          <p:nvPr>
-            <p:ph idx="1"/>
-          </p:nvPr>
-        </p:nvSpPr>
-        <p:spPr/>
-        <p:txBody>
-          <a:bodyPr>
-            <a:normAutofit/>
-          </a:bodyPr>
-          <a:lstStyle/>
-          <a:p>
-            <a:pPr marL="457200" indent="-457200"/>
-            <a:r>
-              <a:rPr lang="en-US" dirty="0"/>
-              <a:t>The Greta-Carlos example involves </a:t>
-            </a:r>
-            <a:r>
-              <a:rPr lang="en-US" dirty="0">
-                <a:solidFill>
-                  <a:srgbClr val="FF0000"/>
-                </a:solidFill>
-              </a:rPr>
-              <a:t>complete specialization</a:t>
-            </a:r>
-          </a:p>
-          <a:p>
-            <a:pPr marL="457200" indent="-457200"/>
-            <a:r>
-              <a:rPr lang="en-US" dirty="0"/>
-              <a:t>But what if complete specialization results in lower output of one good?</a:t>
-            </a:r>
-          </a:p>
-          <a:p>
-            <a:pPr marL="457200" indent="-457200"/>
-            <a:r>
-              <a:rPr lang="en-US" dirty="0"/>
-              <a:t>Suppose Greta spends 60% of her time on apples, 40% on wheat</a:t>
-            </a:r>
-          </a:p>
-          <a:p>
-            <a:pPr marL="457200" indent="-457200"/>
-            <a:r>
-              <a:rPr lang="en-US" dirty="0"/>
-              <a:t>And Carlos spends 50% of his time on apples, 50% on wheat</a:t>
-            </a:r>
-          </a:p>
-          <a:p>
-            <a:pPr marL="457200" indent="-457200"/>
-            <a:r>
-              <a:rPr lang="en-US" dirty="0"/>
-              <a:t>Under self-sufficiency how many apples are produced?</a:t>
-            </a:r>
-          </a:p>
-          <a:p>
-            <a:pPr marL="457200" indent="-457200"/>
-            <a:r>
-              <a:rPr lang="en-US" dirty="0"/>
-              <a:t>How many are produced under complete specialization?  </a:t>
-            </a:r>
-          </a:p>
-          <a:p>
-            <a:pPr marL="457200" indent="-457200"/>
-            <a:r>
-              <a:rPr lang="en-US" dirty="0"/>
-              <a:t>Can we improve on self-sufficiency with </a:t>
-            </a:r>
-            <a:r>
-              <a:rPr lang="en-US" dirty="0">
-                <a:solidFill>
-                  <a:srgbClr val="FF0000"/>
-                </a:solidFill>
-              </a:rPr>
-              <a:t>incomplete specialization</a:t>
-            </a:r>
-            <a:r>
-              <a:rPr lang="en-US" dirty="0"/>
-              <a:t>? </a:t>
-            </a:r>
-          </a:p>
-          <a:p>
-            <a:pPr marL="457200" indent="-457200"/>
-            <a:endParaRPr lang="en-US" dirty="0"/>
-          </a:p>
-          <a:p>
-            <a:pPr marL="457200" indent="-457200"/>
-            <a:endParaRPr lang="en-US" dirty="0"/>
-          </a:p>
-        </p:txBody>
-      </p:sp>
-    </p:spTree>
-    <p:extLst>
-      <p:ext uri="{BB962C8B-B14F-4D97-AF65-F5344CB8AC3E}">
-        <p14:creationId xmlns:p14="http://schemas.microsoft.com/office/powerpoint/2010/main" val="1685456026"/>
       </p:ext>
     </p:extLst>
   </p:cSld>
@@ -6807,7 +10174,9 @@
             <a:endParaRPr lang="en-US" sz="2400" dirty="0"/>
           </a:p>
           <a:p>
-            <a:pPr marL="457200" indent="-457200"/>
+            <a:pPr marL="0" indent="0">
+              <a:buNone/>
+            </a:pPr>
             <a:endParaRPr lang="en-US" sz="2400" dirty="0"/>
           </a:p>
           <a:p>
@@ -6832,7 +10201,7 @@
             </a:r>
             <a:r>
               <a:rPr lang="en-US" sz="2400" dirty="0"/>
-              <a:t>Units 1.6 to 1.12</a:t>
+              <a:t>Units 1.6 to 1.8</a:t>
             </a:r>
           </a:p>
           <a:p>
@@ -6855,6 +10224,200 @@
     <p:extLst>
       <p:ext uri="{BB962C8B-B14F-4D97-AF65-F5344CB8AC3E}">
         <p14:creationId xmlns:p14="http://schemas.microsoft.com/office/powerpoint/2010/main" val="4277284896"/>
+      </p:ext>
+    </p:extLst>
+  </p:cSld>
+  <p:clrMapOvr>
+    <a:masterClrMapping/>
+  </p:clrMapOvr>
+</p:sld>
+</file>
+
+<file path=ppt/slides/slide20.xml><?xml version="1.0" encoding="utf-8"?>
+<p:sld xmlns:a="http://schemas.openxmlformats.org/drawingml/2006/main" xmlns:r="http://schemas.openxmlformats.org/officeDocument/2006/relationships" xmlns:p="http://schemas.openxmlformats.org/presentationml/2006/main" showMasterSp="0">
+  <p:cSld>
+    <p:spTree>
+      <p:nvGrpSpPr>
+        <p:cNvPr id="1" name=""/>
+        <p:cNvGrpSpPr/>
+        <p:nvPr/>
+      </p:nvGrpSpPr>
+      <p:grpSpPr>
+        <a:xfrm>
+          <a:off x="0" y="0"/>
+          <a:ext cx="0" cy="0"/>
+          <a:chOff x="0" y="0"/>
+          <a:chExt cx="0" cy="0"/>
+        </a:xfrm>
+      </p:grpSpPr>
+      <p:sp>
+        <p:nvSpPr>
+          <p:cNvPr id="2" name="Title 1"/>
+          <p:cNvSpPr>
+            <a:spLocks noGrp="1"/>
+          </p:cNvSpPr>
+          <p:nvPr>
+            <p:ph type="title"/>
+          </p:nvPr>
+        </p:nvSpPr>
+        <p:spPr/>
+        <p:txBody>
+          <a:bodyPr/>
+          <a:lstStyle/>
+          <a:p>
+            <a:r>
+              <a:rPr lang="en-US" dirty="0"/>
+              <a:t>Incomplete Specialization</a:t>
+            </a:r>
+          </a:p>
+        </p:txBody>
+      </p:sp>
+      <p:sp>
+        <p:nvSpPr>
+          <p:cNvPr id="3" name="Content Placeholder 2"/>
+          <p:cNvSpPr>
+            <a:spLocks noGrp="1"/>
+          </p:cNvSpPr>
+          <p:nvPr>
+            <p:ph idx="1"/>
+          </p:nvPr>
+        </p:nvSpPr>
+        <p:spPr/>
+        <p:txBody>
+          <a:bodyPr>
+            <a:normAutofit/>
+          </a:bodyPr>
+          <a:lstStyle/>
+          <a:p>
+            <a:pPr marL="457200" indent="-457200"/>
+            <a:r>
+              <a:rPr lang="en-US" dirty="0"/>
+              <a:t>The Greta-Carlos example involves </a:t>
+            </a:r>
+            <a:r>
+              <a:rPr lang="en-US" dirty="0">
+                <a:solidFill>
+                  <a:srgbClr val="F6726E"/>
+                </a:solidFill>
+              </a:rPr>
+              <a:t>complete specialization</a:t>
+            </a:r>
+          </a:p>
+          <a:p>
+            <a:pPr marL="457200" indent="-457200"/>
+            <a:r>
+              <a:rPr lang="en-US" dirty="0"/>
+              <a:t>But what if complete specialization results in lower output of one good?</a:t>
+            </a:r>
+          </a:p>
+          <a:p>
+            <a:pPr marL="457200" indent="-457200"/>
+            <a:r>
+              <a:rPr lang="en-US" dirty="0"/>
+              <a:t>Suppose Greta spends 60% of her time on apples, 40% on wheat</a:t>
+            </a:r>
+          </a:p>
+          <a:p>
+            <a:pPr marL="457200" indent="-457200"/>
+            <a:r>
+              <a:rPr lang="en-US" dirty="0"/>
+              <a:t>And Carlos spends 50% of his time on apples, 50% on wheat</a:t>
+            </a:r>
+          </a:p>
+          <a:p>
+            <a:pPr marL="457200" indent="-457200"/>
+            <a:r>
+              <a:rPr lang="en-US" dirty="0"/>
+              <a:t>Under self-sufficiency how many apples are produced?</a:t>
+            </a:r>
+          </a:p>
+          <a:p>
+            <a:pPr marL="457200" indent="-457200"/>
+            <a:r>
+              <a:rPr lang="en-US" dirty="0"/>
+              <a:t>How many are produced under complete specialization? </a:t>
+            </a:r>
+          </a:p>
+          <a:p>
+            <a:pPr marL="457200" indent="-457200"/>
+            <a:r>
+              <a:rPr lang="en-US" dirty="0"/>
+              <a:t>Can we improve on self-sufficiency with </a:t>
+            </a:r>
+            <a:r>
+              <a:rPr lang="en-US" dirty="0">
+                <a:solidFill>
+                  <a:srgbClr val="F6726E"/>
+                </a:solidFill>
+              </a:rPr>
+              <a:t>incomplete specialization</a:t>
+            </a:r>
+            <a:r>
+              <a:rPr lang="en-US" dirty="0"/>
+              <a:t>? </a:t>
+            </a:r>
+          </a:p>
+          <a:p>
+            <a:pPr marL="457200" indent="-457200"/>
+            <a:r>
+              <a:rPr lang="en-US" dirty="0"/>
+              <a:t>At what </a:t>
+            </a:r>
+            <a:r>
+              <a:rPr lang="en-US" dirty="0">
+                <a:solidFill>
+                  <a:srgbClr val="F6726E"/>
+                </a:solidFill>
+              </a:rPr>
+              <a:t>prices</a:t>
+            </a:r>
+            <a:r>
+              <a:rPr lang="en-US" dirty="0"/>
+              <a:t> and </a:t>
+            </a:r>
+            <a:r>
+              <a:rPr lang="en-US" dirty="0">
+                <a:solidFill>
+                  <a:srgbClr val="F6726E"/>
+                </a:solidFill>
+              </a:rPr>
+              <a:t>quantities</a:t>
+            </a:r>
+            <a:r>
+              <a:rPr lang="en-US" dirty="0"/>
+              <a:t> can </a:t>
+            </a:r>
+            <a:r>
+              <a:rPr lang="en-US" dirty="0">
+                <a:solidFill>
+                  <a:srgbClr val="F6726E"/>
+                </a:solidFill>
+              </a:rPr>
+              <a:t>trade</a:t>
+            </a:r>
+            <a:r>
+              <a:rPr lang="en-US" dirty="0"/>
+              <a:t> occur?  </a:t>
+            </a:r>
+          </a:p>
+          <a:p>
+            <a:pPr marL="457200" indent="-457200"/>
+            <a:endParaRPr lang="en-US" dirty="0"/>
+          </a:p>
+          <a:p>
+            <a:pPr marL="457200" indent="-457200"/>
+            <a:endParaRPr lang="en-US" dirty="0"/>
+          </a:p>
+          <a:p>
+            <a:pPr marL="457200" indent="-457200"/>
+            <a:endParaRPr lang="en-US" dirty="0"/>
+          </a:p>
+        </p:txBody>
+      </p:sp>
+    </p:spTree>
+    <p:extLst>
+      <p:ext uri="{BB962C8B-B14F-4D97-AF65-F5344CB8AC3E}">
+        <p14:creationId xmlns:p14="http://schemas.microsoft.com/office/powerpoint/2010/main" val="1685456026"/>
       </p:ext>
     </p:extLst>
   </p:cSld>
@@ -7004,7 +10567,7 @@
             <a:r>
               <a:rPr lang="en-US" sz="2400" dirty="0">
                 <a:solidFill>
-                  <a:srgbClr val="FF0000"/>
+                  <a:srgbClr val="F6726E"/>
                 </a:solidFill>
               </a:rPr>
               <a:t>economic system</a:t>
@@ -7028,7 +10591,7 @@
             <a:r>
               <a:rPr lang="en-US" sz="2400" dirty="0">
                 <a:solidFill>
-                  <a:srgbClr val="FF0000"/>
+                  <a:srgbClr val="F6726E"/>
                 </a:solidFill>
               </a:rPr>
               <a:t>production</a:t>
@@ -7040,12 +10603,11 @@
             <a:r>
               <a:rPr lang="en-US" sz="2400" dirty="0">
                 <a:solidFill>
-                  <a:srgbClr val="FF0000"/>
+                  <a:srgbClr val="F6726E"/>
                 </a:solidFill>
               </a:rPr>
               <a:t>distribution</a:t>
             </a:r>
-            <a:endParaRPr lang="en-US" sz="2400" dirty="0"/>
           </a:p>
           <a:p>
             <a:r>
@@ -7067,7 +10629,7 @@
             <a:r>
               <a:rPr lang="en-US" sz="2400" dirty="0">
                 <a:solidFill>
-                  <a:srgbClr val="FF0000"/>
+                  <a:srgbClr val="F6726E"/>
                 </a:solidFill>
               </a:rPr>
               <a:t>private property</a:t>
@@ -7079,7 +10641,7 @@
             <a:r>
               <a:rPr lang="en-US" sz="2400" dirty="0">
                 <a:solidFill>
-                  <a:srgbClr val="FF0000"/>
+                  <a:srgbClr val="F6726E"/>
                 </a:solidFill>
               </a:rPr>
               <a:t>markets</a:t>
@@ -7091,7 +10653,7 @@
             <a:r>
               <a:rPr lang="en-US" sz="2400" dirty="0">
                 <a:solidFill>
-                  <a:srgbClr val="FF0000"/>
+                  <a:srgbClr val="F6726E"/>
                 </a:solidFill>
               </a:rPr>
               <a:t>firms</a:t>
@@ -7257,7 +10819,7 @@
             <a:r>
               <a:rPr lang="en-US" sz="2400" dirty="0">
                 <a:solidFill>
-                  <a:srgbClr val="FF0000"/>
+                  <a:srgbClr val="F6726E"/>
                 </a:solidFill>
               </a:rPr>
               <a:t>sole proprietorships</a:t>
@@ -7265,6 +10827,102 @@
             <a:r>
               <a:rPr lang="en-US" sz="2400" dirty="0"/>
               <a:t>, </a:t>
+            </a:r>
+            <a:r>
+              <a:rPr lang="en-US" sz="2400" dirty="0">
+                <a:solidFill>
+                  <a:srgbClr val="F6726E"/>
+                </a:solidFill>
+              </a:rPr>
+              <a:t>partnerships</a:t>
+            </a:r>
+            <a:r>
+              <a:rPr lang="en-US" sz="2400" dirty="0"/>
+              <a:t>, and </a:t>
+            </a:r>
+            <a:r>
+              <a:rPr lang="en-US" sz="2400" dirty="0">
+                <a:solidFill>
+                  <a:srgbClr val="F6726E"/>
+                </a:solidFill>
+              </a:rPr>
+              <a:t>corporations</a:t>
+            </a:r>
+          </a:p>
+          <a:p>
+            <a:r>
+              <a:rPr lang="en-US" sz="2400" dirty="0"/>
+              <a:t>Example: law firms are typically partnerships</a:t>
+            </a:r>
+          </a:p>
+          <a:p>
+            <a:r>
+              <a:rPr lang="en-US" sz="2400" dirty="0"/>
+              <a:t>Large firms (Apple, Netflix, Boeing, </a:t>
+            </a:r>
+            <a:r>
+              <a:rPr lang="en-US" sz="2400" dirty="0" err="1"/>
+              <a:t>WalMart</a:t>
+            </a:r>
+            <a:r>
+              <a:rPr lang="en-US" sz="2400" dirty="0"/>
+              <a:t>) are typically corporations</a:t>
+            </a:r>
+          </a:p>
+          <a:p>
+            <a:r>
+              <a:rPr lang="en-US" sz="2400" dirty="0"/>
+              <a:t>Corporations can have millions of owners (</a:t>
+            </a:r>
+            <a:r>
+              <a:rPr lang="en-US" sz="2400" dirty="0">
+                <a:solidFill>
+                  <a:srgbClr val="F6726E"/>
+                </a:solidFill>
+              </a:rPr>
+              <a:t>shareholders</a:t>
+            </a:r>
+            <a:r>
+              <a:rPr lang="en-US" sz="2400" dirty="0"/>
+              <a:t>)</a:t>
+            </a:r>
+          </a:p>
+          <a:p>
+            <a:r>
+              <a:rPr lang="en-US" sz="2400" dirty="0"/>
+              <a:t>Firms use </a:t>
+            </a:r>
+            <a:r>
+              <a:rPr lang="en-US" sz="2400" dirty="0">
+                <a:solidFill>
+                  <a:srgbClr val="F6726E"/>
+                </a:solidFill>
+              </a:rPr>
+              <a:t>inputs</a:t>
+            </a:r>
+            <a:r>
+              <a:rPr lang="en-US" sz="2400" dirty="0"/>
+              <a:t> to produce and sell </a:t>
+            </a:r>
+            <a:r>
+              <a:rPr lang="en-US" sz="2400" dirty="0">
+                <a:solidFill>
+                  <a:srgbClr val="F6726E"/>
+                </a:solidFill>
+              </a:rPr>
+              <a:t>outputs</a:t>
+            </a:r>
+            <a:r>
+              <a:rPr lang="en-US" sz="2400" dirty="0"/>
+              <a:t> in </a:t>
+            </a:r>
+            <a:r>
+              <a:rPr lang="en-US" sz="2400" dirty="0">
+                <a:solidFill>
+                  <a:srgbClr val="F6726E"/>
+                </a:solidFill>
+              </a:rPr>
+              <a:t>markets</a:t>
             </a:r>
             <a:r>
               <a:rPr lang="en-US" sz="2400" dirty="0">
@@ -7272,11 +10930,11 @@
                   <a:srgbClr val="FF0000"/>
                 </a:solidFill>
               </a:rPr>
-              <a:t>partnerships</a:t>
+              <a:t> </a:t>
             </a:r>
             <a:r>
               <a:rPr lang="en-US" sz="2400" dirty="0"/>
-              <a:t>, and </a:t>
+              <a:t>for</a:t>
             </a:r>
             <a:r>
               <a:rPr lang="en-US" sz="2400" dirty="0">
@@ -7284,33 +10942,35 @@
                   <a:srgbClr val="FF0000"/>
                 </a:solidFill>
               </a:rPr>
-              <a:t>corporations</a:t>
+              <a:t> </a:t>
+            </a:r>
+            <a:r>
+              <a:rPr lang="en-US" sz="2400" dirty="0">
+                <a:solidFill>
+                  <a:srgbClr val="F6726E"/>
+                </a:solidFill>
+              </a:rPr>
+              <a:t>profit</a:t>
             </a:r>
           </a:p>
           <a:p>
             <a:r>
               <a:rPr lang="en-US" sz="2400" dirty="0"/>
-              <a:t>Example: law firms are typically partnerships</a:t>
+              <a:t>Inputs are tangible (labor, equipment) or intangible (patent, copyright) </a:t>
             </a:r>
           </a:p>
           <a:p>
             <a:r>
               <a:rPr lang="en-US" sz="2400" dirty="0"/>
-              <a:t>Large firms (Apple, Netflix, Boeing, </a:t>
-            </a:r>
-            <a:r>
-              <a:rPr lang="en-US" sz="2400" dirty="0" err="1"/>
-              <a:t>WalMart</a:t>
-            </a:r>
-            <a:r>
-              <a:rPr lang="en-US" sz="2400" dirty="0"/>
-              <a:t>) are typically corporations</a:t>
-            </a:r>
-          </a:p>
-          <a:p>
-            <a:r>
-              <a:rPr lang="en-US" sz="2400" dirty="0"/>
-              <a:t>Corporations can have millions of owners (</a:t>
+              <a:t>Markets are sites (physical/virtual) where </a:t>
+            </a:r>
+            <a:r>
+              <a:rPr lang="en-US" sz="2400" dirty="0">
+                <a:solidFill>
+                  <a:srgbClr val="F6726E"/>
+                </a:solidFill>
+              </a:rPr>
+              <a:t>voluntary transactions</a:t>
             </a:r>
             <a:r>
               <a:rPr lang="en-US" sz="2400" dirty="0">
@@ -7318,81 +10978,7 @@
                   <a:srgbClr val="FF0000"/>
                 </a:solidFill>
               </a:rPr>
-              <a:t>shareholders</a:t>
-            </a:r>
-            <a:r>
-              <a:rPr lang="en-US" sz="2400" dirty="0"/>
-              <a:t>)</a:t>
-            </a:r>
-          </a:p>
-          <a:p>
-            <a:r>
-              <a:rPr lang="en-US" sz="2400" dirty="0"/>
-              <a:t>Firms use </a:t>
-            </a:r>
-            <a:r>
-              <a:rPr lang="en-US" sz="2400" dirty="0">
-                <a:solidFill>
-                  <a:srgbClr val="FF0000"/>
-                </a:solidFill>
-              </a:rPr>
-              <a:t>inputs</a:t>
-            </a:r>
-            <a:r>
-              <a:rPr lang="en-US" sz="2400" dirty="0"/>
-              <a:t> to produce and sell </a:t>
-            </a:r>
-            <a:r>
-              <a:rPr lang="en-US" sz="2400" dirty="0">
-                <a:solidFill>
-                  <a:srgbClr val="FF0000"/>
-                </a:solidFill>
-              </a:rPr>
-              <a:t>outputs</a:t>
-            </a:r>
-            <a:r>
-              <a:rPr lang="en-US" sz="2400" dirty="0"/>
-              <a:t> in </a:t>
-            </a:r>
-            <a:r>
-              <a:rPr lang="en-US" sz="2400" dirty="0">
-                <a:solidFill>
-                  <a:srgbClr val="FF0000"/>
-                </a:solidFill>
-              </a:rPr>
-              <a:t>markets </a:t>
-            </a:r>
-            <a:r>
-              <a:rPr lang="en-US" sz="2400" dirty="0"/>
-              <a:t>for</a:t>
-            </a:r>
-            <a:r>
-              <a:rPr lang="en-US" sz="2400" dirty="0">
-                <a:solidFill>
-                  <a:srgbClr val="FF0000"/>
-                </a:solidFill>
-              </a:rPr>
-              <a:t> profit</a:t>
-            </a:r>
-          </a:p>
-          <a:p>
-            <a:r>
-              <a:rPr lang="en-US" sz="2400" dirty="0"/>
-              <a:t>Inputs are tangible (labor, equipment) or intangible (patent, copyright) </a:t>
-            </a:r>
-          </a:p>
-          <a:p>
-            <a:r>
-              <a:rPr lang="en-US" sz="2400" dirty="0"/>
-              <a:t>Markets are sites (physical/virtual) where </a:t>
-            </a:r>
-            <a:r>
-              <a:rPr lang="en-US" sz="2400" dirty="0">
-                <a:solidFill>
-                  <a:srgbClr val="FF0000"/>
-                </a:solidFill>
-              </a:rPr>
-              <a:t>voluntary transactions </a:t>
+              <a:t> </a:t>
             </a:r>
             <a:r>
               <a:rPr lang="en-US" sz="2400" dirty="0"/>
@@ -7432,7 +11018,7 @@
                             </p:stCondLst>
                             <p:childTnLst>
                               <p:par>
-                                <p:cTn id="5" presetID="3" presetClass="entr" presetSubtype="10" fill="hold" nodeType="clickEffect">
+                                <p:cTn id="5" presetID="1" presetClass="entr" presetSubtype="0" fill="hold" nodeType="clickEffect">
                                   <p:stCondLst>
                                     <p:cond delay="0"/>
                                   </p:stCondLst>
@@ -7440,939 +11026,6 @@
                                     <p:set>
                                       <p:cBhvr>
                                         <p:cTn id="6" dur="1" fill="hold">
-                                          <p:stCondLst>
-                                            <p:cond delay="0"/>
-                                          </p:stCondLst>
-                                        </p:cTn>
-                                        <p:tgtEl>
-                                          <p:spTgt spid="3">
-                                            <p:txEl>
-                                              <p:pRg st="0" end="0"/>
-                                            </p:txEl>
-                                          </p:spTgt>
-                                        </p:tgtEl>
-                                        <p:attrNameLst>
-                                          <p:attrName>style.visibility</p:attrName>
-                                        </p:attrNameLst>
-                                      </p:cBhvr>
-                                      <p:to>
-                                        <p:strVal val="visible"/>
-                                      </p:to>
-                                    </p:set>
-                                    <p:animEffect transition="in" filter="blinds(horizontal)">
-                                      <p:cBhvr>
-                                        <p:cTn id="7" dur="500"/>
-                                        <p:tgtEl>
-                                          <p:spTgt spid="3">
-                                            <p:txEl>
-                                              <p:pRg st="0" end="0"/>
-                                            </p:txEl>
-                                          </p:spTgt>
-                                        </p:tgtEl>
-                                      </p:cBhvr>
-                                    </p:animEffect>
-                                  </p:childTnLst>
-                                </p:cTn>
-                              </p:par>
-                              <p:par>
-                                <p:cTn id="8" presetID="3" presetClass="entr" presetSubtype="10" fill="hold" nodeType="withEffect">
-                                  <p:stCondLst>
-                                    <p:cond delay="0"/>
-                                  </p:stCondLst>
-                                  <p:childTnLst>
-                                    <p:set>
-                                      <p:cBhvr>
-                                        <p:cTn id="9" dur="1" fill="hold">
-                                          <p:stCondLst>
-                                            <p:cond delay="0"/>
-                                          </p:stCondLst>
-                                        </p:cTn>
-                                        <p:tgtEl>
-                                          <p:spTgt spid="3">
-                                            <p:txEl>
-                                              <p:pRg st="1" end="1"/>
-                                            </p:txEl>
-                                          </p:spTgt>
-                                        </p:tgtEl>
-                                        <p:attrNameLst>
-                                          <p:attrName>style.visibility</p:attrName>
-                                        </p:attrNameLst>
-                                      </p:cBhvr>
-                                      <p:to>
-                                        <p:strVal val="visible"/>
-                                      </p:to>
-                                    </p:set>
-                                    <p:animEffect transition="in" filter="blinds(horizontal)">
-                                      <p:cBhvr>
-                                        <p:cTn id="10" dur="500"/>
-                                        <p:tgtEl>
-                                          <p:spTgt spid="3">
-                                            <p:txEl>
-                                              <p:pRg st="1" end="1"/>
-                                            </p:txEl>
-                                          </p:spTgt>
-                                        </p:tgtEl>
-                                      </p:cBhvr>
-                                    </p:animEffect>
-                                  </p:childTnLst>
-                                </p:cTn>
-                              </p:par>
-                              <p:par>
-                                <p:cTn id="11" presetID="3" presetClass="entr" presetSubtype="10" fill="hold" nodeType="withEffect">
-                                  <p:stCondLst>
-                                    <p:cond delay="0"/>
-                                  </p:stCondLst>
-                                  <p:childTnLst>
-                                    <p:set>
-                                      <p:cBhvr>
-                                        <p:cTn id="12" dur="1" fill="hold">
-                                          <p:stCondLst>
-                                            <p:cond delay="0"/>
-                                          </p:stCondLst>
-                                        </p:cTn>
-                                        <p:tgtEl>
-                                          <p:spTgt spid="3">
-                                            <p:txEl>
-                                              <p:pRg st="2" end="2"/>
-                                            </p:txEl>
-                                          </p:spTgt>
-                                        </p:tgtEl>
-                                        <p:attrNameLst>
-                                          <p:attrName>style.visibility</p:attrName>
-                                        </p:attrNameLst>
-                                      </p:cBhvr>
-                                      <p:to>
-                                        <p:strVal val="visible"/>
-                                      </p:to>
-                                    </p:set>
-                                    <p:animEffect transition="in" filter="blinds(horizontal)">
-                                      <p:cBhvr>
-                                        <p:cTn id="13" dur="500"/>
-                                        <p:tgtEl>
-                                          <p:spTgt spid="3">
-                                            <p:txEl>
-                                              <p:pRg st="2" end="2"/>
-                                            </p:txEl>
-                                          </p:spTgt>
-                                        </p:tgtEl>
-                                      </p:cBhvr>
-                                    </p:animEffect>
-                                  </p:childTnLst>
-                                </p:cTn>
-                              </p:par>
-                              <p:par>
-                                <p:cTn id="14" presetID="3" presetClass="entr" presetSubtype="10" fill="hold" nodeType="withEffect">
-                                  <p:stCondLst>
-                                    <p:cond delay="0"/>
-                                  </p:stCondLst>
-                                  <p:childTnLst>
-                                    <p:set>
-                                      <p:cBhvr>
-                                        <p:cTn id="15" dur="1" fill="hold">
-                                          <p:stCondLst>
-                                            <p:cond delay="0"/>
-                                          </p:stCondLst>
-                                        </p:cTn>
-                                        <p:tgtEl>
-                                          <p:spTgt spid="3">
-                                            <p:txEl>
-                                              <p:pRg st="3" end="3"/>
-                                            </p:txEl>
-                                          </p:spTgt>
-                                        </p:tgtEl>
-                                        <p:attrNameLst>
-                                          <p:attrName>style.visibility</p:attrName>
-                                        </p:attrNameLst>
-                                      </p:cBhvr>
-                                      <p:to>
-                                        <p:strVal val="visible"/>
-                                      </p:to>
-                                    </p:set>
-                                    <p:animEffect transition="in" filter="blinds(horizontal)">
-                                      <p:cBhvr>
-                                        <p:cTn id="16" dur="500"/>
-                                        <p:tgtEl>
-                                          <p:spTgt spid="3">
-                                            <p:txEl>
-                                              <p:pRg st="3" end="3"/>
-                                            </p:txEl>
-                                          </p:spTgt>
-                                        </p:tgtEl>
-                                      </p:cBhvr>
-                                    </p:animEffect>
-                                  </p:childTnLst>
-                                </p:cTn>
-                              </p:par>
-                              <p:par>
-                                <p:cTn id="17" presetID="3" presetClass="entr" presetSubtype="10" fill="hold" nodeType="withEffect">
-                                  <p:stCondLst>
-                                    <p:cond delay="0"/>
-                                  </p:stCondLst>
-                                  <p:childTnLst>
-                                    <p:set>
-                                      <p:cBhvr>
-                                        <p:cTn id="18" dur="1" fill="hold">
-                                          <p:stCondLst>
-                                            <p:cond delay="0"/>
-                                          </p:stCondLst>
-                                        </p:cTn>
-                                        <p:tgtEl>
-                                          <p:spTgt spid="3">
-                                            <p:txEl>
-                                              <p:pRg st="4" end="4"/>
-                                            </p:txEl>
-                                          </p:spTgt>
-                                        </p:tgtEl>
-                                        <p:attrNameLst>
-                                          <p:attrName>style.visibility</p:attrName>
-                                        </p:attrNameLst>
-                                      </p:cBhvr>
-                                      <p:to>
-                                        <p:strVal val="visible"/>
-                                      </p:to>
-                                    </p:set>
-                                    <p:animEffect transition="in" filter="blinds(horizontal)">
-                                      <p:cBhvr>
-                                        <p:cTn id="19" dur="500"/>
-                                        <p:tgtEl>
-                                          <p:spTgt spid="3">
-                                            <p:txEl>
-                                              <p:pRg st="4" end="4"/>
-                                            </p:txEl>
-                                          </p:spTgt>
-                                        </p:tgtEl>
-                                      </p:cBhvr>
-                                    </p:animEffect>
-                                  </p:childTnLst>
-                                </p:cTn>
-                              </p:par>
-                            </p:childTnLst>
-                          </p:cTn>
-                        </p:par>
-                      </p:childTnLst>
-                    </p:cTn>
-                  </p:par>
-                  <p:par>
-                    <p:cTn id="20" fill="hold">
-                      <p:stCondLst>
-                        <p:cond delay="indefinite"/>
-                      </p:stCondLst>
-                      <p:childTnLst>
-                        <p:par>
-                          <p:cTn id="21" fill="hold">
-                            <p:stCondLst>
-                              <p:cond delay="0"/>
-                            </p:stCondLst>
-                            <p:childTnLst>
-                              <p:par>
-                                <p:cTn id="22" presetID="3" presetClass="entr" presetSubtype="10" fill="hold" nodeType="clickEffect">
-                                  <p:stCondLst>
-                                    <p:cond delay="0"/>
-                                  </p:stCondLst>
-                                  <p:childTnLst>
-                                    <p:set>
-                                      <p:cBhvr>
-                                        <p:cTn id="23" dur="1" fill="hold">
-                                          <p:stCondLst>
-                                            <p:cond delay="0"/>
-                                          </p:stCondLst>
-                                        </p:cTn>
-                                        <p:tgtEl>
-                                          <p:spTgt spid="3">
-                                            <p:txEl>
-                                              <p:pRg st="5" end="5"/>
-                                            </p:txEl>
-                                          </p:spTgt>
-                                        </p:tgtEl>
-                                        <p:attrNameLst>
-                                          <p:attrName>style.visibility</p:attrName>
-                                        </p:attrNameLst>
-                                      </p:cBhvr>
-                                      <p:to>
-                                        <p:strVal val="visible"/>
-                                      </p:to>
-                                    </p:set>
-                                    <p:animEffect transition="in" filter="blinds(horizontal)">
-                                      <p:cBhvr>
-                                        <p:cTn id="24" dur="500"/>
-                                        <p:tgtEl>
-                                          <p:spTgt spid="3">
-                                            <p:txEl>
-                                              <p:pRg st="5" end="5"/>
-                                            </p:txEl>
-                                          </p:spTgt>
-                                        </p:tgtEl>
-                                      </p:cBhvr>
-                                    </p:animEffect>
-                                  </p:childTnLst>
-                                </p:cTn>
-                              </p:par>
-                              <p:par>
-                                <p:cTn id="25" presetID="3" presetClass="entr" presetSubtype="10" fill="hold" nodeType="withEffect">
-                                  <p:stCondLst>
-                                    <p:cond delay="0"/>
-                                  </p:stCondLst>
-                                  <p:childTnLst>
-                                    <p:set>
-                                      <p:cBhvr>
-                                        <p:cTn id="26" dur="1" fill="hold">
-                                          <p:stCondLst>
-                                            <p:cond delay="0"/>
-                                          </p:stCondLst>
-                                        </p:cTn>
-                                        <p:tgtEl>
-                                          <p:spTgt spid="3">
-                                            <p:txEl>
-                                              <p:pRg st="6" end="6"/>
-                                            </p:txEl>
-                                          </p:spTgt>
-                                        </p:tgtEl>
-                                        <p:attrNameLst>
-                                          <p:attrName>style.visibility</p:attrName>
-                                        </p:attrNameLst>
-                                      </p:cBhvr>
-                                      <p:to>
-                                        <p:strVal val="visible"/>
-                                      </p:to>
-                                    </p:set>
-                                    <p:animEffect transition="in" filter="blinds(horizontal)">
-                                      <p:cBhvr>
-                                        <p:cTn id="27" dur="500"/>
-                                        <p:tgtEl>
-                                          <p:spTgt spid="3">
-                                            <p:txEl>
-                                              <p:pRg st="6" end="6"/>
-                                            </p:txEl>
-                                          </p:spTgt>
-                                        </p:tgtEl>
-                                      </p:cBhvr>
-                                    </p:animEffect>
-                                  </p:childTnLst>
-                                </p:cTn>
-                              </p:par>
-                              <p:par>
-                                <p:cTn id="28" presetID="3" presetClass="entr" presetSubtype="10" fill="hold" nodeType="withEffect">
-                                  <p:stCondLst>
-                                    <p:cond delay="0"/>
-                                  </p:stCondLst>
-                                  <p:childTnLst>
-                                    <p:set>
-                                      <p:cBhvr>
-                                        <p:cTn id="29" dur="1" fill="hold">
-                                          <p:stCondLst>
-                                            <p:cond delay="0"/>
-                                          </p:stCondLst>
-                                        </p:cTn>
-                                        <p:tgtEl>
-                                          <p:spTgt spid="3">
-                                            <p:txEl>
-                                              <p:pRg st="7" end="7"/>
-                                            </p:txEl>
-                                          </p:spTgt>
-                                        </p:tgtEl>
-                                        <p:attrNameLst>
-                                          <p:attrName>style.visibility</p:attrName>
-                                        </p:attrNameLst>
-                                      </p:cBhvr>
-                                      <p:to>
-                                        <p:strVal val="visible"/>
-                                      </p:to>
-                                    </p:set>
-                                    <p:animEffect transition="in" filter="blinds(horizontal)">
-                                      <p:cBhvr>
-                                        <p:cTn id="30" dur="500"/>
-                                        <p:tgtEl>
-                                          <p:spTgt spid="3">
-                                            <p:txEl>
-                                              <p:pRg st="7" end="7"/>
-                                            </p:txEl>
-                                          </p:spTgt>
-                                        </p:tgtEl>
-                                      </p:cBhvr>
-                                    </p:animEffect>
-                                  </p:childTnLst>
-                                </p:cTn>
-                              </p:par>
-                            </p:childTnLst>
-                          </p:cTn>
-                        </p:par>
-                      </p:childTnLst>
-                    </p:cTn>
-                  </p:par>
-                  <p:par>
-                    <p:cTn id="31" fill="hold">
-                      <p:stCondLst>
-                        <p:cond delay="indefinite"/>
-                      </p:stCondLst>
-                      <p:childTnLst>
-                        <p:par>
-                          <p:cTn id="32" fill="hold">
-                            <p:stCondLst>
-                              <p:cond delay="0"/>
-                            </p:stCondLst>
-                            <p:childTnLst>
-                              <p:par>
-                                <p:cTn id="33" presetID="9" presetClass="entr" presetSubtype="0" fill="hold" nodeType="clickEffect">
-                                  <p:stCondLst>
-                                    <p:cond delay="0"/>
-                                  </p:stCondLst>
-                                  <p:childTnLst>
-                                    <p:set>
-                                      <p:cBhvr>
-                                        <p:cTn id="34" dur="1" fill="hold">
-                                          <p:stCondLst>
-                                            <p:cond delay="0"/>
-                                          </p:stCondLst>
-                                        </p:cTn>
-                                        <p:tgtEl>
-                                          <p:spTgt spid="3">
-                                            <p:txEl>
-                                              <p:pRg st="0" end="0"/>
-                                            </p:txEl>
-                                          </p:spTgt>
-                                        </p:tgtEl>
-                                        <p:attrNameLst>
-                                          <p:attrName>style.visibility</p:attrName>
-                                        </p:attrNameLst>
-                                      </p:cBhvr>
-                                      <p:to>
-                                        <p:strVal val="visible"/>
-                                      </p:to>
-                                    </p:set>
-                                    <p:animEffect transition="in" filter="dissolve">
-                                      <p:cBhvr>
-                                        <p:cTn id="35" dur="500"/>
-                                        <p:tgtEl>
-                                          <p:spTgt spid="3">
-                                            <p:txEl>
-                                              <p:pRg st="0" end="0"/>
-                                            </p:txEl>
-                                          </p:spTgt>
-                                        </p:tgtEl>
-                                      </p:cBhvr>
-                                    </p:animEffect>
-                                  </p:childTnLst>
-                                </p:cTn>
-                              </p:par>
-                              <p:par>
-                                <p:cTn id="36" presetID="9" presetClass="entr" presetSubtype="0" fill="hold" nodeType="withEffect">
-                                  <p:stCondLst>
-                                    <p:cond delay="0"/>
-                                  </p:stCondLst>
-                                  <p:childTnLst>
-                                    <p:set>
-                                      <p:cBhvr>
-                                        <p:cTn id="37" dur="1" fill="hold">
-                                          <p:stCondLst>
-                                            <p:cond delay="0"/>
-                                          </p:stCondLst>
-                                        </p:cTn>
-                                        <p:tgtEl>
-                                          <p:spTgt spid="3">
-                                            <p:txEl>
-                                              <p:pRg st="1" end="1"/>
-                                            </p:txEl>
-                                          </p:spTgt>
-                                        </p:tgtEl>
-                                        <p:attrNameLst>
-                                          <p:attrName>style.visibility</p:attrName>
-                                        </p:attrNameLst>
-                                      </p:cBhvr>
-                                      <p:to>
-                                        <p:strVal val="visible"/>
-                                      </p:to>
-                                    </p:set>
-                                    <p:animEffect transition="in" filter="dissolve">
-                                      <p:cBhvr>
-                                        <p:cTn id="38" dur="500"/>
-                                        <p:tgtEl>
-                                          <p:spTgt spid="3">
-                                            <p:txEl>
-                                              <p:pRg st="1" end="1"/>
-                                            </p:txEl>
-                                          </p:spTgt>
-                                        </p:tgtEl>
-                                      </p:cBhvr>
-                                    </p:animEffect>
-                                  </p:childTnLst>
-                                </p:cTn>
-                              </p:par>
-                              <p:par>
-                                <p:cTn id="39" presetID="9" presetClass="entr" presetSubtype="0" fill="hold" nodeType="withEffect">
-                                  <p:stCondLst>
-                                    <p:cond delay="0"/>
-                                  </p:stCondLst>
-                                  <p:childTnLst>
-                                    <p:set>
-                                      <p:cBhvr>
-                                        <p:cTn id="40" dur="1" fill="hold">
-                                          <p:stCondLst>
-                                            <p:cond delay="0"/>
-                                          </p:stCondLst>
-                                        </p:cTn>
-                                        <p:tgtEl>
-                                          <p:spTgt spid="3">
-                                            <p:txEl>
-                                              <p:pRg st="2" end="2"/>
-                                            </p:txEl>
-                                          </p:spTgt>
-                                        </p:tgtEl>
-                                        <p:attrNameLst>
-                                          <p:attrName>style.visibility</p:attrName>
-                                        </p:attrNameLst>
-                                      </p:cBhvr>
-                                      <p:to>
-                                        <p:strVal val="visible"/>
-                                      </p:to>
-                                    </p:set>
-                                    <p:animEffect transition="in" filter="dissolve">
-                                      <p:cBhvr>
-                                        <p:cTn id="41" dur="500"/>
-                                        <p:tgtEl>
-                                          <p:spTgt spid="3">
-                                            <p:txEl>
-                                              <p:pRg st="2" end="2"/>
-                                            </p:txEl>
-                                          </p:spTgt>
-                                        </p:tgtEl>
-                                      </p:cBhvr>
-                                    </p:animEffect>
-                                  </p:childTnLst>
-                                </p:cTn>
-                              </p:par>
-                              <p:par>
-                                <p:cTn id="42" presetID="9" presetClass="entr" presetSubtype="0" fill="hold" nodeType="withEffect">
-                                  <p:stCondLst>
-                                    <p:cond delay="0"/>
-                                  </p:stCondLst>
-                                  <p:childTnLst>
-                                    <p:set>
-                                      <p:cBhvr>
-                                        <p:cTn id="43" dur="1" fill="hold">
-                                          <p:stCondLst>
-                                            <p:cond delay="0"/>
-                                          </p:stCondLst>
-                                        </p:cTn>
-                                        <p:tgtEl>
-                                          <p:spTgt spid="3">
-                                            <p:txEl>
-                                              <p:pRg st="3" end="3"/>
-                                            </p:txEl>
-                                          </p:spTgt>
-                                        </p:tgtEl>
-                                        <p:attrNameLst>
-                                          <p:attrName>style.visibility</p:attrName>
-                                        </p:attrNameLst>
-                                      </p:cBhvr>
-                                      <p:to>
-                                        <p:strVal val="visible"/>
-                                      </p:to>
-                                    </p:set>
-                                    <p:animEffect transition="in" filter="dissolve">
-                                      <p:cBhvr>
-                                        <p:cTn id="44" dur="500"/>
-                                        <p:tgtEl>
-                                          <p:spTgt spid="3">
-                                            <p:txEl>
-                                              <p:pRg st="3" end="3"/>
-                                            </p:txEl>
-                                          </p:spTgt>
-                                        </p:tgtEl>
-                                      </p:cBhvr>
-                                    </p:animEffect>
-                                  </p:childTnLst>
-                                </p:cTn>
-                              </p:par>
-                              <p:par>
-                                <p:cTn id="45" presetID="9" presetClass="entr" presetSubtype="0" fill="hold" nodeType="withEffect">
-                                  <p:stCondLst>
-                                    <p:cond delay="0"/>
-                                  </p:stCondLst>
-                                  <p:childTnLst>
-                                    <p:set>
-                                      <p:cBhvr>
-                                        <p:cTn id="46" dur="1" fill="hold">
-                                          <p:stCondLst>
-                                            <p:cond delay="0"/>
-                                          </p:stCondLst>
-                                        </p:cTn>
-                                        <p:tgtEl>
-                                          <p:spTgt spid="3">
-                                            <p:txEl>
-                                              <p:pRg st="4" end="4"/>
-                                            </p:txEl>
-                                          </p:spTgt>
-                                        </p:tgtEl>
-                                        <p:attrNameLst>
-                                          <p:attrName>style.visibility</p:attrName>
-                                        </p:attrNameLst>
-                                      </p:cBhvr>
-                                      <p:to>
-                                        <p:strVal val="visible"/>
-                                      </p:to>
-                                    </p:set>
-                                    <p:animEffect transition="in" filter="dissolve">
-                                      <p:cBhvr>
-                                        <p:cTn id="47" dur="500"/>
-                                        <p:tgtEl>
-                                          <p:spTgt spid="3">
-                                            <p:txEl>
-                                              <p:pRg st="4" end="4"/>
-                                            </p:txEl>
-                                          </p:spTgt>
-                                        </p:tgtEl>
-                                      </p:cBhvr>
-                                    </p:animEffect>
-                                  </p:childTnLst>
-                                </p:cTn>
-                              </p:par>
-                            </p:childTnLst>
-                          </p:cTn>
-                        </p:par>
-                      </p:childTnLst>
-                    </p:cTn>
-                  </p:par>
-                  <p:par>
-                    <p:cTn id="48" fill="hold">
-                      <p:stCondLst>
-                        <p:cond delay="indefinite"/>
-                      </p:stCondLst>
-                      <p:childTnLst>
-                        <p:par>
-                          <p:cTn id="49" fill="hold">
-                            <p:stCondLst>
-                              <p:cond delay="0"/>
-                            </p:stCondLst>
-                            <p:childTnLst>
-                              <p:par>
-                                <p:cTn id="50" presetID="3" presetClass="entr" presetSubtype="10" fill="hold" nodeType="clickEffect">
-                                  <p:stCondLst>
-                                    <p:cond delay="0"/>
-                                  </p:stCondLst>
-                                  <p:childTnLst>
-                                    <p:set>
-                                      <p:cBhvr>
-                                        <p:cTn id="51" dur="1" fill="hold">
-                                          <p:stCondLst>
-                                            <p:cond delay="0"/>
-                                          </p:stCondLst>
-                                        </p:cTn>
-                                        <p:tgtEl>
-                                          <p:spTgt spid="3">
-                                            <p:txEl>
-                                              <p:pRg st="5" end="5"/>
-                                            </p:txEl>
-                                          </p:spTgt>
-                                        </p:tgtEl>
-                                        <p:attrNameLst>
-                                          <p:attrName>style.visibility</p:attrName>
-                                        </p:attrNameLst>
-                                      </p:cBhvr>
-                                      <p:to>
-                                        <p:strVal val="visible"/>
-                                      </p:to>
-                                    </p:set>
-                                    <p:animEffect transition="in" filter="blinds(horizontal)">
-                                      <p:cBhvr>
-                                        <p:cTn id="52" dur="500"/>
-                                        <p:tgtEl>
-                                          <p:spTgt spid="3">
-                                            <p:txEl>
-                                              <p:pRg st="5" end="5"/>
-                                            </p:txEl>
-                                          </p:spTgt>
-                                        </p:tgtEl>
-                                      </p:cBhvr>
-                                    </p:animEffect>
-                                  </p:childTnLst>
-                                </p:cTn>
-                              </p:par>
-                              <p:par>
-                                <p:cTn id="53" presetID="3" presetClass="entr" presetSubtype="10" fill="hold" nodeType="withEffect">
-                                  <p:stCondLst>
-                                    <p:cond delay="0"/>
-                                  </p:stCondLst>
-                                  <p:childTnLst>
-                                    <p:set>
-                                      <p:cBhvr>
-                                        <p:cTn id="54" dur="1" fill="hold">
-                                          <p:stCondLst>
-                                            <p:cond delay="0"/>
-                                          </p:stCondLst>
-                                        </p:cTn>
-                                        <p:tgtEl>
-                                          <p:spTgt spid="3">
-                                            <p:txEl>
-                                              <p:pRg st="6" end="6"/>
-                                            </p:txEl>
-                                          </p:spTgt>
-                                        </p:tgtEl>
-                                        <p:attrNameLst>
-                                          <p:attrName>style.visibility</p:attrName>
-                                        </p:attrNameLst>
-                                      </p:cBhvr>
-                                      <p:to>
-                                        <p:strVal val="visible"/>
-                                      </p:to>
-                                    </p:set>
-                                    <p:animEffect transition="in" filter="blinds(horizontal)">
-                                      <p:cBhvr>
-                                        <p:cTn id="55" dur="500"/>
-                                        <p:tgtEl>
-                                          <p:spTgt spid="3">
-                                            <p:txEl>
-                                              <p:pRg st="6" end="6"/>
-                                            </p:txEl>
-                                          </p:spTgt>
-                                        </p:tgtEl>
-                                      </p:cBhvr>
-                                    </p:animEffect>
-                                  </p:childTnLst>
-                                </p:cTn>
-                              </p:par>
-                              <p:par>
-                                <p:cTn id="56" presetID="3" presetClass="entr" presetSubtype="10" fill="hold" nodeType="withEffect">
-                                  <p:stCondLst>
-                                    <p:cond delay="0"/>
-                                  </p:stCondLst>
-                                  <p:childTnLst>
-                                    <p:set>
-                                      <p:cBhvr>
-                                        <p:cTn id="57" dur="1" fill="hold">
-                                          <p:stCondLst>
-                                            <p:cond delay="0"/>
-                                          </p:stCondLst>
-                                        </p:cTn>
-                                        <p:tgtEl>
-                                          <p:spTgt spid="3">
-                                            <p:txEl>
-                                              <p:pRg st="7" end="7"/>
-                                            </p:txEl>
-                                          </p:spTgt>
-                                        </p:tgtEl>
-                                        <p:attrNameLst>
-                                          <p:attrName>style.visibility</p:attrName>
-                                        </p:attrNameLst>
-                                      </p:cBhvr>
-                                      <p:to>
-                                        <p:strVal val="visible"/>
-                                      </p:to>
-                                    </p:set>
-                                    <p:animEffect transition="in" filter="blinds(horizontal)">
-                                      <p:cBhvr>
-                                        <p:cTn id="58" dur="500"/>
-                                        <p:tgtEl>
-                                          <p:spTgt spid="3">
-                                            <p:txEl>
-                                              <p:pRg st="7" end="7"/>
-                                            </p:txEl>
-                                          </p:spTgt>
-                                        </p:tgtEl>
-                                      </p:cBhvr>
-                                    </p:animEffect>
-                                  </p:childTnLst>
-                                </p:cTn>
-                              </p:par>
-                            </p:childTnLst>
-                          </p:cTn>
-                        </p:par>
-                      </p:childTnLst>
-                    </p:cTn>
-                  </p:par>
-                  <p:par>
-                    <p:cTn id="59" fill="hold">
-                      <p:stCondLst>
-                        <p:cond delay="indefinite"/>
-                      </p:stCondLst>
-                      <p:childTnLst>
-                        <p:par>
-                          <p:cTn id="60" fill="hold">
-                            <p:stCondLst>
-                              <p:cond delay="0"/>
-                            </p:stCondLst>
-                            <p:childTnLst>
-                              <p:par>
-                                <p:cTn id="61" presetID="1" presetClass="entr" presetSubtype="0" fill="hold" nodeType="clickEffect">
-                                  <p:stCondLst>
-                                    <p:cond delay="0"/>
-                                  </p:stCondLst>
-                                  <p:childTnLst>
-                                    <p:set>
-                                      <p:cBhvr>
-                                        <p:cTn id="62" dur="1" fill="hold">
-                                          <p:stCondLst>
-                                            <p:cond delay="0"/>
-                                          </p:stCondLst>
-                                        </p:cTn>
-                                        <p:tgtEl>
-                                          <p:spTgt spid="3">
-                                            <p:txEl>
-                                              <p:pRg st="0" end="0"/>
-                                            </p:txEl>
-                                          </p:spTgt>
-                                        </p:tgtEl>
-                                        <p:attrNameLst>
-                                          <p:attrName>style.visibility</p:attrName>
-                                        </p:attrNameLst>
-                                      </p:cBhvr>
-                                      <p:to>
-                                        <p:strVal val="visible"/>
-                                      </p:to>
-                                    </p:set>
-                                  </p:childTnLst>
-                                </p:cTn>
-                              </p:par>
-                              <p:par>
-                                <p:cTn id="63" presetID="1" presetClass="entr" presetSubtype="0" fill="hold" nodeType="withEffect">
-                                  <p:stCondLst>
-                                    <p:cond delay="0"/>
-                                  </p:stCondLst>
-                                  <p:childTnLst>
-                                    <p:set>
-                                      <p:cBhvr>
-                                        <p:cTn id="64" dur="1" fill="hold">
-                                          <p:stCondLst>
-                                            <p:cond delay="0"/>
-                                          </p:stCondLst>
-                                        </p:cTn>
-                                        <p:tgtEl>
-                                          <p:spTgt spid="3">
-                                            <p:txEl>
-                                              <p:pRg st="1" end="1"/>
-                                            </p:txEl>
-                                          </p:spTgt>
-                                        </p:tgtEl>
-                                        <p:attrNameLst>
-                                          <p:attrName>style.visibility</p:attrName>
-                                        </p:attrNameLst>
-                                      </p:cBhvr>
-                                      <p:to>
-                                        <p:strVal val="visible"/>
-                                      </p:to>
-                                    </p:set>
-                                  </p:childTnLst>
-                                </p:cTn>
-                              </p:par>
-                              <p:par>
-                                <p:cTn id="65" presetID="1" presetClass="entr" presetSubtype="0" fill="hold" nodeType="withEffect">
-                                  <p:stCondLst>
-                                    <p:cond delay="0"/>
-                                  </p:stCondLst>
-                                  <p:childTnLst>
-                                    <p:set>
-                                      <p:cBhvr>
-                                        <p:cTn id="66" dur="1" fill="hold">
-                                          <p:stCondLst>
-                                            <p:cond delay="0"/>
-                                          </p:stCondLst>
-                                        </p:cTn>
-                                        <p:tgtEl>
-                                          <p:spTgt spid="3">
-                                            <p:txEl>
-                                              <p:pRg st="2" end="2"/>
-                                            </p:txEl>
-                                          </p:spTgt>
-                                        </p:tgtEl>
-                                        <p:attrNameLst>
-                                          <p:attrName>style.visibility</p:attrName>
-                                        </p:attrNameLst>
-                                      </p:cBhvr>
-                                      <p:to>
-                                        <p:strVal val="visible"/>
-                                      </p:to>
-                                    </p:set>
-                                  </p:childTnLst>
-                                </p:cTn>
-                              </p:par>
-                              <p:par>
-                                <p:cTn id="67" presetID="1" presetClass="entr" presetSubtype="0" fill="hold" nodeType="withEffect">
-                                  <p:stCondLst>
-                                    <p:cond delay="0"/>
-                                  </p:stCondLst>
-                                  <p:childTnLst>
-                                    <p:set>
-                                      <p:cBhvr>
-                                        <p:cTn id="68" dur="1" fill="hold">
-                                          <p:stCondLst>
-                                            <p:cond delay="0"/>
-                                          </p:stCondLst>
-                                        </p:cTn>
-                                        <p:tgtEl>
-                                          <p:spTgt spid="3">
-                                            <p:txEl>
-                                              <p:pRg st="3" end="3"/>
-                                            </p:txEl>
-                                          </p:spTgt>
-                                        </p:tgtEl>
-                                        <p:attrNameLst>
-                                          <p:attrName>style.visibility</p:attrName>
-                                        </p:attrNameLst>
-                                      </p:cBhvr>
-                                      <p:to>
-                                        <p:strVal val="visible"/>
-                                      </p:to>
-                                    </p:set>
-                                  </p:childTnLst>
-                                </p:cTn>
-                              </p:par>
-                              <p:par>
-                                <p:cTn id="69" presetID="1" presetClass="entr" presetSubtype="0" fill="hold" nodeType="withEffect">
-                                  <p:stCondLst>
-                                    <p:cond delay="0"/>
-                                  </p:stCondLst>
-                                  <p:childTnLst>
-                                    <p:set>
-                                      <p:cBhvr>
-                                        <p:cTn id="70" dur="1" fill="hold">
-                                          <p:stCondLst>
-                                            <p:cond delay="0"/>
-                                          </p:stCondLst>
-                                        </p:cTn>
-                                        <p:tgtEl>
-                                          <p:spTgt spid="3">
-                                            <p:txEl>
-                                              <p:pRg st="4" end="4"/>
-                                            </p:txEl>
-                                          </p:spTgt>
-                                        </p:tgtEl>
-                                        <p:attrNameLst>
-                                          <p:attrName>style.visibility</p:attrName>
-                                        </p:attrNameLst>
-                                      </p:cBhvr>
-                                      <p:to>
-                                        <p:strVal val="visible"/>
-                                      </p:to>
-                                    </p:set>
-                                  </p:childTnLst>
-                                </p:cTn>
-                              </p:par>
-                            </p:childTnLst>
-                          </p:cTn>
-                        </p:par>
-                      </p:childTnLst>
-                    </p:cTn>
-                  </p:par>
-                  <p:par>
-                    <p:cTn id="71" fill="hold">
-                      <p:stCondLst>
-                        <p:cond delay="indefinite"/>
-                      </p:stCondLst>
-                      <p:childTnLst>
-                        <p:par>
-                          <p:cTn id="72" fill="hold">
-                            <p:stCondLst>
-                              <p:cond delay="0"/>
-                            </p:stCondLst>
-                            <p:childTnLst>
-                              <p:par>
-                                <p:cTn id="73" presetID="1" presetClass="entr" presetSubtype="0" fill="hold" nodeType="clickEffect">
-                                  <p:stCondLst>
-                                    <p:cond delay="0"/>
-                                  </p:stCondLst>
-                                  <p:childTnLst>
-                                    <p:set>
-                                      <p:cBhvr>
-                                        <p:cTn id="74" dur="1" fill="hold">
                                           <p:stCondLst>
                                             <p:cond delay="0"/>
                                           </p:stCondLst>
@@ -8396,14 +11049,14 @@
                                 </p:cTn>
                               </p:par>
                               <p:par>
-                                <p:cTn id="75" presetID="1" presetClass="entr" presetSubtype="0" fill="hold" nodeType="withEffect">
+                                <p:cTn id="7" presetID="1" presetClass="entr" presetSubtype="0" fill="hold" nodeType="withEffect">
                                   <p:stCondLst>
                                     <p:cond delay="0"/>
                                   </p:stCondLst>
                                   <p:childTnLst>
                                     <p:set>
                                       <p:cBhvr>
-                                        <p:cTn id="76" dur="1" fill="hold">
+                                        <p:cTn id="8" dur="1" fill="hold">
                                           <p:stCondLst>
                                             <p:cond delay="0"/>
                                           </p:stCondLst>
@@ -8427,471 +11080,14 @@
                                 </p:cTn>
                               </p:par>
                               <p:par>
-                                <p:cTn id="77" presetID="1" presetClass="entr" presetSubtype="0" fill="hold" nodeType="withEffect">
+                                <p:cTn id="9" presetID="1" presetClass="entr" presetSubtype="0" fill="hold" nodeType="withEffect">
                                   <p:stCondLst>
                                     <p:cond delay="0"/>
                                   </p:stCondLst>
                                   <p:childTnLst>
                                     <p:set>
                                       <p:cBhvr>
-                                        <p:cTn id="78" dur="1" fill="hold">
-                                          <p:stCondLst>
-                                            <p:cond delay="0"/>
-                                          </p:stCondLst>
-                                        </p:cTn>
-                                        <p:tgtEl>
-                                          <p:spTgt spid="3">
-                                            <p:txEl>
-                                              <p:pRg st="7" end="7"/>
-                                            </p:txEl>
-                                          </p:spTgt>
-                                        </p:tgtEl>
-                                        <p:attrNameLst>
-                                          <p:attrName>style.visibility</p:attrName>
-                                        </p:attrNameLst>
-                                      </p:cBhvr>
-                                      <p:to>
-                                        <p:strVal val="visible"/>
-                                      </p:to>
-                                    </p:set>
-                                  </p:childTnLst>
-                                </p:cTn>
-                              </p:par>
-                            </p:childTnLst>
-                          </p:cTn>
-                        </p:par>
-                      </p:childTnLst>
-                    </p:cTn>
-                  </p:par>
-                  <p:par>
-                    <p:cTn id="79" fill="hold">
-                      <p:stCondLst>
-                        <p:cond delay="indefinite"/>
-                      </p:stCondLst>
-                      <p:childTnLst>
-                        <p:par>
-                          <p:cTn id="80" fill="hold">
-                            <p:stCondLst>
-                              <p:cond delay="0"/>
-                            </p:stCondLst>
-                            <p:childTnLst>
-                              <p:par>
-                                <p:cTn id="81" presetID="1" presetClass="entr" presetSubtype="0" fill="hold" nodeType="clickEffect">
-                                  <p:stCondLst>
-                                    <p:cond delay="0"/>
-                                  </p:stCondLst>
-                                  <p:childTnLst>
-                                    <p:set>
-                                      <p:cBhvr>
-                                        <p:cTn id="82" dur="1" fill="hold">
-                                          <p:stCondLst>
-                                            <p:cond delay="0"/>
-                                          </p:stCondLst>
-                                        </p:cTn>
-                                        <p:tgtEl>
-                                          <p:spTgt spid="3">
-                                            <p:txEl>
-                                              <p:pRg st="0" end="0"/>
-                                            </p:txEl>
-                                          </p:spTgt>
-                                        </p:tgtEl>
-                                        <p:attrNameLst>
-                                          <p:attrName>style.visibility</p:attrName>
-                                        </p:attrNameLst>
-                                      </p:cBhvr>
-                                      <p:to>
-                                        <p:strVal val="visible"/>
-                                      </p:to>
-                                    </p:set>
-                                  </p:childTnLst>
-                                </p:cTn>
-                              </p:par>
-                              <p:par>
-                                <p:cTn id="83" presetID="1" presetClass="entr" presetSubtype="0" fill="hold" nodeType="withEffect">
-                                  <p:stCondLst>
-                                    <p:cond delay="0"/>
-                                  </p:stCondLst>
-                                  <p:childTnLst>
-                                    <p:set>
-                                      <p:cBhvr>
-                                        <p:cTn id="84" dur="1" fill="hold">
-                                          <p:stCondLst>
-                                            <p:cond delay="0"/>
-                                          </p:stCondLst>
-                                        </p:cTn>
-                                        <p:tgtEl>
-                                          <p:spTgt spid="3">
-                                            <p:txEl>
-                                              <p:pRg st="1" end="1"/>
-                                            </p:txEl>
-                                          </p:spTgt>
-                                        </p:tgtEl>
-                                        <p:attrNameLst>
-                                          <p:attrName>style.visibility</p:attrName>
-                                        </p:attrNameLst>
-                                      </p:cBhvr>
-                                      <p:to>
-                                        <p:strVal val="visible"/>
-                                      </p:to>
-                                    </p:set>
-                                  </p:childTnLst>
-                                </p:cTn>
-                              </p:par>
-                              <p:par>
-                                <p:cTn id="85" presetID="1" presetClass="entr" presetSubtype="0" fill="hold" nodeType="withEffect">
-                                  <p:stCondLst>
-                                    <p:cond delay="0"/>
-                                  </p:stCondLst>
-                                  <p:childTnLst>
-                                    <p:set>
-                                      <p:cBhvr>
-                                        <p:cTn id="86" dur="1" fill="hold">
-                                          <p:stCondLst>
-                                            <p:cond delay="0"/>
-                                          </p:stCondLst>
-                                        </p:cTn>
-                                        <p:tgtEl>
-                                          <p:spTgt spid="3">
-                                            <p:txEl>
-                                              <p:pRg st="2" end="2"/>
-                                            </p:txEl>
-                                          </p:spTgt>
-                                        </p:tgtEl>
-                                        <p:attrNameLst>
-                                          <p:attrName>style.visibility</p:attrName>
-                                        </p:attrNameLst>
-                                      </p:cBhvr>
-                                      <p:to>
-                                        <p:strVal val="visible"/>
-                                      </p:to>
-                                    </p:set>
-                                  </p:childTnLst>
-                                </p:cTn>
-                              </p:par>
-                              <p:par>
-                                <p:cTn id="87" presetID="1" presetClass="entr" presetSubtype="0" fill="hold" nodeType="withEffect">
-                                  <p:stCondLst>
-                                    <p:cond delay="0"/>
-                                  </p:stCondLst>
-                                  <p:childTnLst>
-                                    <p:set>
-                                      <p:cBhvr>
-                                        <p:cTn id="88" dur="1" fill="hold">
-                                          <p:stCondLst>
-                                            <p:cond delay="0"/>
-                                          </p:stCondLst>
-                                        </p:cTn>
-                                        <p:tgtEl>
-                                          <p:spTgt spid="3">
-                                            <p:txEl>
-                                              <p:pRg st="3" end="3"/>
-                                            </p:txEl>
-                                          </p:spTgt>
-                                        </p:tgtEl>
-                                        <p:attrNameLst>
-                                          <p:attrName>style.visibility</p:attrName>
-                                        </p:attrNameLst>
-                                      </p:cBhvr>
-                                      <p:to>
-                                        <p:strVal val="visible"/>
-                                      </p:to>
-                                    </p:set>
-                                  </p:childTnLst>
-                                </p:cTn>
-                              </p:par>
-                              <p:par>
-                                <p:cTn id="89" presetID="1" presetClass="entr" presetSubtype="0" fill="hold" nodeType="withEffect">
-                                  <p:stCondLst>
-                                    <p:cond delay="0"/>
-                                  </p:stCondLst>
-                                  <p:childTnLst>
-                                    <p:set>
-                                      <p:cBhvr>
-                                        <p:cTn id="90" dur="1" fill="hold">
-                                          <p:stCondLst>
-                                            <p:cond delay="0"/>
-                                          </p:stCondLst>
-                                        </p:cTn>
-                                        <p:tgtEl>
-                                          <p:spTgt spid="3">
-                                            <p:txEl>
-                                              <p:pRg st="4" end="4"/>
-                                            </p:txEl>
-                                          </p:spTgt>
-                                        </p:tgtEl>
-                                        <p:attrNameLst>
-                                          <p:attrName>style.visibility</p:attrName>
-                                        </p:attrNameLst>
-                                      </p:cBhvr>
-                                      <p:to>
-                                        <p:strVal val="visible"/>
-                                      </p:to>
-                                    </p:set>
-                                  </p:childTnLst>
-                                </p:cTn>
-                              </p:par>
-                            </p:childTnLst>
-                          </p:cTn>
-                        </p:par>
-                      </p:childTnLst>
-                    </p:cTn>
-                  </p:par>
-                  <p:par>
-                    <p:cTn id="91" fill="hold">
-                      <p:stCondLst>
-                        <p:cond delay="indefinite"/>
-                      </p:stCondLst>
-                      <p:childTnLst>
-                        <p:par>
-                          <p:cTn id="92" fill="hold">
-                            <p:stCondLst>
-                              <p:cond delay="0"/>
-                            </p:stCondLst>
-                            <p:childTnLst>
-                              <p:par>
-                                <p:cTn id="93" presetID="1" presetClass="entr" presetSubtype="0" fill="hold" nodeType="clickEffect">
-                                  <p:stCondLst>
-                                    <p:cond delay="0"/>
-                                  </p:stCondLst>
-                                  <p:childTnLst>
-                                    <p:set>
-                                      <p:cBhvr>
-                                        <p:cTn id="94" dur="1" fill="hold">
-                                          <p:stCondLst>
-                                            <p:cond delay="0"/>
-                                          </p:stCondLst>
-                                        </p:cTn>
-                                        <p:tgtEl>
-                                          <p:spTgt spid="3">
-                                            <p:txEl>
-                                              <p:pRg st="0" end="0"/>
-                                            </p:txEl>
-                                          </p:spTgt>
-                                        </p:tgtEl>
-                                        <p:attrNameLst>
-                                          <p:attrName>style.visibility</p:attrName>
-                                        </p:attrNameLst>
-                                      </p:cBhvr>
-                                      <p:to>
-                                        <p:strVal val="visible"/>
-                                      </p:to>
-                                    </p:set>
-                                  </p:childTnLst>
-                                </p:cTn>
-                              </p:par>
-                              <p:par>
-                                <p:cTn id="95" presetID="1" presetClass="entr" presetSubtype="0" fill="hold" nodeType="withEffect">
-                                  <p:stCondLst>
-                                    <p:cond delay="0"/>
-                                  </p:stCondLst>
-                                  <p:childTnLst>
-                                    <p:set>
-                                      <p:cBhvr>
-                                        <p:cTn id="96" dur="1" fill="hold">
-                                          <p:stCondLst>
-                                            <p:cond delay="0"/>
-                                          </p:stCondLst>
-                                        </p:cTn>
-                                        <p:tgtEl>
-                                          <p:spTgt spid="3">
-                                            <p:txEl>
-                                              <p:pRg st="1" end="1"/>
-                                            </p:txEl>
-                                          </p:spTgt>
-                                        </p:tgtEl>
-                                        <p:attrNameLst>
-                                          <p:attrName>style.visibility</p:attrName>
-                                        </p:attrNameLst>
-                                      </p:cBhvr>
-                                      <p:to>
-                                        <p:strVal val="visible"/>
-                                      </p:to>
-                                    </p:set>
-                                  </p:childTnLst>
-                                </p:cTn>
-                              </p:par>
-                              <p:par>
-                                <p:cTn id="97" presetID="1" presetClass="entr" presetSubtype="0" fill="hold" nodeType="withEffect">
-                                  <p:stCondLst>
-                                    <p:cond delay="0"/>
-                                  </p:stCondLst>
-                                  <p:childTnLst>
-                                    <p:set>
-                                      <p:cBhvr>
-                                        <p:cTn id="98" dur="1" fill="hold">
-                                          <p:stCondLst>
-                                            <p:cond delay="0"/>
-                                          </p:stCondLst>
-                                        </p:cTn>
-                                        <p:tgtEl>
-                                          <p:spTgt spid="3">
-                                            <p:txEl>
-                                              <p:pRg st="2" end="2"/>
-                                            </p:txEl>
-                                          </p:spTgt>
-                                        </p:tgtEl>
-                                        <p:attrNameLst>
-                                          <p:attrName>style.visibility</p:attrName>
-                                        </p:attrNameLst>
-                                      </p:cBhvr>
-                                      <p:to>
-                                        <p:strVal val="visible"/>
-                                      </p:to>
-                                    </p:set>
-                                  </p:childTnLst>
-                                </p:cTn>
-                              </p:par>
-                              <p:par>
-                                <p:cTn id="99" presetID="1" presetClass="entr" presetSubtype="0" fill="hold" nodeType="withEffect">
-                                  <p:stCondLst>
-                                    <p:cond delay="0"/>
-                                  </p:stCondLst>
-                                  <p:childTnLst>
-                                    <p:set>
-                                      <p:cBhvr>
-                                        <p:cTn id="100" dur="1" fill="hold">
-                                          <p:stCondLst>
-                                            <p:cond delay="0"/>
-                                          </p:stCondLst>
-                                        </p:cTn>
-                                        <p:tgtEl>
-                                          <p:spTgt spid="3">
-                                            <p:txEl>
-                                              <p:pRg st="3" end="3"/>
-                                            </p:txEl>
-                                          </p:spTgt>
-                                        </p:tgtEl>
-                                        <p:attrNameLst>
-                                          <p:attrName>style.visibility</p:attrName>
-                                        </p:attrNameLst>
-                                      </p:cBhvr>
-                                      <p:to>
-                                        <p:strVal val="visible"/>
-                                      </p:to>
-                                    </p:set>
-                                  </p:childTnLst>
-                                </p:cTn>
-                              </p:par>
-                              <p:par>
-                                <p:cTn id="101" presetID="1" presetClass="entr" presetSubtype="0" fill="hold" nodeType="withEffect">
-                                  <p:stCondLst>
-                                    <p:cond delay="0"/>
-                                  </p:stCondLst>
-                                  <p:childTnLst>
-                                    <p:set>
-                                      <p:cBhvr>
-                                        <p:cTn id="102" dur="1" fill="hold">
-                                          <p:stCondLst>
-                                            <p:cond delay="0"/>
-                                          </p:stCondLst>
-                                        </p:cTn>
-                                        <p:tgtEl>
-                                          <p:spTgt spid="3">
-                                            <p:txEl>
-                                              <p:pRg st="4" end="4"/>
-                                            </p:txEl>
-                                          </p:spTgt>
-                                        </p:tgtEl>
-                                        <p:attrNameLst>
-                                          <p:attrName>style.visibility</p:attrName>
-                                        </p:attrNameLst>
-                                      </p:cBhvr>
-                                      <p:to>
-                                        <p:strVal val="visible"/>
-                                      </p:to>
-                                    </p:set>
-                                  </p:childTnLst>
-                                </p:cTn>
-                              </p:par>
-                            </p:childTnLst>
-                          </p:cTn>
-                        </p:par>
-                      </p:childTnLst>
-                    </p:cTn>
-                  </p:par>
-                  <p:par>
-                    <p:cTn id="103" fill="hold">
-                      <p:stCondLst>
-                        <p:cond delay="indefinite"/>
-                      </p:stCondLst>
-                      <p:childTnLst>
-                        <p:par>
-                          <p:cTn id="104" fill="hold">
-                            <p:stCondLst>
-                              <p:cond delay="0"/>
-                            </p:stCondLst>
-                            <p:childTnLst>
-                              <p:par>
-                                <p:cTn id="105" presetID="1" presetClass="entr" presetSubtype="0" fill="hold" nodeType="clickEffect">
-                                  <p:stCondLst>
-                                    <p:cond delay="0"/>
-                                  </p:stCondLst>
-                                  <p:childTnLst>
-                                    <p:set>
-                                      <p:cBhvr>
-                                        <p:cTn id="106" dur="1" fill="hold">
-                                          <p:stCondLst>
-                                            <p:cond delay="0"/>
-                                          </p:stCondLst>
-                                        </p:cTn>
-                                        <p:tgtEl>
-                                          <p:spTgt spid="3">
-                                            <p:txEl>
-                                              <p:pRg st="5" end="5"/>
-                                            </p:txEl>
-                                          </p:spTgt>
-                                        </p:tgtEl>
-                                        <p:attrNameLst>
-                                          <p:attrName>style.visibility</p:attrName>
-                                        </p:attrNameLst>
-                                      </p:cBhvr>
-                                      <p:to>
-                                        <p:strVal val="visible"/>
-                                      </p:to>
-                                    </p:set>
-                                  </p:childTnLst>
-                                </p:cTn>
-                              </p:par>
-                              <p:par>
-                                <p:cTn id="107" presetID="1" presetClass="entr" presetSubtype="0" fill="hold" nodeType="withEffect">
-                                  <p:stCondLst>
-                                    <p:cond delay="0"/>
-                                  </p:stCondLst>
-                                  <p:childTnLst>
-                                    <p:set>
-                                      <p:cBhvr>
-                                        <p:cTn id="108" dur="1" fill="hold">
-                                          <p:stCondLst>
-                                            <p:cond delay="0"/>
-                                          </p:stCondLst>
-                                        </p:cTn>
-                                        <p:tgtEl>
-                                          <p:spTgt spid="3">
-                                            <p:txEl>
-                                              <p:pRg st="6" end="6"/>
-                                            </p:txEl>
-                                          </p:spTgt>
-                                        </p:tgtEl>
-                                        <p:attrNameLst>
-                                          <p:attrName>style.visibility</p:attrName>
-                                        </p:attrNameLst>
-                                      </p:cBhvr>
-                                      <p:to>
-                                        <p:strVal val="visible"/>
-                                      </p:to>
-                                    </p:set>
-                                  </p:childTnLst>
-                                </p:cTn>
-                              </p:par>
-                              <p:par>
-                                <p:cTn id="109" presetID="1" presetClass="entr" presetSubtype="0" fill="hold" nodeType="withEffect">
-                                  <p:stCondLst>
-                                    <p:cond delay="0"/>
-                                  </p:stCondLst>
-                                  <p:childTnLst>
-                                    <p:set>
-                                      <p:cBhvr>
-                                        <p:cTn id="110" dur="1" fill="hold">
+                                        <p:cTn id="10" dur="1" fill="hold">
                                           <p:stCondLst>
                                             <p:cond delay="0"/>
                                           </p:stCondLst>
@@ -9019,7 +11215,7 @@
             <a:r>
               <a:rPr lang="en-US" sz="2400" dirty="0">
                 <a:solidFill>
-                  <a:srgbClr val="FF0000"/>
+                  <a:srgbClr val="F6726E"/>
                 </a:solidFill>
               </a:rPr>
               <a:t>cause</a:t>
@@ -9041,7 +11237,7 @@
             <a:r>
               <a:rPr lang="en-US" sz="2400" dirty="0">
                 <a:solidFill>
-                  <a:srgbClr val="FF0000"/>
+                  <a:srgbClr val="F6726E"/>
                 </a:solidFill>
               </a:rPr>
               <a:t>innovation</a:t>
@@ -9055,7 +11251,7 @@
             <a:r>
               <a:rPr lang="en-US" sz="2400" dirty="0">
                 <a:solidFill>
-                  <a:srgbClr val="FF0000"/>
+                  <a:srgbClr val="F6726E"/>
                 </a:solidFill>
               </a:rPr>
               <a:t>specialization</a:t>
@@ -9073,7 +11269,7 @@
             <a:r>
               <a:rPr lang="en-US" sz="2400" dirty="0">
                 <a:solidFill>
-                  <a:srgbClr val="FF0000"/>
+                  <a:srgbClr val="F6726E"/>
                 </a:solidFill>
               </a:rPr>
               <a:t>causation</a:t>
@@ -9085,7 +11281,7 @@
             <a:r>
               <a:rPr lang="en-US" sz="2400" dirty="0">
                 <a:solidFill>
-                  <a:srgbClr val="FF0000"/>
+                  <a:srgbClr val="F6726E"/>
                 </a:solidFill>
               </a:rPr>
               <a:t>correlation</a:t>
@@ -9111,7 +11307,7 @@
             <a:r>
               <a:rPr lang="en-US" sz="2400" dirty="0">
                 <a:solidFill>
-                  <a:srgbClr val="FF0000"/>
+                  <a:srgbClr val="F6726E"/>
                 </a:solidFill>
               </a:rPr>
               <a:t>political systems</a:t>
@@ -9200,7 +11396,7 @@
             <a:r>
               <a:rPr lang="en-US" dirty="0">
                 <a:solidFill>
-                  <a:srgbClr val="FF0000"/>
+                  <a:srgbClr val="F6726E"/>
                 </a:solidFill>
               </a:rPr>
               <a:t>political system</a:t>
@@ -9242,7 +11438,7 @@
             <a:r>
               <a:rPr lang="en-US" dirty="0">
                 <a:solidFill>
-                  <a:srgbClr val="FF0000"/>
+                  <a:srgbClr val="F6726E"/>
                 </a:solidFill>
               </a:rPr>
               <a:t>democratic</a:t>
@@ -9254,7 +11450,7 @@
             <a:r>
               <a:rPr lang="en-US" dirty="0">
                 <a:solidFill>
-                  <a:srgbClr val="FF0000"/>
+                  <a:srgbClr val="F6726E"/>
                 </a:solidFill>
               </a:rPr>
               <a:t>non-democratic</a:t>

--- a/02 Specialization and Trade.pptx
+++ b/02 Specialization and Trade.pptx
@@ -216,7 +216,7 @@
           <a:p>
             <a:fld id="{F1698658-9C43-6442-897A-DECE6CC3733D}" type="datetimeFigureOut">
               <a:rPr lang="en-US" smtClean="0"/>
-              <a:t>9/20/21</a:t>
+              <a:t>10/2/21</a:t>
             </a:fld>
             <a:endParaRPr lang="en-US"/>
           </a:p>
@@ -3592,7 +3592,7 @@
             <a:fld id="{CCBEB372-AF32-C642-9DDD-239D8704FBC0}" type="datetimeFigureOut">
               <a:rPr lang="en-US" smtClean="0"/>
               <a:pPr/>
-              <a:t>9/20/21</a:t>
+              <a:t>10/2/21</a:t>
             </a:fld>
             <a:endParaRPr lang="en-US" dirty="0"/>
           </a:p>
@@ -4172,7 +4172,11 @@
             </a:pPr>
             <a:r>
               <a:rPr lang="en-US" dirty="0"/>
-              <a:t>September 15, 2020</a:t>
+              <a:t>September 15</a:t>
+            </a:r>
+            <a:r>
+              <a:rPr lang="en-US"/>
+              <a:t>, 2021</a:t>
             </a:r>
             <a:endParaRPr dirty="0"/>
           </a:p>
